--- a/Basics_Supercomputing/what_is_supercomputer.pptx
+++ b/Basics_Supercomputing/what_is_supercomputer.pptx
@@ -5,36 +5,38 @@
     <p:sldMasterId id="2147483815" r:id="rId1"/>
   </p:sldMasterIdLst>
   <p:notesMasterIdLst>
-    <p:notesMasterId r:id="rId26"/>
+    <p:notesMasterId r:id="rId28"/>
   </p:notesMasterIdLst>
   <p:handoutMasterIdLst>
-    <p:handoutMasterId r:id="rId27"/>
+    <p:handoutMasterId r:id="rId29"/>
   </p:handoutMasterIdLst>
   <p:sldIdLst>
     <p:sldId id="257" r:id="rId2"/>
-    <p:sldId id="299" r:id="rId3"/>
-    <p:sldId id="259" r:id="rId4"/>
-    <p:sldId id="300" r:id="rId5"/>
-    <p:sldId id="301" r:id="rId6"/>
-    <p:sldId id="298" r:id="rId7"/>
-    <p:sldId id="276" r:id="rId8"/>
-    <p:sldId id="277" r:id="rId9"/>
-    <p:sldId id="260" r:id="rId10"/>
-    <p:sldId id="269" r:id="rId11"/>
-    <p:sldId id="270" r:id="rId12"/>
-    <p:sldId id="263" r:id="rId13"/>
-    <p:sldId id="278" r:id="rId14"/>
-    <p:sldId id="285" r:id="rId15"/>
-    <p:sldId id="286" r:id="rId16"/>
-    <p:sldId id="287" r:id="rId17"/>
-    <p:sldId id="292" r:id="rId18"/>
-    <p:sldId id="289" r:id="rId19"/>
-    <p:sldId id="293" r:id="rId20"/>
-    <p:sldId id="268" r:id="rId21"/>
-    <p:sldId id="296" r:id="rId22"/>
-    <p:sldId id="295" r:id="rId23"/>
-    <p:sldId id="294" r:id="rId24"/>
-    <p:sldId id="297" r:id="rId25"/>
+    <p:sldId id="302" r:id="rId3"/>
+    <p:sldId id="299" r:id="rId4"/>
+    <p:sldId id="259" r:id="rId5"/>
+    <p:sldId id="300" r:id="rId6"/>
+    <p:sldId id="301" r:id="rId7"/>
+    <p:sldId id="298" r:id="rId8"/>
+    <p:sldId id="276" r:id="rId9"/>
+    <p:sldId id="277" r:id="rId10"/>
+    <p:sldId id="260" r:id="rId11"/>
+    <p:sldId id="269" r:id="rId12"/>
+    <p:sldId id="270" r:id="rId13"/>
+    <p:sldId id="303" r:id="rId14"/>
+    <p:sldId id="304" r:id="rId15"/>
+    <p:sldId id="263" r:id="rId16"/>
+    <p:sldId id="278" r:id="rId17"/>
+    <p:sldId id="285" r:id="rId18"/>
+    <p:sldId id="286" r:id="rId19"/>
+    <p:sldId id="287" r:id="rId20"/>
+    <p:sldId id="292" r:id="rId21"/>
+    <p:sldId id="289" r:id="rId22"/>
+    <p:sldId id="293" r:id="rId23"/>
+    <p:sldId id="305" r:id="rId24"/>
+    <p:sldId id="306" r:id="rId25"/>
+    <p:sldId id="307" r:id="rId26"/>
+    <p:sldId id="297" r:id="rId27"/>
   </p:sldIdLst>
   <p:sldSz cx="9144000" cy="6858000" type="screen4x3"/>
   <p:notesSz cx="6858000" cy="9144000"/>
@@ -139,6 +141,7 @@
         <p14:section name="Default Section" id="{5EF5A376-C71F-F249-8B69-84994ECA1A0F}">
           <p14:sldIdLst>
             <p14:sldId id="257"/>
+            <p14:sldId id="302"/>
             <p14:sldId id="299"/>
             <p14:sldId id="259"/>
             <p14:sldId id="300"/>
@@ -149,6 +152,8 @@
             <p14:sldId id="260"/>
             <p14:sldId id="269"/>
             <p14:sldId id="270"/>
+            <p14:sldId id="303"/>
+            <p14:sldId id="304"/>
             <p14:sldId id="263"/>
             <p14:sldId id="278"/>
             <p14:sldId id="285"/>
@@ -157,10 +162,9 @@
             <p14:sldId id="292"/>
             <p14:sldId id="289"/>
             <p14:sldId id="293"/>
-            <p14:sldId id="268"/>
-            <p14:sldId id="296"/>
-            <p14:sldId id="295"/>
-            <p14:sldId id="294"/>
+            <p14:sldId id="305"/>
+            <p14:sldId id="306"/>
+            <p14:sldId id="307"/>
             <p14:sldId id="297"/>
           </p14:sldIdLst>
         </p14:section>
@@ -266,7 +270,7 @@
           <a:p>
             <a:fld id="{595B738E-61D3-FF43-9AAF-3D2023FB1DC3}" type="datetimeFigureOut">
               <a:rPr lang="en-US" smtClean="0"/>
-              <a:t>7/11/16</a:t>
+              <a:t>7/12/16</a:t>
             </a:fld>
             <a:endParaRPr lang="en-US"/>
           </a:p>
@@ -432,7 +436,7 @@
           <a:p>
             <a:fld id="{7BBD8333-6779-F842-8F4E-BFED34008A7A}" type="datetimeFigureOut">
               <a:rPr lang="en-US" smtClean="0"/>
-              <a:t>7/11/16</a:t>
+              <a:t>7/12/16</a:t>
             </a:fld>
             <a:endParaRPr lang="en-US"/>
           </a:p>
@@ -804,7 +808,7 @@
       </p:grpSpPr>
       <p:sp>
         <p:nvSpPr>
-          <p:cNvPr id="2" name="Slide Image Placeholder 1"/>
+          <p:cNvPr id="20482" name="Slide Image Placeholder 1"/>
           <p:cNvSpPr>
             <a:spLocks noGrp="1" noRot="1" noChangeAspect="1"/>
           </p:cNvSpPr>
@@ -812,11 +816,13 @@
             <p:ph type="sldImg"/>
           </p:nvPr>
         </p:nvSpPr>
-        <p:spPr/>
-      </p:sp>
-      <p:sp>
-        <p:nvSpPr>
-          <p:cNvPr id="3" name="Notes Placeholder 2"/>
+        <p:spPr>
+          <a:ln/>
+        </p:spPr>
+      </p:sp>
+      <p:sp>
+        <p:nvSpPr>
+          <p:cNvPr id="20483" name="Notes Placeholder 2"/>
           <p:cNvSpPr>
             <a:spLocks noGrp="1"/>
           </p:cNvSpPr>
@@ -824,42 +830,228 @@
             <p:ph type="body" idx="1"/>
           </p:nvPr>
         </p:nvSpPr>
-        <p:spPr/>
-        <p:txBody>
-          <a:bodyPr/>
-          <a:lstStyle/>
-          <a:p>
-            <a:endParaRPr lang="en-US" baseline="0" dirty="0" smtClean="0"/>
-          </a:p>
-        </p:txBody>
-      </p:sp>
-      <p:sp>
-        <p:nvSpPr>
-          <p:cNvPr id="4" name="Slide Number Placeholder 3"/>
-          <p:cNvSpPr>
-            <a:spLocks noGrp="1"/>
-          </p:cNvSpPr>
-          <p:nvPr>
-            <p:ph type="sldNum" sz="quarter" idx="10"/>
-          </p:nvPr>
-        </p:nvSpPr>
-        <p:spPr/>
-        <p:txBody>
-          <a:bodyPr/>
-          <a:lstStyle/>
-          <a:p>
-            <a:fld id="{08008AE1-FA72-B840-8C8E-D06497C18101}" type="slidenum">
-              <a:rPr lang="en-US" smtClean="0"/>
-              <a:t>12</a:t>
+        <p:spPr>
+          <a:noFill/>
+          <a:ln/>
+          <a:extLst>
+            <a:ext uri="{FAA26D3D-D897-4be2-8F04-BA451C77F1D7}">
+              <ma14:placeholderFlag xmlns:ma14="http://schemas.microsoft.com/office/mac/drawingml/2011/main" val="1"/>
+            </a:ext>
+            <a:ext uri="{909E8E84-426E-40dd-AFC4-6F175D3DCCD1}">
+              <a14:hiddenFill xmlns="" xmlns:a14="http://schemas.microsoft.com/office/drawing/2010/main">
+                <a:solidFill>
+                  <a:srgbClr val="FFFFFF"/>
+                </a:solidFill>
+              </a14:hiddenFill>
+            </a:ext>
+            <a:ext uri="{91240B29-F687-4f45-9708-019B960494DF}">
+              <a14:hiddenLine xmlns="" xmlns:a14="http://schemas.microsoft.com/office/drawing/2010/main" w="9525">
+                <a:solidFill>
+                  <a:srgbClr val="000000"/>
+                </a:solidFill>
+                <a:miter lim="800000"/>
+                <a:headEnd/>
+                <a:tailEnd/>
+              </a14:hiddenLine>
+            </a:ext>
+          </a:extLst>
+        </p:spPr>
+        <p:txBody>
+          <a:bodyPr/>
+          <a:lstStyle/>
+          <a:p>
+            <a:r>
+              <a:rPr lang="en-US" dirty="0" smtClean="0">
+                <a:latin typeface="Times New Roman" charset="0"/>
+                <a:ea typeface="ＭＳ Ｐゴシック" charset="0"/>
+                <a:cs typeface="ＭＳ Ｐゴシック" charset="0"/>
+              </a:rPr>
+              <a:t>Main design consideration was running large parallel jobs really fast.  Stability was a tradeoff.  </a:t>
+            </a:r>
+            <a:endParaRPr lang="en-US" dirty="0">
+              <a:latin typeface="Times New Roman" charset="0"/>
+              <a:ea typeface="ＭＳ Ｐゴシック" charset="0"/>
+              <a:cs typeface="ＭＳ Ｐゴシック" charset="0"/>
+            </a:endParaRPr>
+          </a:p>
+        </p:txBody>
+      </p:sp>
+      <p:sp>
+        <p:nvSpPr>
+          <p:cNvPr id="20484" name="Slide Number Placeholder 3"/>
+          <p:cNvSpPr>
+            <a:spLocks noGrp="1"/>
+          </p:cNvSpPr>
+          <p:nvPr>
+            <p:ph type="sldNum" sz="quarter" idx="5"/>
+          </p:nvPr>
+        </p:nvSpPr>
+        <p:spPr>
+          <a:noFill/>
+          <a:ln/>
+          <a:extLst>
+            <a:ext uri="{909E8E84-426E-40dd-AFC4-6F175D3DCCD1}">
+              <a14:hiddenFill xmlns="" xmlns:a14="http://schemas.microsoft.com/office/drawing/2010/main">
+                <a:solidFill>
+                  <a:srgbClr val="FFFFFF"/>
+                </a:solidFill>
+              </a14:hiddenFill>
+            </a:ext>
+            <a:ext uri="{91240B29-F687-4f45-9708-019B960494DF}">
+              <a14:hiddenLine xmlns="" xmlns:a14="http://schemas.microsoft.com/office/drawing/2010/main" w="9525">
+                <a:solidFill>
+                  <a:srgbClr val="000000"/>
+                </a:solidFill>
+                <a:miter lim="800000"/>
+                <a:headEnd/>
+                <a:tailEnd/>
+              </a14:hiddenLine>
+            </a:ext>
+          </a:extLst>
+        </p:spPr>
+        <p:txBody>
+          <a:bodyPr/>
+          <a:lstStyle>
+            <a:lvl1pPr eaLnBrk="0" hangingPunct="0">
+              <a:defRPr sz="4400">
+                <a:solidFill>
+                  <a:schemeClr val="tx2"/>
+                </a:solidFill>
+                <a:latin typeface="Tahoma" charset="0"/>
+                <a:ea typeface="ＭＳ Ｐゴシック" charset="0"/>
+                <a:cs typeface="Arial" charset="0"/>
+              </a:defRPr>
+            </a:lvl1pPr>
+            <a:lvl2pPr marL="37931725" indent="-37474525" eaLnBrk="0" hangingPunct="0">
+              <a:defRPr sz="4400">
+                <a:solidFill>
+                  <a:schemeClr val="tx2"/>
+                </a:solidFill>
+                <a:latin typeface="Tahoma" charset="0"/>
+                <a:ea typeface="Arial" charset="0"/>
+                <a:cs typeface="Arial" charset="0"/>
+              </a:defRPr>
+            </a:lvl2pPr>
+            <a:lvl3pPr eaLnBrk="0" hangingPunct="0">
+              <a:defRPr sz="4400">
+                <a:solidFill>
+                  <a:schemeClr val="tx2"/>
+                </a:solidFill>
+                <a:latin typeface="Tahoma" charset="0"/>
+                <a:ea typeface="Arial" charset="0"/>
+                <a:cs typeface="Arial" charset="0"/>
+              </a:defRPr>
+            </a:lvl3pPr>
+            <a:lvl4pPr eaLnBrk="0" hangingPunct="0">
+              <a:defRPr sz="4400">
+                <a:solidFill>
+                  <a:schemeClr val="tx2"/>
+                </a:solidFill>
+                <a:latin typeface="Tahoma" charset="0"/>
+                <a:ea typeface="Arial" charset="0"/>
+                <a:cs typeface="Arial" charset="0"/>
+              </a:defRPr>
+            </a:lvl4pPr>
+            <a:lvl5pPr eaLnBrk="0" hangingPunct="0">
+              <a:defRPr sz="4400">
+                <a:solidFill>
+                  <a:schemeClr val="tx2"/>
+                </a:solidFill>
+                <a:latin typeface="Tahoma" charset="0"/>
+                <a:ea typeface="Arial" charset="0"/>
+                <a:cs typeface="Arial" charset="0"/>
+              </a:defRPr>
+            </a:lvl5pPr>
+            <a:lvl6pPr marL="457200" eaLnBrk="0" fontAlgn="base" hangingPunct="0">
+              <a:spcBef>
+                <a:spcPct val="0"/>
+              </a:spcBef>
+              <a:spcAft>
+                <a:spcPct val="0"/>
+              </a:spcAft>
+              <a:defRPr sz="4400">
+                <a:solidFill>
+                  <a:schemeClr val="tx2"/>
+                </a:solidFill>
+                <a:latin typeface="Tahoma" charset="0"/>
+                <a:ea typeface="Arial" charset="0"/>
+                <a:cs typeface="Arial" charset="0"/>
+              </a:defRPr>
+            </a:lvl6pPr>
+            <a:lvl7pPr marL="914400" eaLnBrk="0" fontAlgn="base" hangingPunct="0">
+              <a:spcBef>
+                <a:spcPct val="0"/>
+              </a:spcBef>
+              <a:spcAft>
+                <a:spcPct val="0"/>
+              </a:spcAft>
+              <a:defRPr sz="4400">
+                <a:solidFill>
+                  <a:schemeClr val="tx2"/>
+                </a:solidFill>
+                <a:latin typeface="Tahoma" charset="0"/>
+                <a:ea typeface="Arial" charset="0"/>
+                <a:cs typeface="Arial" charset="0"/>
+              </a:defRPr>
+            </a:lvl7pPr>
+            <a:lvl8pPr marL="1371600" eaLnBrk="0" fontAlgn="base" hangingPunct="0">
+              <a:spcBef>
+                <a:spcPct val="0"/>
+              </a:spcBef>
+              <a:spcAft>
+                <a:spcPct val="0"/>
+              </a:spcAft>
+              <a:defRPr sz="4400">
+                <a:solidFill>
+                  <a:schemeClr val="tx2"/>
+                </a:solidFill>
+                <a:latin typeface="Tahoma" charset="0"/>
+                <a:ea typeface="Arial" charset="0"/>
+                <a:cs typeface="Arial" charset="0"/>
+              </a:defRPr>
+            </a:lvl8pPr>
+            <a:lvl9pPr marL="1828800" eaLnBrk="0" fontAlgn="base" hangingPunct="0">
+              <a:spcBef>
+                <a:spcPct val="0"/>
+              </a:spcBef>
+              <a:spcAft>
+                <a:spcPct val="0"/>
+              </a:spcAft>
+              <a:defRPr sz="4400">
+                <a:solidFill>
+                  <a:schemeClr val="tx2"/>
+                </a:solidFill>
+                <a:latin typeface="Tahoma" charset="0"/>
+                <a:ea typeface="Arial" charset="0"/>
+                <a:cs typeface="Arial" charset="0"/>
+              </a:defRPr>
+            </a:lvl9pPr>
+          </a:lstStyle>
+          <a:p>
+            <a:pPr eaLnBrk="1" hangingPunct="1"/>
+            <a:fld id="{3B8CD463-C8BB-DB47-8BA1-9B1C6BA010DF}" type="slidenum">
+              <a:rPr lang="en-US" sz="1200">
+                <a:solidFill>
+                  <a:schemeClr val="tx1"/>
+                </a:solidFill>
+                <a:latin typeface="Times New Roman" charset="0"/>
+              </a:rPr>
+              <a:pPr eaLnBrk="1" hangingPunct="1"/>
+              <a:t>13</a:t>
             </a:fld>
-            <a:endParaRPr lang="en-US"/>
+            <a:endParaRPr lang="en-US" sz="1200">
+              <a:solidFill>
+                <a:schemeClr val="tx1"/>
+              </a:solidFill>
+              <a:latin typeface="Times New Roman" charset="0"/>
+            </a:endParaRPr>
           </a:p>
         </p:txBody>
       </p:sp>
     </p:spTree>
     <p:extLst>
       <p:ext uri="{BB962C8B-B14F-4D97-AF65-F5344CB8AC3E}">
-        <p14:creationId xmlns:p14="http://schemas.microsoft.com/office/powerpoint/2010/main" val="1660256610"/>
+        <p14:creationId xmlns:p14="http://schemas.microsoft.com/office/powerpoint/2010/main" val="1551967359"/>
       </p:ext>
     </p:extLst>
   </p:cSld>
@@ -913,15 +1105,7 @@
           <a:bodyPr/>
           <a:lstStyle/>
           <a:p>
-            <a:r>
-              <a:rPr lang="en-US" dirty="0" smtClean="0"/>
-              <a:t>Different spaces are appropriate for different kinds of data and</a:t>
-            </a:r>
-            <a:r>
-              <a:rPr lang="en-US" baseline="0" dirty="0" smtClean="0"/>
-              <a:t> I/O</a:t>
-            </a:r>
-            <a:endParaRPr lang="en-US" dirty="0"/>
+            <a:endParaRPr lang="en-US" dirty="0" smtClean="0"/>
           </a:p>
         </p:txBody>
       </p:sp>
@@ -942,7 +1126,7 @@
           <a:p>
             <a:fld id="{08008AE1-FA72-B840-8C8E-D06497C18101}" type="slidenum">
               <a:rPr lang="en-US" smtClean="0"/>
-              <a:t>13</a:t>
+              <a:t>14</a:t>
             </a:fld>
             <a:endParaRPr lang="en-US"/>
           </a:p>
@@ -951,7 +1135,7 @@
     </p:spTree>
     <p:extLst>
       <p:ext uri="{BB962C8B-B14F-4D97-AF65-F5344CB8AC3E}">
-        <p14:creationId xmlns:p14="http://schemas.microsoft.com/office/powerpoint/2010/main" val="3867207026"/>
+        <p14:creationId xmlns:p14="http://schemas.microsoft.com/office/powerpoint/2010/main" val="1445796000"/>
       </p:ext>
     </p:extLst>
   </p:cSld>
@@ -1005,11 +1189,7 @@
           <a:bodyPr/>
           <a:lstStyle/>
           <a:p>
-            <a:r>
-              <a:rPr lang="en-US" dirty="0" smtClean="0"/>
-              <a:t>What is a job?</a:t>
-            </a:r>
-            <a:endParaRPr lang="en-US" dirty="0"/>
+            <a:endParaRPr lang="en-US" baseline="0" dirty="0" smtClean="0"/>
           </a:p>
         </p:txBody>
       </p:sp>
@@ -1028,9 +1208,9 @@
           <a:bodyPr/>
           <a:lstStyle/>
           <a:p>
-            <a:fld id="{54C6F307-C252-3144-8660-72083DC36D5C}" type="slidenum">
-              <a:rPr lang="en-US" smtClean="0"/>
-              <a:t>14</a:t>
+            <a:fld id="{08008AE1-FA72-B840-8C8E-D06497C18101}" type="slidenum">
+              <a:rPr lang="en-US" smtClean="0"/>
+              <a:t>15</a:t>
             </a:fld>
             <a:endParaRPr lang="en-US"/>
           </a:p>
@@ -1039,7 +1219,7 @@
     </p:spTree>
     <p:extLst>
       <p:ext uri="{BB962C8B-B14F-4D97-AF65-F5344CB8AC3E}">
-        <p14:creationId xmlns:p14="http://schemas.microsoft.com/office/powerpoint/2010/main" val="1788785311"/>
+        <p14:creationId xmlns:p14="http://schemas.microsoft.com/office/powerpoint/2010/main" val="1660256610"/>
       </p:ext>
     </p:extLst>
   </p:cSld>
@@ -1095,19 +1275,11 @@
           <a:p>
             <a:r>
               <a:rPr lang="en-US" dirty="0" smtClean="0"/>
-              <a:t>More</a:t>
+              <a:t>Different spaces are appropriate for different kinds of data and</a:t>
             </a:r>
             <a:r>
               <a:rPr lang="en-US" baseline="0" dirty="0" smtClean="0"/>
-              <a:t> and more HPC sites are switching to </a:t>
-            </a:r>
-            <a:r>
-              <a:rPr lang="en-US" baseline="0" dirty="0" err="1" smtClean="0"/>
-              <a:t>Slurm</a:t>
-            </a:r>
-            <a:r>
-              <a:rPr lang="en-US" baseline="0" dirty="0" smtClean="0"/>
-              <a:t>.</a:t>
+              <a:t> I/O</a:t>
             </a:r>
             <a:endParaRPr lang="en-US" dirty="0"/>
           </a:p>
@@ -1130,7 +1302,7 @@
           <a:p>
             <a:fld id="{08008AE1-FA72-B840-8C8E-D06497C18101}" type="slidenum">
               <a:rPr lang="en-US" smtClean="0"/>
-              <a:t>17</a:t>
+              <a:t>16</a:t>
             </a:fld>
             <a:endParaRPr lang="en-US"/>
           </a:p>
@@ -1139,7 +1311,7 @@
     </p:spTree>
     <p:extLst>
       <p:ext uri="{BB962C8B-B14F-4D97-AF65-F5344CB8AC3E}">
-        <p14:creationId xmlns:p14="http://schemas.microsoft.com/office/powerpoint/2010/main" val="1660256610"/>
+        <p14:creationId xmlns:p14="http://schemas.microsoft.com/office/powerpoint/2010/main" val="3867207026"/>
       </p:ext>
     </p:extLst>
   </p:cSld>
@@ -1193,22 +1365,6 @@
           <a:bodyPr/>
           <a:lstStyle/>
           <a:p>
-            <a:r>
-              <a:rPr lang="en-US" dirty="0" smtClean="0"/>
-              <a:t>The same</a:t>
-            </a:r>
-            <a:r>
-              <a:rPr lang="en-US" baseline="0" dirty="0" smtClean="0"/>
-              <a:t> request for resources may require a somewhat different syntax depending on how the batch/scheduling software has been configured, </a:t>
-            </a:r>
-            <a:r>
-              <a:rPr lang="en-US" baseline="0" dirty="0" err="1" smtClean="0"/>
-              <a:t>eg</a:t>
-            </a:r>
-            <a:r>
-              <a:rPr lang="en-US" baseline="0" dirty="0" smtClean="0"/>
-              <a:t> at different sites.</a:t>
-            </a:r>
             <a:endParaRPr lang="en-US" dirty="0"/>
           </a:p>
         </p:txBody>
@@ -1228,9 +1384,9 @@
           <a:bodyPr/>
           <a:lstStyle/>
           <a:p>
-            <a:fld id="{08008AE1-FA72-B840-8C8E-D06497C18101}" type="slidenum">
-              <a:rPr lang="en-US" smtClean="0"/>
-              <a:t>18</a:t>
+            <a:fld id="{54C6F307-C252-3144-8660-72083DC36D5C}" type="slidenum">
+              <a:rPr lang="en-US" smtClean="0"/>
+              <a:t>17</a:t>
             </a:fld>
             <a:endParaRPr lang="en-US"/>
           </a:p>
@@ -1239,7 +1395,7 @@
     </p:spTree>
     <p:extLst>
       <p:ext uri="{BB962C8B-B14F-4D97-AF65-F5344CB8AC3E}">
-        <p14:creationId xmlns:p14="http://schemas.microsoft.com/office/powerpoint/2010/main" val="1660256610"/>
+        <p14:creationId xmlns:p14="http://schemas.microsoft.com/office/powerpoint/2010/main" val="1788785311"/>
       </p:ext>
     </p:extLst>
   </p:cSld>
@@ -1293,28 +1449,6 @@
           <a:bodyPr/>
           <a:lstStyle/>
           <a:p>
-            <a:r>
-              <a:rPr lang="en-US" dirty="0" smtClean="0"/>
-              <a:t>Airport example for different kinds</a:t>
-            </a:r>
-            <a:r>
-              <a:rPr lang="en-US" baseline="0" dirty="0" smtClean="0"/>
-              <a:t> of queues</a:t>
-            </a:r>
-            <a:r>
-              <a:rPr lang="en-US" dirty="0" smtClean="0"/>
-              <a:t>.</a:t>
-            </a:r>
-          </a:p>
-          <a:p>
-            <a:r>
-              <a:rPr lang="en-US" dirty="0" smtClean="0"/>
-              <a:t>The takeaway</a:t>
-            </a:r>
-            <a:r>
-              <a:rPr lang="en-US" baseline="0" dirty="0" smtClean="0"/>
-              <a:t> here is that the concept of a queue is the same in either case, but you will use a different syntax to request a queue for your job.</a:t>
-            </a:r>
             <a:endParaRPr lang="en-US" dirty="0"/>
           </a:p>
         </p:txBody>
@@ -1336,7 +1470,7 @@
           <a:p>
             <a:fld id="{08008AE1-FA72-B840-8C8E-D06497C18101}" type="slidenum">
               <a:rPr lang="en-US" smtClean="0"/>
-              <a:t>19</a:t>
+              <a:t>20</a:t>
             </a:fld>
             <a:endParaRPr lang="en-US"/>
           </a:p>
@@ -1420,7 +1554,7 @@
           <a:p>
             <a:fld id="{08008AE1-FA72-B840-8C8E-D06497C18101}" type="slidenum">
               <a:rPr lang="en-US" smtClean="0"/>
-              <a:t>20</a:t>
+              <a:t>21</a:t>
             </a:fld>
             <a:endParaRPr lang="en-US"/>
           </a:p>
@@ -1429,7 +1563,7 @@
     </p:spTree>
     <p:extLst>
       <p:ext uri="{BB962C8B-B14F-4D97-AF65-F5344CB8AC3E}">
-        <p14:creationId xmlns:p14="http://schemas.microsoft.com/office/powerpoint/2010/main" val="3867207026"/>
+        <p14:creationId xmlns:p14="http://schemas.microsoft.com/office/powerpoint/2010/main" val="1660256610"/>
       </p:ext>
     </p:extLst>
   </p:cSld>
@@ -1504,7 +1638,7 @@
           <a:p>
             <a:fld id="{08008AE1-FA72-B840-8C8E-D06497C18101}" type="slidenum">
               <a:rPr lang="en-US" smtClean="0"/>
-              <a:t>21</a:t>
+              <a:t>22</a:t>
             </a:fld>
             <a:endParaRPr lang="en-US"/>
           </a:p>
@@ -1513,7 +1647,7 @@
     </p:spTree>
     <p:extLst>
       <p:ext uri="{BB962C8B-B14F-4D97-AF65-F5344CB8AC3E}">
-        <p14:creationId xmlns:p14="http://schemas.microsoft.com/office/powerpoint/2010/main" val="1426608253"/>
+        <p14:creationId xmlns:p14="http://schemas.microsoft.com/office/powerpoint/2010/main" val="1660256610"/>
       </p:ext>
     </p:extLst>
   </p:cSld>
@@ -1588,7 +1722,7 @@
           <a:p>
             <a:fld id="{08008AE1-FA72-B840-8C8E-D06497C18101}" type="slidenum">
               <a:rPr lang="en-US" smtClean="0"/>
-              <a:t>22</a:t>
+              <a:t>23</a:t>
             </a:fld>
             <a:endParaRPr lang="en-US"/>
           </a:p>
@@ -1597,7 +1731,7 @@
     </p:spTree>
     <p:extLst>
       <p:ext uri="{BB962C8B-B14F-4D97-AF65-F5344CB8AC3E}">
-        <p14:creationId xmlns:p14="http://schemas.microsoft.com/office/powerpoint/2010/main" val="461273879"/>
+        <p14:creationId xmlns:p14="http://schemas.microsoft.com/office/powerpoint/2010/main" val="1973481854"/>
       </p:ext>
     </p:extLst>
   </p:cSld>
@@ -1672,7 +1806,7 @@
           <a:p>
             <a:fld id="{08008AE1-FA72-B840-8C8E-D06497C18101}" type="slidenum">
               <a:rPr lang="en-US" smtClean="0"/>
-              <a:t>23</a:t>
+              <a:t>24</a:t>
             </a:fld>
             <a:endParaRPr lang="en-US"/>
           </a:p>
@@ -1681,7 +1815,7 @@
     </p:spTree>
     <p:extLst>
       <p:ext uri="{BB962C8B-B14F-4D97-AF65-F5344CB8AC3E}">
-        <p14:creationId xmlns:p14="http://schemas.microsoft.com/office/powerpoint/2010/main" val="819827984"/>
+        <p14:creationId xmlns:p14="http://schemas.microsoft.com/office/powerpoint/2010/main" val="871822132"/>
       </p:ext>
     </p:extLst>
   </p:cSld>
@@ -1736,16 +1870,6 @@
           <a:lstStyle/>
           <a:p>
             <a:r>
-              <a:rPr lang="en-US" dirty="0" smtClean="0"/>
-              <a:t>“We</a:t>
-            </a:r>
-            <a:r>
-              <a:rPr lang="en-US" baseline="0" dirty="0" smtClean="0"/>
-              <a:t> support computing needs beyond the desktop”. </a:t>
-            </a:r>
-          </a:p>
-          <a:p>
-            <a:r>
               <a:rPr lang="en-US" baseline="0" dirty="0" smtClean="0"/>
               <a:t>700 users across 30 institutes and departments on campus</a:t>
             </a:r>
@@ -1770,7 +1894,7 @@
           <a:p>
             <a:fld id="{08008AE1-FA72-B840-8C8E-D06497C18101}" type="slidenum">
               <a:rPr lang="en-US" smtClean="0"/>
-              <a:t>2</a:t>
+              <a:t>3</a:t>
             </a:fld>
             <a:endParaRPr lang="en-US"/>
           </a:p>
@@ -1833,44 +1957,6 @@
           <a:bodyPr/>
           <a:lstStyle/>
           <a:p>
-            <a:r>
-              <a:rPr lang="en-US" dirty="0" smtClean="0"/>
-              <a:t>Supercomputer</a:t>
-            </a:r>
-            <a:r>
-              <a:rPr lang="en-US" baseline="0" dirty="0" smtClean="0"/>
-              <a:t> – one with </a:t>
-            </a:r>
-            <a:r>
-              <a:rPr lang="en-US" baseline="0" dirty="0" err="1" smtClean="0"/>
-              <a:t>capabilites</a:t>
-            </a:r>
-            <a:r>
-              <a:rPr lang="en-US" baseline="0" dirty="0" smtClean="0"/>
-              <a:t> well beyond those of consumer-grade or even department-sized servers.  </a:t>
-            </a:r>
-            <a:r>
-              <a:rPr lang="en-US" dirty="0" smtClean="0"/>
-              <a:t>Supercomputing is </a:t>
-            </a:r>
-            <a:r>
-              <a:rPr lang="en-US" dirty="0" err="1" smtClean="0"/>
-              <a:t>approx</a:t>
-            </a:r>
-            <a:r>
-              <a:rPr lang="en-US" dirty="0" smtClean="0"/>
-              <a:t> the same as high-performance computing.</a:t>
-            </a:r>
-          </a:p>
-          <a:p>
-            <a:r>
-              <a:rPr lang="en-US" dirty="0" smtClean="0"/>
-              <a:t>The interconnect is what makes it</a:t>
-            </a:r>
-            <a:r>
-              <a:rPr lang="en-US" baseline="0" dirty="0" smtClean="0"/>
-              <a:t> a supercomputer rather than just a bunch of nodes.  Work together as one big computer.</a:t>
-            </a:r>
             <a:endParaRPr lang="en-US" dirty="0"/>
           </a:p>
         </p:txBody>
@@ -1892,7 +1978,7 @@
           <a:p>
             <a:fld id="{08008AE1-FA72-B840-8C8E-D06497C18101}" type="slidenum">
               <a:rPr lang="en-US" smtClean="0"/>
-              <a:t>3</a:t>
+              <a:t>4</a:t>
             </a:fld>
             <a:endParaRPr lang="en-US"/>
           </a:p>
@@ -1955,44 +2041,6 @@
           <a:bodyPr/>
           <a:lstStyle/>
           <a:p>
-            <a:r>
-              <a:rPr lang="en-US" dirty="0" smtClean="0"/>
-              <a:t>Supercomputer</a:t>
-            </a:r>
-            <a:r>
-              <a:rPr lang="en-US" baseline="0" dirty="0" smtClean="0"/>
-              <a:t> – one with </a:t>
-            </a:r>
-            <a:r>
-              <a:rPr lang="en-US" baseline="0" dirty="0" err="1" smtClean="0"/>
-              <a:t>capabilites</a:t>
-            </a:r>
-            <a:r>
-              <a:rPr lang="en-US" baseline="0" dirty="0" smtClean="0"/>
-              <a:t> well beyond those of consumer-grade or even department-sized servers.  </a:t>
-            </a:r>
-            <a:r>
-              <a:rPr lang="en-US" dirty="0" smtClean="0"/>
-              <a:t>Supercomputing is </a:t>
-            </a:r>
-            <a:r>
-              <a:rPr lang="en-US" dirty="0" err="1" smtClean="0"/>
-              <a:t>approx</a:t>
-            </a:r>
-            <a:r>
-              <a:rPr lang="en-US" dirty="0" smtClean="0"/>
-              <a:t> the same as high-performance computing.</a:t>
-            </a:r>
-          </a:p>
-          <a:p>
-            <a:r>
-              <a:rPr lang="en-US" dirty="0" smtClean="0"/>
-              <a:t>The interconnect is what makes it</a:t>
-            </a:r>
-            <a:r>
-              <a:rPr lang="en-US" baseline="0" dirty="0" smtClean="0"/>
-              <a:t> a supercomputer rather than just a bunch of nodes.  Work together as one big computer.</a:t>
-            </a:r>
             <a:endParaRPr lang="en-US" dirty="0"/>
           </a:p>
         </p:txBody>
@@ -2014,7 +2062,7 @@
           <a:p>
             <a:fld id="{08008AE1-FA72-B840-8C8E-D06497C18101}" type="slidenum">
               <a:rPr lang="en-US" smtClean="0"/>
-              <a:t>6</a:t>
+              <a:t>7</a:t>
             </a:fld>
             <a:endParaRPr lang="en-US"/>
           </a:p>
@@ -2077,10 +2125,6 @@
           <a:bodyPr/>
           <a:lstStyle/>
           <a:p>
-            <a:r>
-              <a:rPr lang="en-US" dirty="0" smtClean="0"/>
-              <a:t>Your personal computer is like a Google car – pretty much operates itself, quite reliable, but only goes 25mph.</a:t>
-            </a:r>
             <a:endParaRPr lang="en-US" dirty="0"/>
           </a:p>
         </p:txBody>
@@ -2102,7 +2146,7 @@
           <a:p>
             <a:fld id="{08008AE1-FA72-B840-8C8E-D06497C18101}" type="slidenum">
               <a:rPr lang="en-US" smtClean="0"/>
-              <a:t>7</a:t>
+              <a:t>8</a:t>
             </a:fld>
             <a:endParaRPr lang="en-US"/>
           </a:p>
@@ -2165,14 +2209,6 @@
           <a:bodyPr/>
           <a:lstStyle/>
           <a:p>
-            <a:r>
-              <a:rPr lang="en-US" dirty="0" smtClean="0"/>
-              <a:t>Supercomputer</a:t>
-            </a:r>
-            <a:r>
-              <a:rPr lang="en-US" baseline="0" dirty="0" smtClean="0"/>
-              <a:t> is like an Indy car - way faster but takes some special skills to operate, requires a dedicated maintenance crew, and can crash if not used properly.</a:t>
-            </a:r>
             <a:endParaRPr lang="en-US" dirty="0"/>
           </a:p>
         </p:txBody>
@@ -2194,7 +2230,7 @@
           <a:p>
             <a:fld id="{08008AE1-FA72-B840-8C8E-D06497C18101}" type="slidenum">
               <a:rPr lang="en-US" smtClean="0"/>
-              <a:t>8</a:t>
+              <a:t>9</a:t>
             </a:fld>
             <a:endParaRPr lang="en-US"/>
           </a:p>
@@ -2278,7 +2314,7 @@
           <a:p>
             <a:fld id="{08008AE1-FA72-B840-8C8E-D06497C18101}" type="slidenum">
               <a:rPr lang="en-US" smtClean="0"/>
-              <a:t>9</a:t>
+              <a:t>10</a:t>
             </a:fld>
             <a:endParaRPr lang="en-US"/>
           </a:p>
@@ -2370,7 +2406,7 @@
           <a:p>
             <a:fld id="{08008AE1-FA72-B840-8C8E-D06497C18101}" type="slidenum">
               <a:rPr lang="en-US" smtClean="0"/>
-              <a:t>10</a:t>
+              <a:t>11</a:t>
             </a:fld>
             <a:endParaRPr lang="en-US"/>
           </a:p>
@@ -2433,27 +2469,6 @@
           <a:bodyPr/>
           <a:lstStyle/>
           <a:p>
-            <a:r>
-              <a:rPr lang="en-US" dirty="0" smtClean="0"/>
-              <a:t>Since supercomputers</a:t>
-            </a:r>
-            <a:r>
-              <a:rPr lang="en-US" baseline="0" dirty="0" smtClean="0"/>
-              <a:t> are so expensive, it’s important to use them properly so as not to waste the resource.</a:t>
-            </a:r>
-          </a:p>
-          <a:p>
-            <a:endParaRPr lang="en-US" baseline="0" dirty="0" smtClean="0"/>
-          </a:p>
-          <a:p>
-            <a:r>
-              <a:rPr lang="en-US" baseline="0" dirty="0" err="1" smtClean="0"/>
-              <a:t>TeraFlops</a:t>
-            </a:r>
-            <a:r>
-              <a:rPr lang="en-US" baseline="0" dirty="0" smtClean="0"/>
-              <a:t> are not an appropriate measure of speed for some applications.</a:t>
-            </a:r>
             <a:endParaRPr lang="en-US" dirty="0"/>
           </a:p>
         </p:txBody>
@@ -2475,7 +2490,7 @@
           <a:p>
             <a:fld id="{08008AE1-FA72-B840-8C8E-D06497C18101}" type="slidenum">
               <a:rPr lang="en-US" smtClean="0"/>
-              <a:t>11</a:t>
+              <a:t>12</a:t>
             </a:fld>
             <a:endParaRPr lang="en-US"/>
           </a:p>
@@ -6307,6 +6322,182 @@
 </file>
 
 <file path=ppt/slides/slide10.xml><?xml version="1.0" encoding="utf-8"?>
+<p:sld xmlns:a="http://schemas.openxmlformats.org/drawingml/2006/main" xmlns:r="http://schemas.openxmlformats.org/officeDocument/2006/relationships" xmlns:p="http://schemas.openxmlformats.org/presentationml/2006/main">
+  <p:cSld>
+    <p:spTree>
+      <p:nvGrpSpPr>
+        <p:cNvPr id="1" name=""/>
+        <p:cNvGrpSpPr/>
+        <p:nvPr/>
+      </p:nvGrpSpPr>
+      <p:grpSpPr>
+        <a:xfrm>
+          <a:off x="0" y="0"/>
+          <a:ext cx="0" cy="0"/>
+          <a:chOff x="0" y="0"/>
+          <a:chExt cx="0" cy="0"/>
+        </a:xfrm>
+      </p:grpSpPr>
+      <p:sp>
+        <p:nvSpPr>
+          <p:cNvPr id="2" name="Title 1"/>
+          <p:cNvSpPr>
+            <a:spLocks noGrp="1"/>
+          </p:cNvSpPr>
+          <p:nvPr>
+            <p:ph type="title"/>
+          </p:nvPr>
+        </p:nvSpPr>
+        <p:spPr/>
+        <p:txBody>
+          <a:bodyPr/>
+          <a:lstStyle/>
+          <a:p>
+            <a:r>
+              <a:rPr lang="en-US" smtClean="0"/>
+              <a:t>Why Use a Supercomputer?</a:t>
+            </a:r>
+            <a:endParaRPr lang="en-US" dirty="0"/>
+          </a:p>
+        </p:txBody>
+      </p:sp>
+      <p:sp>
+        <p:nvSpPr>
+          <p:cNvPr id="3" name="Content Placeholder 2"/>
+          <p:cNvSpPr>
+            <a:spLocks noGrp="1"/>
+          </p:cNvSpPr>
+          <p:nvPr>
+            <p:ph idx="1"/>
+          </p:nvPr>
+        </p:nvSpPr>
+        <p:spPr/>
+        <p:txBody>
+          <a:bodyPr/>
+          <a:lstStyle/>
+          <a:p>
+            <a:r>
+              <a:rPr lang="en-US" dirty="0" smtClean="0"/>
+              <a:t>Supercomputers give you the opportunity to solve problems that are too complex for the desktop</a:t>
+            </a:r>
+          </a:p>
+          <a:p>
+            <a:pPr lvl="1"/>
+            <a:r>
+              <a:rPr lang="en-US" dirty="0" smtClean="0"/>
+              <a:t>Might take hours, days, weeks, months, years </a:t>
+            </a:r>
+          </a:p>
+          <a:p>
+            <a:pPr lvl="1"/>
+            <a:r>
+              <a:rPr lang="en-US" dirty="0" smtClean="0"/>
+              <a:t>If you use a supercomputer, might only take minutes, hours, days, or weeks</a:t>
+            </a:r>
+          </a:p>
+          <a:p>
+            <a:endParaRPr lang="en-US" dirty="0" smtClean="0"/>
+          </a:p>
+          <a:p>
+            <a:r>
+              <a:rPr lang="en-US" dirty="0" smtClean="0"/>
+              <a:t>Useful for problems that require large amounts of memory</a:t>
+            </a:r>
+          </a:p>
+        </p:txBody>
+      </p:sp>
+      <p:sp>
+        <p:nvSpPr>
+          <p:cNvPr id="5" name="Date Placeholder 4"/>
+          <p:cNvSpPr>
+            <a:spLocks noGrp="1"/>
+          </p:cNvSpPr>
+          <p:nvPr>
+            <p:ph type="dt" sz="half" idx="10"/>
+          </p:nvPr>
+        </p:nvSpPr>
+        <p:spPr/>
+        <p:txBody>
+          <a:bodyPr/>
+          <a:lstStyle/>
+          <a:p>
+            <a:fld id="{5079827B-401A-2A4B-9902-997AC06EE493}" type="datetime1">
+              <a:rPr lang="en-US" smtClean="0"/>
+              <a:pPr/>
+              <a:t>7/12/16</a:t>
+            </a:fld>
+            <a:endParaRPr lang="en-US" dirty="0"/>
+          </a:p>
+        </p:txBody>
+      </p:sp>
+      <p:sp>
+        <p:nvSpPr>
+          <p:cNvPr id="6" name="Footer Placeholder 5"/>
+          <p:cNvSpPr>
+            <a:spLocks noGrp="1"/>
+          </p:cNvSpPr>
+          <p:nvPr>
+            <p:ph type="ftr" sz="quarter" idx="11"/>
+          </p:nvPr>
+        </p:nvSpPr>
+        <p:spPr/>
+        <p:txBody>
+          <a:bodyPr/>
+          <a:lstStyle/>
+          <a:p>
+            <a:r>
+              <a:rPr lang="en-US" smtClean="0"/>
+              <a:t>How to Use a Supercomputer</a:t>
+            </a:r>
+            <a:endParaRPr lang="en-US"/>
+          </a:p>
+        </p:txBody>
+      </p:sp>
+      <p:sp>
+        <p:nvSpPr>
+          <p:cNvPr id="4" name="Slide Number Placeholder 3"/>
+          <p:cNvSpPr>
+            <a:spLocks noGrp="1"/>
+          </p:cNvSpPr>
+          <p:nvPr>
+            <p:ph type="sldNum" sz="quarter" idx="4"/>
+          </p:nvPr>
+        </p:nvSpPr>
+        <p:spPr/>
+        <p:txBody>
+          <a:bodyPr/>
+          <a:lstStyle/>
+          <a:p>
+            <a:fld id="{718654E8-5BC9-7544-A602-FE2C9BCA3333}" type="slidenum">
+              <a:rPr lang="en-US" smtClean="0"/>
+              <a:pPr/>
+              <a:t>10</a:t>
+            </a:fld>
+            <a:endParaRPr lang="en-US"/>
+          </a:p>
+        </p:txBody>
+      </p:sp>
+    </p:spTree>
+    <p:extLst>
+      <p:ext uri="{BB962C8B-B14F-4D97-AF65-F5344CB8AC3E}">
+        <p14:creationId xmlns:p14="http://schemas.microsoft.com/office/powerpoint/2010/main" val="2616027943"/>
+      </p:ext>
+    </p:extLst>
+  </p:cSld>
+  <p:clrMapOvr>
+    <a:masterClrMapping/>
+  </p:clrMapOvr>
+  <p:timing>
+    <p:tnLst>
+      <p:par>
+        <p:cTn id="1" dur="indefinite" restart="never" nodeType="tmRoot"/>
+      </p:par>
+    </p:tnLst>
+  </p:timing>
+</p:sld>
+</file>
+
+<file path=ppt/slides/slide11.xml><?xml version="1.0" encoding="utf-8"?>
 <p:sld xmlns:a="http://schemas.openxmlformats.org/drawingml/2006/main" xmlns:r="http://schemas.openxmlformats.org/officeDocument/2006/relationships" xmlns:p="http://schemas.openxmlformats.org/presentationml/2006/main">
   <p:cSld>
     <p:spTree>
@@ -7147,7 +7338,7 @@
             <a:fld id="{D901802F-E9FD-E147-8343-A1BBDB484321}" type="datetime1">
               <a:rPr lang="en-US" smtClean="0"/>
               <a:pPr/>
-              <a:t>7/11/16</a:t>
+              <a:t>7/12/16</a:t>
             </a:fld>
             <a:endParaRPr lang="en-US" dirty="0"/>
           </a:p>
@@ -7194,7 +7385,7 @@
             <a:fld id="{718654E8-5BC9-7544-A602-FE2C9BCA3333}" type="slidenum">
               <a:rPr lang="en-US" smtClean="0"/>
               <a:pPr/>
-              <a:t>10</a:t>
+              <a:t>11</a:t>
             </a:fld>
             <a:endParaRPr lang="en-US"/>
           </a:p>
@@ -7240,184 +7431,6 @@
     <p:extLst>
       <p:ext uri="{BB962C8B-B14F-4D97-AF65-F5344CB8AC3E}">
         <p14:creationId xmlns:p14="http://schemas.microsoft.com/office/powerpoint/2010/main" val="3795047499"/>
-      </p:ext>
-    </p:extLst>
-  </p:cSld>
-  <p:clrMapOvr>
-    <a:masterClrMapping/>
-  </p:clrMapOvr>
-  <p:timing>
-    <p:tnLst>
-      <p:par>
-        <p:cTn id="1" dur="indefinite" restart="never" nodeType="tmRoot"/>
-      </p:par>
-    </p:tnLst>
-  </p:timing>
-</p:sld>
-</file>
-
-<file path=ppt/slides/slide11.xml><?xml version="1.0" encoding="utf-8"?>
-<p:sld xmlns:a="http://schemas.openxmlformats.org/drawingml/2006/main" xmlns:r="http://schemas.openxmlformats.org/officeDocument/2006/relationships" xmlns:p="http://schemas.openxmlformats.org/presentationml/2006/main">
-  <p:cSld>
-    <p:spTree>
-      <p:nvGrpSpPr>
-        <p:cNvPr id="1" name=""/>
-        <p:cNvGrpSpPr/>
-        <p:nvPr/>
-      </p:nvGrpSpPr>
-      <p:grpSpPr>
-        <a:xfrm>
-          <a:off x="0" y="0"/>
-          <a:ext cx="0" cy="0"/>
-          <a:chOff x="0" y="0"/>
-          <a:chExt cx="0" cy="0"/>
-        </a:xfrm>
-      </p:grpSpPr>
-      <p:sp>
-        <p:nvSpPr>
-          <p:cNvPr id="2" name="Title 1"/>
-          <p:cNvSpPr>
-            <a:spLocks noGrp="1"/>
-          </p:cNvSpPr>
-          <p:nvPr>
-            <p:ph type="title"/>
-          </p:nvPr>
-        </p:nvSpPr>
-        <p:spPr/>
-        <p:txBody>
-          <a:bodyPr/>
-          <a:lstStyle/>
-          <a:p>
-            <a:r>
-              <a:rPr lang="en-US" smtClean="0"/>
-              <a:t>What Does It Mean to Be Fast?</a:t>
-            </a:r>
-            <a:endParaRPr lang="en-US" dirty="0"/>
-          </a:p>
-        </p:txBody>
-      </p:sp>
-      <p:sp>
-        <p:nvSpPr>
-          <p:cNvPr id="3" name="Content Placeholder 2"/>
-          <p:cNvSpPr>
-            <a:spLocks noGrp="1"/>
-          </p:cNvSpPr>
-          <p:nvPr>
-            <p:ph idx="1"/>
-          </p:nvPr>
-        </p:nvSpPr>
-        <p:spPr/>
-        <p:txBody>
-          <a:bodyPr/>
-          <a:lstStyle/>
-          <a:p>
-            <a:r>
-              <a:rPr lang="en-US" dirty="0" smtClean="0"/>
-              <a:t>Titan can do 27 trillion calculations per second</a:t>
-            </a:r>
-          </a:p>
-          <a:p>
-            <a:endParaRPr lang="en-US" dirty="0" smtClean="0"/>
-          </a:p>
-          <a:p>
-            <a:r>
-              <a:rPr lang="en-US" dirty="0" smtClean="0"/>
-              <a:t>A regular PC can perform 17 billion per second</a:t>
-            </a:r>
-          </a:p>
-          <a:p>
-            <a:pPr marL="114300" indent="0">
-              <a:buNone/>
-            </a:pPr>
-            <a:endParaRPr lang="en-US" dirty="0" smtClean="0"/>
-          </a:p>
-          <a:p>
-            <a:r>
-              <a:rPr lang="en-US" dirty="0" smtClean="0"/>
-              <a:t>Researchers can get access to some of these systems through XSEDE (The Extreme Science and Engineering Discovery Environment)</a:t>
-            </a:r>
-          </a:p>
-          <a:p>
-            <a:pPr lvl="1"/>
-            <a:endParaRPr lang="en-US" dirty="0" smtClean="0"/>
-          </a:p>
-        </p:txBody>
-      </p:sp>
-      <p:sp>
-        <p:nvSpPr>
-          <p:cNvPr id="5" name="Date Placeholder 4"/>
-          <p:cNvSpPr>
-            <a:spLocks noGrp="1"/>
-          </p:cNvSpPr>
-          <p:nvPr>
-            <p:ph type="dt" sz="half" idx="10"/>
-          </p:nvPr>
-        </p:nvSpPr>
-        <p:spPr/>
-        <p:txBody>
-          <a:bodyPr/>
-          <a:lstStyle/>
-          <a:p>
-            <a:fld id="{3ABF75D4-DBA5-604B-9665-A74422D7B58B}" type="datetime1">
-              <a:rPr lang="en-US" smtClean="0"/>
-              <a:pPr/>
-              <a:t>7/11/16</a:t>
-            </a:fld>
-            <a:endParaRPr lang="en-US" dirty="0"/>
-          </a:p>
-        </p:txBody>
-      </p:sp>
-      <p:sp>
-        <p:nvSpPr>
-          <p:cNvPr id="6" name="Footer Placeholder 5"/>
-          <p:cNvSpPr>
-            <a:spLocks noGrp="1"/>
-          </p:cNvSpPr>
-          <p:nvPr>
-            <p:ph type="ftr" sz="quarter" idx="11"/>
-          </p:nvPr>
-        </p:nvSpPr>
-        <p:spPr/>
-        <p:txBody>
-          <a:bodyPr/>
-          <a:lstStyle/>
-          <a:p>
-            <a:r>
-              <a:rPr lang="en-US" smtClean="0"/>
-              <a:t>How to Use a Supercomputer</a:t>
-            </a:r>
-            <a:endParaRPr lang="en-US"/>
-          </a:p>
-        </p:txBody>
-      </p:sp>
-      <p:sp>
-        <p:nvSpPr>
-          <p:cNvPr id="4" name="Slide Number Placeholder 3"/>
-          <p:cNvSpPr>
-            <a:spLocks noGrp="1"/>
-          </p:cNvSpPr>
-          <p:nvPr>
-            <p:ph type="sldNum" sz="quarter" idx="4"/>
-          </p:nvPr>
-        </p:nvSpPr>
-        <p:spPr/>
-        <p:txBody>
-          <a:bodyPr/>
-          <a:lstStyle/>
-          <a:p>
-            <a:fld id="{718654E8-5BC9-7544-A602-FE2C9BCA3333}" type="slidenum">
-              <a:rPr lang="en-US" smtClean="0"/>
-              <a:pPr/>
-              <a:t>11</a:t>
-            </a:fld>
-            <a:endParaRPr lang="en-US"/>
-          </a:p>
-        </p:txBody>
-      </p:sp>
-    </p:spTree>
-    <p:extLst>
-      <p:ext uri="{BB962C8B-B14F-4D97-AF65-F5344CB8AC3E}">
-        <p14:creationId xmlns:p14="http://schemas.microsoft.com/office/powerpoint/2010/main" val="2693691371"/>
       </p:ext>
     </p:extLst>
   </p:cSld>
@@ -7468,7 +7481,7 @@
           <a:p>
             <a:r>
               <a:rPr lang="en-US" smtClean="0"/>
-              <a:t>Different Node Types</a:t>
+              <a:t>What Does It Mean to Be Fast?</a:t>
             </a:r>
             <a:endParaRPr lang="en-US" dirty="0"/>
           </a:p>
@@ -7490,57 +7503,33 @@
           <a:lstStyle/>
           <a:p>
             <a:r>
-              <a:rPr lang="en-US" smtClean="0"/>
-              <a:t>Login nodes</a:t>
+              <a:rPr lang="en-US" dirty="0" smtClean="0"/>
+              <a:t>Titan can do 27 trillion calculations per second</a:t>
+            </a:r>
+          </a:p>
+          <a:p>
+            <a:endParaRPr lang="en-US" dirty="0" smtClean="0"/>
+          </a:p>
+          <a:p>
+            <a:r>
+              <a:rPr lang="en-US" dirty="0" smtClean="0"/>
+              <a:t>A regular PC can perform 17 billion per second</a:t>
+            </a:r>
+          </a:p>
+          <a:p>
+            <a:pPr marL="114300" indent="0">
+              <a:buNone/>
+            </a:pPr>
+            <a:endParaRPr lang="en-US" dirty="0" smtClean="0"/>
+          </a:p>
+          <a:p>
+            <a:r>
+              <a:rPr lang="en-US" dirty="0" smtClean="0"/>
+              <a:t>Researchers can get access to some of these systems through XSEDE (The Extreme Science and Engineering Discovery Environment)</a:t>
             </a:r>
           </a:p>
           <a:p>
             <a:pPr lvl="1"/>
-            <a:r>
-              <a:rPr lang="en-US" smtClean="0"/>
-              <a:t>This is where you are when you log in</a:t>
-            </a:r>
-          </a:p>
-          <a:p>
-            <a:pPr lvl="1"/>
-            <a:r>
-              <a:rPr lang="en-US" smtClean="0"/>
-              <a:t>No heavy computation, interactive jobs, or long running processes</a:t>
-            </a:r>
-          </a:p>
-          <a:p>
-            <a:pPr lvl="1"/>
-            <a:r>
-              <a:rPr lang="en-US" smtClean="0"/>
-              <a:t>Script or code editing, minor compiling</a:t>
-            </a:r>
-          </a:p>
-          <a:p>
-            <a:pPr lvl="1"/>
-            <a:r>
-              <a:rPr lang="en-US" smtClean="0"/>
-              <a:t>Job submission</a:t>
-            </a:r>
-          </a:p>
-          <a:p>
-            <a:r>
-              <a:rPr lang="en-US" smtClean="0"/>
-              <a:t>Compute/batch nodes</a:t>
-            </a:r>
-          </a:p>
-          <a:p>
-            <a:pPr lvl="1"/>
-            <a:r>
-              <a:rPr lang="en-US" smtClean="0"/>
-              <a:t>This is where jobs that are submitted through the scheduler run</a:t>
-            </a:r>
-          </a:p>
-          <a:p>
-            <a:pPr lvl="1"/>
-            <a:r>
-              <a:rPr lang="en-US" smtClean="0"/>
-              <a:t>Intended for heavy computation</a:t>
-            </a:r>
             <a:endParaRPr lang="en-US" dirty="0" smtClean="0"/>
           </a:p>
         </p:txBody>
@@ -7560,10 +7549,10 @@
           <a:bodyPr/>
           <a:lstStyle/>
           <a:p>
-            <a:fld id="{89D80A07-085F-A94B-AFF8-BC3BDB353C35}" type="datetime1">
+            <a:fld id="{3ABF75D4-DBA5-604B-9665-A74422D7B58B}" type="datetime1">
               <a:rPr lang="en-US" smtClean="0"/>
               <a:pPr/>
-              <a:t>7/11/16</a:t>
+              <a:t>7/12/16</a:t>
             </a:fld>
             <a:endParaRPr lang="en-US" dirty="0"/>
           </a:p>
@@ -7619,7 +7608,7 @@
     </p:spTree>
     <p:extLst>
       <p:ext uri="{BB962C8B-B14F-4D97-AF65-F5344CB8AC3E}">
-        <p14:creationId xmlns:p14="http://schemas.microsoft.com/office/powerpoint/2010/main" val="3009264784"/>
+        <p14:creationId xmlns:p14="http://schemas.microsoft.com/office/powerpoint/2010/main" val="2693691371"/>
       </p:ext>
     </p:extLst>
   </p:cSld>
@@ -7655,6 +7644,683 @@
       </p:grpSpPr>
       <p:sp>
         <p:nvSpPr>
+          <p:cNvPr id="19458" name="Title 2"/>
+          <p:cNvSpPr>
+            <a:spLocks noGrp="1"/>
+          </p:cNvSpPr>
+          <p:nvPr>
+            <p:ph type="title"/>
+          </p:nvPr>
+        </p:nvSpPr>
+        <p:spPr/>
+        <p:txBody>
+          <a:bodyPr>
+            <a:normAutofit fontScale="90000"/>
+          </a:bodyPr>
+          <a:lstStyle/>
+          <a:p>
+            <a:r>
+              <a:rPr lang="en-US" dirty="0" smtClean="0">
+                <a:latin typeface="Tahoma" charset="0"/>
+                <a:ea typeface="ＭＳ Ｐゴシック" charset="0"/>
+                <a:cs typeface="ＭＳ Ｐゴシック" charset="0"/>
+              </a:rPr>
+              <a:t>Hardware - Janus Supercomputer</a:t>
+            </a:r>
+            <a:endParaRPr lang="en-US" dirty="0">
+              <a:latin typeface="Tahoma" charset="0"/>
+              <a:ea typeface="ＭＳ Ｐゴシック" charset="0"/>
+              <a:cs typeface="ＭＳ Ｐゴシック" charset="0"/>
+            </a:endParaRPr>
+          </a:p>
+        </p:txBody>
+      </p:sp>
+      <p:sp>
+        <p:nvSpPr>
+          <p:cNvPr id="4" name="Content Placeholder 3"/>
+          <p:cNvSpPr>
+            <a:spLocks noGrp="1"/>
+          </p:cNvSpPr>
+          <p:nvPr>
+            <p:ph idx="1"/>
+          </p:nvPr>
+        </p:nvSpPr>
+        <p:spPr>
+          <a:xfrm>
+            <a:off x="238247" y="1419325"/>
+            <a:ext cx="5513039" cy="5058097"/>
+          </a:xfrm>
+        </p:spPr>
+        <p:txBody>
+          <a:bodyPr>
+            <a:normAutofit/>
+          </a:bodyPr>
+          <a:lstStyle/>
+          <a:p>
+            <a:pPr>
+              <a:defRPr/>
+            </a:pPr>
+            <a:r>
+              <a:rPr lang="en-US" sz="2800" dirty="0" smtClean="0"/>
+              <a:t>1368 compute nodes (Dell C6100)</a:t>
+            </a:r>
+          </a:p>
+          <a:p>
+            <a:pPr>
+              <a:defRPr/>
+            </a:pPr>
+            <a:r>
+              <a:rPr lang="en-US" sz="2800" dirty="0" smtClean="0"/>
+              <a:t>16,428 total cores</a:t>
+            </a:r>
+          </a:p>
+          <a:p>
+            <a:pPr>
+              <a:defRPr/>
+            </a:pPr>
+            <a:r>
+              <a:rPr lang="en-US" sz="2800" dirty="0" smtClean="0"/>
+              <a:t>No battery backup of the compute nodes</a:t>
+            </a:r>
+          </a:p>
+          <a:p>
+            <a:pPr>
+              <a:defRPr/>
+            </a:pPr>
+            <a:r>
+              <a:rPr lang="en-US" sz="2800" dirty="0" smtClean="0"/>
+              <a:t>Fully non-blocking QDR </a:t>
+            </a:r>
+            <a:r>
+              <a:rPr lang="en-US" sz="2800" dirty="0" err="1" smtClean="0"/>
+              <a:t>Infiniband</a:t>
+            </a:r>
+            <a:r>
+              <a:rPr lang="en-US" sz="2800" dirty="0" smtClean="0"/>
+              <a:t> network</a:t>
+            </a:r>
+          </a:p>
+          <a:p>
+            <a:pPr>
+              <a:defRPr/>
+            </a:pPr>
+            <a:r>
+              <a:rPr lang="en-US" sz="2800" dirty="0" smtClean="0"/>
+              <a:t>960 TB of usable </a:t>
+            </a:r>
+            <a:r>
+              <a:rPr lang="en-US" sz="2800" dirty="0" err="1" smtClean="0"/>
+              <a:t>Lustre</a:t>
+            </a:r>
+            <a:r>
+              <a:rPr lang="en-US" sz="2800" dirty="0" smtClean="0"/>
+              <a:t> based scratch storage</a:t>
+            </a:r>
+          </a:p>
+          <a:p>
+            <a:pPr lvl="1">
+              <a:defRPr/>
+            </a:pPr>
+            <a:r>
+              <a:rPr lang="en-US" sz="2800" dirty="0" smtClean="0"/>
+              <a:t>16-20 GB/s max throughput</a:t>
+            </a:r>
+          </a:p>
+        </p:txBody>
+      </p:sp>
+      <p:sp>
+        <p:nvSpPr>
+          <p:cNvPr id="2" name="Date Placeholder 1"/>
+          <p:cNvSpPr>
+            <a:spLocks noGrp="1"/>
+          </p:cNvSpPr>
+          <p:nvPr>
+            <p:ph type="dt" sz="half" idx="10"/>
+          </p:nvPr>
+        </p:nvSpPr>
+        <p:spPr/>
+        <p:txBody>
+          <a:bodyPr/>
+          <a:lstStyle/>
+          <a:p>
+            <a:r>
+              <a:rPr lang="en-US" smtClean="0"/>
+              <a:t>8/12/14</a:t>
+            </a:r>
+            <a:endParaRPr lang="en-US" dirty="0"/>
+          </a:p>
+        </p:txBody>
+      </p:sp>
+      <p:sp>
+        <p:nvSpPr>
+          <p:cNvPr id="6" name="Footer Placeholder 5"/>
+          <p:cNvSpPr>
+            <a:spLocks noGrp="1"/>
+          </p:cNvSpPr>
+          <p:nvPr>
+            <p:ph type="ftr" sz="quarter" idx="11"/>
+          </p:nvPr>
+        </p:nvSpPr>
+        <p:spPr/>
+        <p:txBody>
+          <a:bodyPr/>
+          <a:lstStyle/>
+          <a:p>
+            <a:r>
+              <a:rPr lang="en-US" smtClean="0"/>
+              <a:t>RMACC - Intro to Supercomputing</a:t>
+            </a:r>
+            <a:endParaRPr lang="en-US" dirty="0"/>
+          </a:p>
+        </p:txBody>
+      </p:sp>
+      <p:sp>
+        <p:nvSpPr>
+          <p:cNvPr id="5" name="Slide Number Placeholder 4"/>
+          <p:cNvSpPr>
+            <a:spLocks noGrp="1"/>
+          </p:cNvSpPr>
+          <p:nvPr>
+            <p:ph type="sldNum" sz="quarter" idx="4"/>
+          </p:nvPr>
+        </p:nvSpPr>
+        <p:spPr/>
+        <p:txBody>
+          <a:bodyPr/>
+          <a:lstStyle/>
+          <a:p>
+            <a:fld id="{249E94F7-107C-CE46-8C56-9CACFF99CD93}" type="slidenum">
+              <a:rPr lang="en-US" smtClean="0"/>
+              <a:pPr/>
+              <a:t>13</a:t>
+            </a:fld>
+            <a:endParaRPr lang="en-US" dirty="0"/>
+          </a:p>
+        </p:txBody>
+      </p:sp>
+      <p:pic>
+        <p:nvPicPr>
+          <p:cNvPr id="3" name="Picture 2"/>
+          <p:cNvPicPr>
+            <a:picLocks noChangeAspect="1"/>
+          </p:cNvPicPr>
+          <p:nvPr/>
+        </p:nvPicPr>
+        <p:blipFill>
+          <a:blip r:embed="rId3"/>
+          <a:stretch>
+            <a:fillRect/>
+          </a:stretch>
+        </p:blipFill>
+        <p:spPr>
+          <a:xfrm>
+            <a:off x="5650862" y="2088317"/>
+            <a:ext cx="2997870" cy="2997870"/>
+          </a:xfrm>
+          <a:prstGeom prst="rect">
+            <a:avLst/>
+          </a:prstGeom>
+        </p:spPr>
+      </p:pic>
+    </p:spTree>
+    <p:extLst>
+      <p:ext uri="{BB962C8B-B14F-4D97-AF65-F5344CB8AC3E}">
+        <p14:creationId xmlns:p14="http://schemas.microsoft.com/office/powerpoint/2010/main" val="1590612745"/>
+      </p:ext>
+    </p:extLst>
+  </p:cSld>
+  <p:clrMapOvr>
+    <a:masterClrMapping/>
+  </p:clrMapOvr>
+  <p:timing>
+    <p:tnLst>
+      <p:par>
+        <p:cTn id="1" dur="indefinite" restart="never" nodeType="tmRoot"/>
+      </p:par>
+    </p:tnLst>
+  </p:timing>
+</p:sld>
+</file>
+
+<file path=ppt/slides/slide14.xml><?xml version="1.0" encoding="utf-8"?>
+<p:sld xmlns:a="http://schemas.openxmlformats.org/drawingml/2006/main" xmlns:r="http://schemas.openxmlformats.org/officeDocument/2006/relationships" xmlns:p="http://schemas.openxmlformats.org/presentationml/2006/main">
+  <p:cSld>
+    <p:spTree>
+      <p:nvGrpSpPr>
+        <p:cNvPr id="1" name=""/>
+        <p:cNvGrpSpPr/>
+        <p:nvPr/>
+      </p:nvGrpSpPr>
+      <p:grpSpPr>
+        <a:xfrm>
+          <a:off x="0" y="0"/>
+          <a:ext cx="0" cy="0"/>
+          <a:chOff x="0" y="0"/>
+          <a:chExt cx="0" cy="0"/>
+        </a:xfrm>
+      </p:grpSpPr>
+      <p:sp>
+        <p:nvSpPr>
+          <p:cNvPr id="2" name="Title 1"/>
+          <p:cNvSpPr>
+            <a:spLocks noGrp="1"/>
+          </p:cNvSpPr>
+          <p:nvPr>
+            <p:ph type="title"/>
+          </p:nvPr>
+        </p:nvSpPr>
+        <p:spPr/>
+        <p:txBody>
+          <a:bodyPr/>
+          <a:lstStyle/>
+          <a:p>
+            <a:r>
+              <a:rPr lang="en-US" dirty="0" smtClean="0"/>
+              <a:t>Additional Compute Resources</a:t>
+            </a:r>
+            <a:endParaRPr lang="en-US" dirty="0"/>
+          </a:p>
+        </p:txBody>
+      </p:sp>
+      <p:sp>
+        <p:nvSpPr>
+          <p:cNvPr id="3" name="Content Placeholder 2"/>
+          <p:cNvSpPr>
+            <a:spLocks noGrp="1"/>
+          </p:cNvSpPr>
+          <p:nvPr>
+            <p:ph idx="1"/>
+          </p:nvPr>
+        </p:nvSpPr>
+        <p:spPr/>
+        <p:txBody>
+          <a:bodyPr>
+            <a:noAutofit/>
+          </a:bodyPr>
+          <a:lstStyle/>
+          <a:p>
+            <a:r>
+              <a:rPr lang="en-US" sz="2800" dirty="0" smtClean="0"/>
+              <a:t>2 Graphics Processing Unit (GPU) Nodes</a:t>
+            </a:r>
+          </a:p>
+          <a:p>
+            <a:pPr lvl="1"/>
+            <a:r>
+              <a:rPr lang="en-US" sz="2800" dirty="0" smtClean="0"/>
+              <a:t>Visualization of data</a:t>
+            </a:r>
+          </a:p>
+          <a:p>
+            <a:pPr lvl="1"/>
+            <a:r>
+              <a:rPr lang="en-US" sz="2800" dirty="0" smtClean="0"/>
+              <a:t>Exploring GPUs for computing</a:t>
+            </a:r>
+          </a:p>
+          <a:p>
+            <a:r>
+              <a:rPr lang="en-US" sz="2800" dirty="0" smtClean="0"/>
+              <a:t>4 High Memory Nodes</a:t>
+            </a:r>
+          </a:p>
+          <a:p>
+            <a:pPr lvl="1"/>
+            <a:r>
+              <a:rPr lang="en-US" sz="2800" dirty="0" smtClean="0"/>
+              <a:t>1 TB of memory, 60-80 cores per node</a:t>
+            </a:r>
+          </a:p>
+          <a:p>
+            <a:r>
+              <a:rPr lang="en-US" sz="2800" dirty="0" smtClean="0"/>
+              <a:t>16 Blades for long running jobs</a:t>
+            </a:r>
+          </a:p>
+          <a:p>
+            <a:pPr lvl="1"/>
+            <a:r>
+              <a:rPr lang="en-US" sz="2800" dirty="0" smtClean="0"/>
+              <a:t>2-week </a:t>
+            </a:r>
+            <a:r>
+              <a:rPr lang="en-US" sz="2800" dirty="0" err="1" smtClean="0"/>
+              <a:t>walltimes</a:t>
+            </a:r>
+            <a:r>
+              <a:rPr lang="en-US" sz="2800" dirty="0" smtClean="0"/>
+              <a:t> allowed</a:t>
+            </a:r>
+          </a:p>
+          <a:p>
+            <a:pPr lvl="1"/>
+            <a:r>
+              <a:rPr lang="en-US" sz="2800" dirty="0" smtClean="0"/>
+              <a:t>96 GB of memory (4 times more compared to a Janus node)</a:t>
+            </a:r>
+          </a:p>
+        </p:txBody>
+      </p:sp>
+      <p:sp>
+        <p:nvSpPr>
+          <p:cNvPr id="5" name="Date Placeholder 4"/>
+          <p:cNvSpPr>
+            <a:spLocks noGrp="1"/>
+          </p:cNvSpPr>
+          <p:nvPr>
+            <p:ph type="dt" sz="half" idx="10"/>
+          </p:nvPr>
+        </p:nvSpPr>
+        <p:spPr/>
+        <p:txBody>
+          <a:bodyPr/>
+          <a:lstStyle/>
+          <a:p>
+            <a:r>
+              <a:rPr lang="en-US" smtClean="0"/>
+              <a:t>8/12/14</a:t>
+            </a:r>
+            <a:endParaRPr lang="en-US"/>
+          </a:p>
+        </p:txBody>
+      </p:sp>
+      <p:sp>
+        <p:nvSpPr>
+          <p:cNvPr id="6" name="Footer Placeholder 5"/>
+          <p:cNvSpPr>
+            <a:spLocks noGrp="1"/>
+          </p:cNvSpPr>
+          <p:nvPr>
+            <p:ph type="ftr" sz="quarter" idx="11"/>
+          </p:nvPr>
+        </p:nvSpPr>
+        <p:spPr/>
+        <p:txBody>
+          <a:bodyPr/>
+          <a:lstStyle/>
+          <a:p>
+            <a:r>
+              <a:rPr lang="en-US" smtClean="0"/>
+              <a:t>RMACC - Intro to Supercomputing</a:t>
+            </a:r>
+            <a:endParaRPr lang="en-US"/>
+          </a:p>
+        </p:txBody>
+      </p:sp>
+      <p:sp>
+        <p:nvSpPr>
+          <p:cNvPr id="4" name="Slide Number Placeholder 3"/>
+          <p:cNvSpPr>
+            <a:spLocks noGrp="1"/>
+          </p:cNvSpPr>
+          <p:nvPr>
+            <p:ph type="sldNum" sz="quarter" idx="4"/>
+          </p:nvPr>
+        </p:nvSpPr>
+        <p:spPr>
+          <a:xfrm>
+            <a:off x="7619999" y="6477423"/>
+            <a:ext cx="433231" cy="312889"/>
+          </a:xfrm>
+          <a:prstGeom prst="bracketPair">
+            <a:avLst>
+              <a:gd name="adj" fmla="val 17949"/>
+            </a:avLst>
+          </a:prstGeom>
+        </p:spPr>
+        <p:txBody>
+          <a:bodyPr/>
+          <a:lstStyle/>
+          <a:p>
+            <a:fld id="{718654E8-5BC9-7544-A602-FE2C9BCA3333}" type="slidenum">
+              <a:rPr lang="en-US" smtClean="0"/>
+              <a:t>14</a:t>
+            </a:fld>
+            <a:endParaRPr lang="en-US"/>
+          </a:p>
+        </p:txBody>
+      </p:sp>
+    </p:spTree>
+    <p:extLst>
+      <p:ext uri="{BB962C8B-B14F-4D97-AF65-F5344CB8AC3E}">
+        <p14:creationId xmlns:p14="http://schemas.microsoft.com/office/powerpoint/2010/main" val="579026251"/>
+      </p:ext>
+    </p:extLst>
+  </p:cSld>
+  <p:clrMapOvr>
+    <a:masterClrMapping/>
+  </p:clrMapOvr>
+  <p:timing>
+    <p:tnLst>
+      <p:par>
+        <p:cTn id="1" dur="indefinite" restart="never" nodeType="tmRoot"/>
+      </p:par>
+    </p:tnLst>
+  </p:timing>
+</p:sld>
+</file>
+
+<file path=ppt/slides/slide15.xml><?xml version="1.0" encoding="utf-8"?>
+<p:sld xmlns:a="http://schemas.openxmlformats.org/drawingml/2006/main" xmlns:r="http://schemas.openxmlformats.org/officeDocument/2006/relationships" xmlns:p="http://schemas.openxmlformats.org/presentationml/2006/main">
+  <p:cSld>
+    <p:spTree>
+      <p:nvGrpSpPr>
+        <p:cNvPr id="1" name=""/>
+        <p:cNvGrpSpPr/>
+        <p:nvPr/>
+      </p:nvGrpSpPr>
+      <p:grpSpPr>
+        <a:xfrm>
+          <a:off x="0" y="0"/>
+          <a:ext cx="0" cy="0"/>
+          <a:chOff x="0" y="0"/>
+          <a:chExt cx="0" cy="0"/>
+        </a:xfrm>
+      </p:grpSpPr>
+      <p:sp>
+        <p:nvSpPr>
+          <p:cNvPr id="2" name="Title 1"/>
+          <p:cNvSpPr>
+            <a:spLocks noGrp="1"/>
+          </p:cNvSpPr>
+          <p:nvPr>
+            <p:ph type="title"/>
+          </p:nvPr>
+        </p:nvSpPr>
+        <p:spPr/>
+        <p:txBody>
+          <a:bodyPr/>
+          <a:lstStyle/>
+          <a:p>
+            <a:r>
+              <a:rPr lang="en-US" smtClean="0"/>
+              <a:t>Different Node Types</a:t>
+            </a:r>
+            <a:endParaRPr lang="en-US" dirty="0"/>
+          </a:p>
+        </p:txBody>
+      </p:sp>
+      <p:sp>
+        <p:nvSpPr>
+          <p:cNvPr id="3" name="Content Placeholder 2"/>
+          <p:cNvSpPr>
+            <a:spLocks noGrp="1"/>
+          </p:cNvSpPr>
+          <p:nvPr>
+            <p:ph idx="1"/>
+          </p:nvPr>
+        </p:nvSpPr>
+        <p:spPr/>
+        <p:txBody>
+          <a:bodyPr/>
+          <a:lstStyle/>
+          <a:p>
+            <a:r>
+              <a:rPr lang="en-US" smtClean="0"/>
+              <a:t>Login nodes</a:t>
+            </a:r>
+          </a:p>
+          <a:p>
+            <a:pPr lvl="1"/>
+            <a:r>
+              <a:rPr lang="en-US" smtClean="0"/>
+              <a:t>This is where you are when you log in</a:t>
+            </a:r>
+          </a:p>
+          <a:p>
+            <a:pPr lvl="1"/>
+            <a:r>
+              <a:rPr lang="en-US" smtClean="0"/>
+              <a:t>No heavy computation, interactive jobs, or long running processes</a:t>
+            </a:r>
+          </a:p>
+          <a:p>
+            <a:pPr lvl="1"/>
+            <a:r>
+              <a:rPr lang="en-US" smtClean="0"/>
+              <a:t>Script or code editing, minor compiling</a:t>
+            </a:r>
+          </a:p>
+          <a:p>
+            <a:pPr lvl="1"/>
+            <a:r>
+              <a:rPr lang="en-US" smtClean="0"/>
+              <a:t>Job submission</a:t>
+            </a:r>
+          </a:p>
+          <a:p>
+            <a:r>
+              <a:rPr lang="en-US" smtClean="0"/>
+              <a:t>Compute/batch nodes</a:t>
+            </a:r>
+          </a:p>
+          <a:p>
+            <a:pPr lvl="1"/>
+            <a:r>
+              <a:rPr lang="en-US" smtClean="0"/>
+              <a:t>This is where jobs that are submitted through the scheduler run</a:t>
+            </a:r>
+          </a:p>
+          <a:p>
+            <a:pPr lvl="1"/>
+            <a:r>
+              <a:rPr lang="en-US" smtClean="0"/>
+              <a:t>Intended for heavy computation</a:t>
+            </a:r>
+            <a:endParaRPr lang="en-US" dirty="0" smtClean="0"/>
+          </a:p>
+        </p:txBody>
+      </p:sp>
+      <p:sp>
+        <p:nvSpPr>
+          <p:cNvPr id="5" name="Date Placeholder 4"/>
+          <p:cNvSpPr>
+            <a:spLocks noGrp="1"/>
+          </p:cNvSpPr>
+          <p:nvPr>
+            <p:ph type="dt" sz="half" idx="10"/>
+          </p:nvPr>
+        </p:nvSpPr>
+        <p:spPr/>
+        <p:txBody>
+          <a:bodyPr/>
+          <a:lstStyle/>
+          <a:p>
+            <a:fld id="{89D80A07-085F-A94B-AFF8-BC3BDB353C35}" type="datetime1">
+              <a:rPr lang="en-US" smtClean="0"/>
+              <a:pPr/>
+              <a:t>7/12/16</a:t>
+            </a:fld>
+            <a:endParaRPr lang="en-US" dirty="0"/>
+          </a:p>
+        </p:txBody>
+      </p:sp>
+      <p:sp>
+        <p:nvSpPr>
+          <p:cNvPr id="6" name="Footer Placeholder 5"/>
+          <p:cNvSpPr>
+            <a:spLocks noGrp="1"/>
+          </p:cNvSpPr>
+          <p:nvPr>
+            <p:ph type="ftr" sz="quarter" idx="11"/>
+          </p:nvPr>
+        </p:nvSpPr>
+        <p:spPr/>
+        <p:txBody>
+          <a:bodyPr/>
+          <a:lstStyle/>
+          <a:p>
+            <a:r>
+              <a:rPr lang="en-US" smtClean="0"/>
+              <a:t>How to Use a Supercomputer</a:t>
+            </a:r>
+            <a:endParaRPr lang="en-US"/>
+          </a:p>
+        </p:txBody>
+      </p:sp>
+      <p:sp>
+        <p:nvSpPr>
+          <p:cNvPr id="4" name="Slide Number Placeholder 3"/>
+          <p:cNvSpPr>
+            <a:spLocks noGrp="1"/>
+          </p:cNvSpPr>
+          <p:nvPr>
+            <p:ph type="sldNum" sz="quarter" idx="4"/>
+          </p:nvPr>
+        </p:nvSpPr>
+        <p:spPr/>
+        <p:txBody>
+          <a:bodyPr/>
+          <a:lstStyle/>
+          <a:p>
+            <a:fld id="{718654E8-5BC9-7544-A602-FE2C9BCA3333}" type="slidenum">
+              <a:rPr lang="en-US" smtClean="0"/>
+              <a:pPr/>
+              <a:t>15</a:t>
+            </a:fld>
+            <a:endParaRPr lang="en-US"/>
+          </a:p>
+        </p:txBody>
+      </p:sp>
+    </p:spTree>
+    <p:extLst>
+      <p:ext uri="{BB962C8B-B14F-4D97-AF65-F5344CB8AC3E}">
+        <p14:creationId xmlns:p14="http://schemas.microsoft.com/office/powerpoint/2010/main" val="3009264784"/>
+      </p:ext>
+    </p:extLst>
+  </p:cSld>
+  <p:clrMapOvr>
+    <a:masterClrMapping/>
+  </p:clrMapOvr>
+  <p:timing>
+    <p:tnLst>
+      <p:par>
+        <p:cTn id="1" dur="indefinite" restart="never" nodeType="tmRoot"/>
+      </p:par>
+    </p:tnLst>
+  </p:timing>
+</p:sld>
+</file>
+
+<file path=ppt/slides/slide16.xml><?xml version="1.0" encoding="utf-8"?>
+<p:sld xmlns:a="http://schemas.openxmlformats.org/drawingml/2006/main" xmlns:r="http://schemas.openxmlformats.org/officeDocument/2006/relationships" xmlns:p="http://schemas.openxmlformats.org/presentationml/2006/main">
+  <p:cSld>
+    <p:spTree>
+      <p:nvGrpSpPr>
+        <p:cNvPr id="1" name=""/>
+        <p:cNvGrpSpPr/>
+        <p:nvPr/>
+      </p:nvGrpSpPr>
+      <p:grpSpPr>
+        <a:xfrm>
+          <a:off x="0" y="0"/>
+          <a:ext cx="0" cy="0"/>
+          <a:chOff x="0" y="0"/>
+          <a:chExt cx="0" cy="0"/>
+        </a:xfrm>
+      </p:grpSpPr>
+      <p:sp>
+        <p:nvSpPr>
           <p:cNvPr id="6" name="Title 5"/>
           <p:cNvSpPr>
             <a:spLocks noGrp="1"/>
@@ -7745,7 +8411,7 @@
           <a:p>
             <a:r>
               <a:rPr lang="en-US" b="1" dirty="0" smtClean="0"/>
-              <a:t>$WORK Space</a:t>
+              <a:t>$PROJECT Space</a:t>
             </a:r>
           </a:p>
           <a:p>
@@ -7797,7 +8463,7 @@
             <a:fld id="{132B55B9-177F-764C-809C-951934E1D2F3}" type="datetime1">
               <a:rPr lang="en-US" smtClean="0"/>
               <a:pPr/>
-              <a:t>7/11/16</a:t>
+              <a:t>7/12/16</a:t>
             </a:fld>
             <a:endParaRPr lang="en-US"/>
           </a:p>
@@ -7844,7 +8510,7 @@
             <a:fld id="{249E94F7-107C-CE46-8C56-9CACFF99CD93}" type="slidenum">
               <a:rPr lang="en-US" smtClean="0"/>
               <a:pPr/>
-              <a:t>13</a:t>
+              <a:t>16</a:t>
             </a:fld>
             <a:endParaRPr lang="en-US" dirty="0"/>
           </a:p>
@@ -8099,586 +8765,6 @@
 </p:sld>
 </file>
 
-<file path=ppt/slides/slide14.xml><?xml version="1.0" encoding="utf-8"?>
-<p:sld xmlns:a="http://schemas.openxmlformats.org/drawingml/2006/main" xmlns:r="http://schemas.openxmlformats.org/officeDocument/2006/relationships" xmlns:p="http://schemas.openxmlformats.org/presentationml/2006/main">
-  <p:cSld>
-    <p:spTree>
-      <p:nvGrpSpPr>
-        <p:cNvPr id="1" name=""/>
-        <p:cNvGrpSpPr/>
-        <p:nvPr/>
-      </p:nvGrpSpPr>
-      <p:grpSpPr>
-        <a:xfrm>
-          <a:off x="0" y="0"/>
-          <a:ext cx="0" cy="0"/>
-          <a:chOff x="0" y="0"/>
-          <a:chExt cx="0" cy="0"/>
-        </a:xfrm>
-      </p:grpSpPr>
-      <p:sp>
-        <p:nvSpPr>
-          <p:cNvPr id="2" name="Title 1"/>
-          <p:cNvSpPr>
-            <a:spLocks noGrp="1"/>
-          </p:cNvSpPr>
-          <p:nvPr>
-            <p:ph type="title"/>
-          </p:nvPr>
-        </p:nvSpPr>
-        <p:spPr/>
-        <p:txBody>
-          <a:bodyPr/>
-          <a:lstStyle/>
-          <a:p>
-            <a:r>
-              <a:rPr lang="en-US" smtClean="0"/>
-              <a:t>What is Job Scheduling</a:t>
-            </a:r>
-            <a:endParaRPr lang="en-US" dirty="0"/>
-          </a:p>
-        </p:txBody>
-      </p:sp>
-      <p:sp>
-        <p:nvSpPr>
-          <p:cNvPr id="3" name="Content Placeholder 2"/>
-          <p:cNvSpPr>
-            <a:spLocks noGrp="1"/>
-          </p:cNvSpPr>
-          <p:nvPr>
-            <p:ph idx="1"/>
-          </p:nvPr>
-        </p:nvSpPr>
-        <p:spPr/>
-        <p:txBody>
-          <a:bodyPr/>
-          <a:lstStyle/>
-          <a:p>
-            <a:r>
-              <a:rPr lang="en-US" smtClean="0"/>
-              <a:t>Supercomputers usually consist of many nodes</a:t>
-            </a:r>
-          </a:p>
-          <a:p>
-            <a:r>
-              <a:rPr lang="en-US" smtClean="0"/>
-              <a:t>Users submit jobs that may run on one or multiple nodes</a:t>
-            </a:r>
-          </a:p>
-          <a:p>
-            <a:r>
-              <a:rPr lang="en-US" smtClean="0"/>
-              <a:t>Sometimes these jobs are very large; sometimes there are many small jobs</a:t>
-            </a:r>
-          </a:p>
-          <a:p>
-            <a:r>
-              <a:rPr lang="en-US" smtClean="0"/>
-              <a:t>Need software that will distribute the jobs appropriately</a:t>
-            </a:r>
-          </a:p>
-          <a:p>
-            <a:pPr lvl="1"/>
-            <a:r>
-              <a:rPr lang="en-US" smtClean="0"/>
-              <a:t>Make sure the job requirements are met</a:t>
-            </a:r>
-          </a:p>
-          <a:p>
-            <a:pPr lvl="2"/>
-            <a:r>
-              <a:rPr lang="en-US" smtClean="0"/>
-              <a:t>Reserve nodes until enough are available to run a job</a:t>
-            </a:r>
-          </a:p>
-          <a:p>
-            <a:pPr lvl="2"/>
-            <a:r>
-              <a:rPr lang="en-US" smtClean="0"/>
-              <a:t>Account for offline nodes</a:t>
-            </a:r>
-          </a:p>
-          <a:p>
-            <a:r>
-              <a:rPr lang="en-US" smtClean="0"/>
-              <a:t>Also need software to manage the resources</a:t>
-            </a:r>
-          </a:p>
-          <a:p>
-            <a:r>
-              <a:rPr lang="en-US" smtClean="0"/>
-              <a:t>Integrated with scheduler</a:t>
-            </a:r>
-            <a:endParaRPr lang="en-US" dirty="0"/>
-          </a:p>
-        </p:txBody>
-      </p:sp>
-      <p:sp>
-        <p:nvSpPr>
-          <p:cNvPr id="4" name="Date Placeholder 3"/>
-          <p:cNvSpPr>
-            <a:spLocks noGrp="1"/>
-          </p:cNvSpPr>
-          <p:nvPr>
-            <p:ph type="dt" sz="half" idx="10"/>
-          </p:nvPr>
-        </p:nvSpPr>
-        <p:spPr/>
-        <p:txBody>
-          <a:bodyPr/>
-          <a:lstStyle/>
-          <a:p>
-            <a:fld id="{0AB019C5-7ADB-B24A-B1AE-2CA4ED534FCD}" type="datetime1">
-              <a:rPr lang="en-US" smtClean="0"/>
-              <a:pPr/>
-              <a:t>7/11/16</a:t>
-            </a:fld>
-            <a:endParaRPr lang="en-US" dirty="0"/>
-          </a:p>
-        </p:txBody>
-      </p:sp>
-      <p:sp>
-        <p:nvSpPr>
-          <p:cNvPr id="5" name="Footer Placeholder 4"/>
-          <p:cNvSpPr>
-            <a:spLocks noGrp="1"/>
-          </p:cNvSpPr>
-          <p:nvPr>
-            <p:ph type="ftr" sz="quarter" idx="11"/>
-          </p:nvPr>
-        </p:nvSpPr>
-        <p:spPr/>
-        <p:txBody>
-          <a:bodyPr/>
-          <a:lstStyle/>
-          <a:p>
-            <a:r>
-              <a:rPr lang="en-US" smtClean="0"/>
-              <a:t>How to Use a Supercomputer</a:t>
-            </a:r>
-            <a:endParaRPr lang="en-US" dirty="0"/>
-          </a:p>
-        </p:txBody>
-      </p:sp>
-      <p:sp>
-        <p:nvSpPr>
-          <p:cNvPr id="7" name="Slide Number Placeholder 6"/>
-          <p:cNvSpPr>
-            <a:spLocks noGrp="1"/>
-          </p:cNvSpPr>
-          <p:nvPr>
-            <p:ph type="sldNum" sz="quarter" idx="4"/>
-          </p:nvPr>
-        </p:nvSpPr>
-        <p:spPr/>
-        <p:txBody>
-          <a:bodyPr/>
-          <a:lstStyle/>
-          <a:p>
-            <a:fld id="{4CD5414E-75FA-004D-99DA-2C760610DFD3}" type="slidenum">
-              <a:rPr lang="en-US" smtClean="0"/>
-              <a:pPr/>
-              <a:t>14</a:t>
-            </a:fld>
-            <a:endParaRPr lang="en-US"/>
-          </a:p>
-        </p:txBody>
-      </p:sp>
-    </p:spTree>
-    <p:extLst>
-      <p:ext uri="{BB962C8B-B14F-4D97-AF65-F5344CB8AC3E}">
-        <p14:creationId xmlns:p14="http://schemas.microsoft.com/office/powerpoint/2010/main" val="2416966675"/>
-      </p:ext>
-    </p:extLst>
-  </p:cSld>
-  <p:clrMapOvr>
-    <a:masterClrMapping/>
-  </p:clrMapOvr>
-  <p:timing>
-    <p:tnLst>
-      <p:par>
-        <p:cTn id="1" dur="indefinite" restart="never" nodeType="tmRoot"/>
-      </p:par>
-    </p:tnLst>
-  </p:timing>
-</p:sld>
-</file>
-
-<file path=ppt/slides/slide15.xml><?xml version="1.0" encoding="utf-8"?>
-<p:sld xmlns:a="http://schemas.openxmlformats.org/drawingml/2006/main" xmlns:r="http://schemas.openxmlformats.org/officeDocument/2006/relationships" xmlns:p="http://schemas.openxmlformats.org/presentationml/2006/main">
-  <p:cSld>
-    <p:spTree>
-      <p:nvGrpSpPr>
-        <p:cNvPr id="1" name=""/>
-        <p:cNvGrpSpPr/>
-        <p:nvPr/>
-      </p:nvGrpSpPr>
-      <p:grpSpPr>
-        <a:xfrm>
-          <a:off x="0" y="0"/>
-          <a:ext cx="0" cy="0"/>
-          <a:chOff x="0" y="0"/>
-          <a:chExt cx="0" cy="0"/>
-        </a:xfrm>
-      </p:grpSpPr>
-      <p:sp>
-        <p:nvSpPr>
-          <p:cNvPr id="2" name="Title 1"/>
-          <p:cNvSpPr>
-            <a:spLocks noGrp="1"/>
-          </p:cNvSpPr>
-          <p:nvPr>
-            <p:ph type="title"/>
-          </p:nvPr>
-        </p:nvSpPr>
-        <p:spPr/>
-        <p:txBody>
-          <a:bodyPr/>
-          <a:lstStyle/>
-          <a:p>
-            <a:r>
-              <a:rPr lang="en-US" smtClean="0"/>
-              <a:t>Job Scheduling</a:t>
-            </a:r>
-            <a:endParaRPr lang="en-US" dirty="0"/>
-          </a:p>
-        </p:txBody>
-      </p:sp>
-      <p:sp>
-        <p:nvSpPr>
-          <p:cNvPr id="3" name="Content Placeholder 2"/>
-          <p:cNvSpPr>
-            <a:spLocks noGrp="1"/>
-          </p:cNvSpPr>
-          <p:nvPr>
-            <p:ph idx="1"/>
-          </p:nvPr>
-        </p:nvSpPr>
-        <p:spPr/>
-        <p:txBody>
-          <a:bodyPr/>
-          <a:lstStyle/>
-          <a:p>
-            <a:r>
-              <a:rPr lang="en-US" dirty="0" smtClean="0"/>
-              <a:t>On a supercomputer, jobs are scheduled rather than just run instantly at the command line</a:t>
-            </a:r>
-          </a:p>
-          <a:p>
-            <a:pPr lvl="1"/>
-            <a:r>
-              <a:rPr lang="en-US" dirty="0" smtClean="0"/>
-              <a:t>People “buy” time to use the resources</a:t>
-            </a:r>
-          </a:p>
-          <a:p>
-            <a:pPr lvl="1"/>
-            <a:r>
-              <a:rPr lang="en-US" dirty="0" smtClean="0"/>
-              <a:t>Shared system</a:t>
-            </a:r>
-          </a:p>
-          <a:p>
-            <a:pPr lvl="1"/>
-            <a:r>
-              <a:rPr lang="en-US" dirty="0" smtClean="0"/>
-              <a:t>Request the amount of resources needed and for how long</a:t>
-            </a:r>
-          </a:p>
-          <a:p>
-            <a:pPr lvl="1"/>
-            <a:r>
-              <a:rPr lang="en-US" dirty="0" smtClean="0"/>
-              <a:t>Jobs are put in a queue until resources are available</a:t>
-            </a:r>
-          </a:p>
-          <a:p>
-            <a:pPr lvl="1"/>
-            <a:r>
-              <a:rPr lang="en-US" dirty="0" smtClean="0"/>
-              <a:t>Once the job is run they are “charged” for the time they used</a:t>
-            </a:r>
-          </a:p>
-        </p:txBody>
-      </p:sp>
-      <p:sp>
-        <p:nvSpPr>
-          <p:cNvPr id="4" name="Date Placeholder 3"/>
-          <p:cNvSpPr>
-            <a:spLocks noGrp="1"/>
-          </p:cNvSpPr>
-          <p:nvPr>
-            <p:ph type="dt" sz="half" idx="10"/>
-          </p:nvPr>
-        </p:nvSpPr>
-        <p:spPr/>
-        <p:txBody>
-          <a:bodyPr/>
-          <a:lstStyle/>
-          <a:p>
-            <a:fld id="{CD59644B-4760-E54F-B0FC-98DC50116EA1}" type="datetime1">
-              <a:rPr lang="en-US" smtClean="0"/>
-              <a:pPr/>
-              <a:t>7/11/16</a:t>
-            </a:fld>
-            <a:endParaRPr lang="en-US" dirty="0"/>
-          </a:p>
-        </p:txBody>
-      </p:sp>
-      <p:sp>
-        <p:nvSpPr>
-          <p:cNvPr id="6" name="Footer Placeholder 5"/>
-          <p:cNvSpPr>
-            <a:spLocks noGrp="1"/>
-          </p:cNvSpPr>
-          <p:nvPr>
-            <p:ph type="ftr" sz="quarter" idx="11"/>
-          </p:nvPr>
-        </p:nvSpPr>
-        <p:spPr/>
-        <p:txBody>
-          <a:bodyPr/>
-          <a:lstStyle/>
-          <a:p>
-            <a:r>
-              <a:rPr lang="en-US" smtClean="0"/>
-              <a:t>How to Use a Supercomputer</a:t>
-            </a:r>
-            <a:endParaRPr lang="en-US" dirty="0"/>
-          </a:p>
-        </p:txBody>
-      </p:sp>
-      <p:sp>
-        <p:nvSpPr>
-          <p:cNvPr id="5" name="Slide Number Placeholder 4"/>
-          <p:cNvSpPr>
-            <a:spLocks noGrp="1"/>
-          </p:cNvSpPr>
-          <p:nvPr>
-            <p:ph type="sldNum" sz="quarter" idx="4"/>
-          </p:nvPr>
-        </p:nvSpPr>
-        <p:spPr/>
-        <p:txBody>
-          <a:bodyPr/>
-          <a:lstStyle/>
-          <a:p>
-            <a:fld id="{4CD5414E-75FA-004D-99DA-2C760610DFD3}" type="slidenum">
-              <a:rPr lang="en-US" smtClean="0"/>
-              <a:pPr/>
-              <a:t>15</a:t>
-            </a:fld>
-            <a:endParaRPr lang="en-US"/>
-          </a:p>
-        </p:txBody>
-      </p:sp>
-    </p:spTree>
-    <p:extLst>
-      <p:ext uri="{BB962C8B-B14F-4D97-AF65-F5344CB8AC3E}">
-        <p14:creationId xmlns:p14="http://schemas.microsoft.com/office/powerpoint/2010/main" val="2907783526"/>
-      </p:ext>
-    </p:extLst>
-  </p:cSld>
-  <p:clrMapOvr>
-    <a:masterClrMapping/>
-  </p:clrMapOvr>
-  <p:timing>
-    <p:tnLst>
-      <p:par>
-        <p:cTn id="1" dur="indefinite" restart="never" nodeType="tmRoot"/>
-      </p:par>
-    </p:tnLst>
-  </p:timing>
-</p:sld>
-</file>
-
-<file path=ppt/slides/slide16.xml><?xml version="1.0" encoding="utf-8"?>
-<p:sld xmlns:a="http://schemas.openxmlformats.org/drawingml/2006/main" xmlns:r="http://schemas.openxmlformats.org/officeDocument/2006/relationships" xmlns:p="http://schemas.openxmlformats.org/presentationml/2006/main">
-  <p:cSld>
-    <p:spTree>
-      <p:nvGrpSpPr>
-        <p:cNvPr id="1" name=""/>
-        <p:cNvGrpSpPr/>
-        <p:nvPr/>
-      </p:nvGrpSpPr>
-      <p:grpSpPr>
-        <a:xfrm>
-          <a:off x="0" y="0"/>
-          <a:ext cx="0" cy="0"/>
-          <a:chOff x="0" y="0"/>
-          <a:chExt cx="0" cy="0"/>
-        </a:xfrm>
-      </p:grpSpPr>
-      <p:sp>
-        <p:nvSpPr>
-          <p:cNvPr id="2" name="Title 1"/>
-          <p:cNvSpPr>
-            <a:spLocks noGrp="1"/>
-          </p:cNvSpPr>
-          <p:nvPr>
-            <p:ph type="title"/>
-          </p:nvPr>
-        </p:nvSpPr>
-        <p:spPr/>
-        <p:txBody>
-          <a:bodyPr/>
-          <a:lstStyle/>
-          <a:p>
-            <a:r>
-              <a:rPr lang="en-US" smtClean="0"/>
-              <a:t>Job Scheduling - Priority</a:t>
-            </a:r>
-            <a:endParaRPr lang="en-US" dirty="0"/>
-          </a:p>
-        </p:txBody>
-      </p:sp>
-      <p:sp>
-        <p:nvSpPr>
-          <p:cNvPr id="3" name="Content Placeholder 2"/>
-          <p:cNvSpPr>
-            <a:spLocks noGrp="1"/>
-          </p:cNvSpPr>
-          <p:nvPr>
-            <p:ph idx="1"/>
-          </p:nvPr>
-        </p:nvSpPr>
-        <p:spPr/>
-        <p:txBody>
-          <a:bodyPr/>
-          <a:lstStyle/>
-          <a:p>
-            <a:r>
-              <a:rPr lang="en-US" smtClean="0"/>
-              <a:t>What jobs receive priority?</a:t>
-            </a:r>
-          </a:p>
-          <a:p>
-            <a:pPr lvl="1"/>
-            <a:r>
-              <a:rPr lang="en-US" smtClean="0"/>
-              <a:t>Can depend on the center</a:t>
-            </a:r>
-          </a:p>
-          <a:p>
-            <a:pPr lvl="1"/>
-            <a:r>
-              <a:rPr lang="en-US" smtClean="0"/>
-              <a:t>Can arrange for certain people who “pay more” receive priority</a:t>
-            </a:r>
-          </a:p>
-          <a:p>
-            <a:pPr lvl="1"/>
-            <a:r>
-              <a:rPr lang="en-US" smtClean="0"/>
-              <a:t>Generally though based on job size and time of entry</a:t>
-            </a:r>
-          </a:p>
-          <a:p>
-            <a:r>
-              <a:rPr lang="en-US" smtClean="0"/>
-              <a:t>Might have different queues based on different job needs</a:t>
-            </a:r>
-          </a:p>
-          <a:p>
-            <a:r>
-              <a:rPr lang="en-US" smtClean="0"/>
-              <a:t>Can receive priority on a job by creating a reservation</a:t>
-            </a:r>
-            <a:endParaRPr lang="en-US" dirty="0" smtClean="0"/>
-          </a:p>
-        </p:txBody>
-      </p:sp>
-      <p:sp>
-        <p:nvSpPr>
-          <p:cNvPr id="4" name="Date Placeholder 3"/>
-          <p:cNvSpPr>
-            <a:spLocks noGrp="1"/>
-          </p:cNvSpPr>
-          <p:nvPr>
-            <p:ph type="dt" sz="half" idx="10"/>
-          </p:nvPr>
-        </p:nvSpPr>
-        <p:spPr/>
-        <p:txBody>
-          <a:bodyPr/>
-          <a:lstStyle/>
-          <a:p>
-            <a:fld id="{E6D09FA2-B37C-8049-AE18-8F8E2BA121EE}" type="datetime1">
-              <a:rPr lang="en-US" smtClean="0"/>
-              <a:pPr/>
-              <a:t>7/11/16</a:t>
-            </a:fld>
-            <a:endParaRPr lang="en-US" dirty="0"/>
-          </a:p>
-        </p:txBody>
-      </p:sp>
-      <p:sp>
-        <p:nvSpPr>
-          <p:cNvPr id="6" name="Footer Placeholder 5"/>
-          <p:cNvSpPr>
-            <a:spLocks noGrp="1"/>
-          </p:cNvSpPr>
-          <p:nvPr>
-            <p:ph type="ftr" sz="quarter" idx="11"/>
-          </p:nvPr>
-        </p:nvSpPr>
-        <p:spPr/>
-        <p:txBody>
-          <a:bodyPr/>
-          <a:lstStyle/>
-          <a:p>
-            <a:r>
-              <a:rPr lang="en-US" smtClean="0"/>
-              <a:t>How to Use a Supercomputer</a:t>
-            </a:r>
-            <a:endParaRPr lang="en-US" dirty="0"/>
-          </a:p>
-        </p:txBody>
-      </p:sp>
-      <p:sp>
-        <p:nvSpPr>
-          <p:cNvPr id="5" name="Slide Number Placeholder 4"/>
-          <p:cNvSpPr>
-            <a:spLocks noGrp="1"/>
-          </p:cNvSpPr>
-          <p:nvPr>
-            <p:ph type="sldNum" sz="quarter" idx="4"/>
-          </p:nvPr>
-        </p:nvSpPr>
-        <p:spPr/>
-        <p:txBody>
-          <a:bodyPr/>
-          <a:lstStyle/>
-          <a:p>
-            <a:fld id="{4CD5414E-75FA-004D-99DA-2C760610DFD3}" type="slidenum">
-              <a:rPr lang="en-US" smtClean="0"/>
-              <a:pPr/>
-              <a:t>16</a:t>
-            </a:fld>
-            <a:endParaRPr lang="en-US"/>
-          </a:p>
-        </p:txBody>
-      </p:sp>
-    </p:spTree>
-    <p:extLst>
-      <p:ext uri="{BB962C8B-B14F-4D97-AF65-F5344CB8AC3E}">
-        <p14:creationId xmlns:p14="http://schemas.microsoft.com/office/powerpoint/2010/main" val="2572691477"/>
-      </p:ext>
-    </p:extLst>
-  </p:cSld>
-  <p:clrMapOvr>
-    <a:masterClrMapping/>
-  </p:clrMapOvr>
-  <p:timing>
-    <p:tnLst>
-      <p:par>
-        <p:cTn id="1" dur="indefinite" restart="never" nodeType="tmRoot"/>
-      </p:par>
-    </p:tnLst>
-  </p:timing>
-</p:sld>
-</file>
-
 <file path=ppt/slides/slide17.xml><?xml version="1.0" encoding="utf-8"?>
 <p:sld xmlns:a="http://schemas.openxmlformats.org/drawingml/2006/main" xmlns:r="http://schemas.openxmlformats.org/officeDocument/2006/relationships" xmlns:p="http://schemas.openxmlformats.org/presentationml/2006/main">
   <p:cSld>
@@ -8713,7 +8799,7 @@
           <a:p>
             <a:r>
               <a:rPr lang="en-US" smtClean="0"/>
-              <a:t>Job Schedulers - Slurm</a:t>
+              <a:t>What is Job Scheduling</a:t>
             </a:r>
             <a:endParaRPr lang="en-US" dirty="0"/>
           </a:p>
@@ -8731,90 +8817,71 @@
         </p:nvSpPr>
         <p:spPr/>
         <p:txBody>
-          <a:bodyPr>
-            <a:normAutofit lnSpcReduction="10000"/>
-          </a:bodyPr>
-          <a:lstStyle/>
-          <a:p>
-            <a:r>
-              <a:rPr lang="en-US" dirty="0" smtClean="0"/>
-              <a:t>Jobs on supercomputers are managed and run by different software</a:t>
-            </a:r>
-          </a:p>
-          <a:p>
-            <a:endParaRPr lang="en-US" dirty="0" smtClean="0"/>
-          </a:p>
-          <a:p>
-            <a:r>
-              <a:rPr lang="en-US" dirty="0" smtClean="0"/>
-              <a:t>Simple Linux Utility for Resource Management (</a:t>
-            </a:r>
-            <a:r>
-              <a:rPr lang="en-US" dirty="0" err="1" smtClean="0"/>
-              <a:t>Slurm</a:t>
-            </a:r>
-            <a:r>
-              <a:rPr lang="en-US" dirty="0" smtClean="0"/>
-              <a:t>)</a:t>
+          <a:bodyPr/>
+          <a:lstStyle/>
+          <a:p>
+            <a:r>
+              <a:rPr lang="en-US" smtClean="0"/>
+              <a:t>Supercomputers usually consist of many nodes</a:t>
+            </a:r>
+          </a:p>
+          <a:p>
+            <a:r>
+              <a:rPr lang="en-US" smtClean="0"/>
+              <a:t>Users submit jobs that may run on one or multiple nodes</a:t>
+            </a:r>
+          </a:p>
+          <a:p>
+            <a:r>
+              <a:rPr lang="en-US" smtClean="0"/>
+              <a:t>Sometimes these jobs are very large; sometimes there are many small jobs</a:t>
+            </a:r>
+          </a:p>
+          <a:p>
+            <a:r>
+              <a:rPr lang="en-US" smtClean="0"/>
+              <a:t>Need software that will distribute the jobs appropriately</a:t>
             </a:r>
           </a:p>
           <a:p>
             <a:pPr lvl="1"/>
             <a:r>
-              <a:rPr lang="en-US" dirty="0" smtClean="0"/>
-              <a:t>Open source software package</a:t>
-            </a:r>
-          </a:p>
-          <a:p>
-            <a:endParaRPr lang="en-US" dirty="0" smtClean="0"/>
-          </a:p>
-          <a:p>
-            <a:r>
-              <a:rPr lang="en-US" dirty="0" err="1" smtClean="0"/>
-              <a:t>Slurm</a:t>
-            </a:r>
-            <a:r>
-              <a:rPr lang="en-US" dirty="0" smtClean="0"/>
-              <a:t> is a resource manager</a:t>
-            </a:r>
-          </a:p>
-          <a:p>
-            <a:pPr lvl="1"/>
-            <a:r>
-              <a:rPr lang="en-US" dirty="0" smtClean="0"/>
-              <a:t>Keeps track of what nodes are busy/available, and what jobs are queued or running</a:t>
-            </a:r>
-          </a:p>
-          <a:p>
-            <a:r>
-              <a:rPr lang="en-US" dirty="0" err="1"/>
-              <a:t>Slurm</a:t>
-            </a:r>
-            <a:r>
-              <a:rPr lang="en-US" dirty="0"/>
-              <a:t> is a </a:t>
-            </a:r>
-            <a:r>
-              <a:rPr lang="en-US" dirty="0" smtClean="0"/>
-              <a:t>scheduler</a:t>
-            </a:r>
-          </a:p>
-          <a:p>
-            <a:pPr lvl="1"/>
-            <a:r>
-              <a:rPr lang="en-US" dirty="0" smtClean="0"/>
-              <a:t>Tells the resource manager when to run which job on the available resources</a:t>
+              <a:rPr lang="en-US" smtClean="0"/>
+              <a:t>Make sure the job requirements are met</a:t>
             </a:r>
           </a:p>
           <a:p>
             <a:pPr lvl="2"/>
-            <a:endParaRPr lang="en-US" dirty="0" smtClean="0"/>
-          </a:p>
-        </p:txBody>
-      </p:sp>
-      <p:sp>
-        <p:nvSpPr>
-          <p:cNvPr id="5" name="Date Placeholder 4"/>
+            <a:r>
+              <a:rPr lang="en-US" smtClean="0"/>
+              <a:t>Reserve nodes until enough are available to run a job</a:t>
+            </a:r>
+          </a:p>
+          <a:p>
+            <a:pPr lvl="2"/>
+            <a:r>
+              <a:rPr lang="en-US" smtClean="0"/>
+              <a:t>Account for offline nodes</a:t>
+            </a:r>
+          </a:p>
+          <a:p>
+            <a:r>
+              <a:rPr lang="en-US" smtClean="0"/>
+              <a:t>Also need software to manage the resources</a:t>
+            </a:r>
+          </a:p>
+          <a:p>
+            <a:r>
+              <a:rPr lang="en-US" smtClean="0"/>
+              <a:t>Integrated with scheduler</a:t>
+            </a:r>
+            <a:endParaRPr lang="en-US" dirty="0"/>
+          </a:p>
+        </p:txBody>
+      </p:sp>
+      <p:sp>
+        <p:nvSpPr>
+          <p:cNvPr id="4" name="Date Placeholder 3"/>
           <p:cNvSpPr>
             <a:spLocks noGrp="1"/>
           </p:cNvSpPr>
@@ -8827,18 +8894,18 @@
           <a:bodyPr/>
           <a:lstStyle/>
           <a:p>
-            <a:fld id="{5B6C1206-3B03-D14E-B823-FF397C70EE87}" type="datetime1">
+            <a:fld id="{0AB019C5-7ADB-B24A-B1AE-2CA4ED534FCD}" type="datetime1">
               <a:rPr lang="en-US" smtClean="0"/>
               <a:pPr/>
-              <a:t>7/11/16</a:t>
+              <a:t>7/12/16</a:t>
             </a:fld>
-            <a:endParaRPr lang="en-US"/>
-          </a:p>
-        </p:txBody>
-      </p:sp>
-      <p:sp>
-        <p:nvSpPr>
-          <p:cNvPr id="6" name="Footer Placeholder 5"/>
+            <a:endParaRPr lang="en-US" dirty="0"/>
+          </a:p>
+        </p:txBody>
+      </p:sp>
+      <p:sp>
+        <p:nvSpPr>
+          <p:cNvPr id="5" name="Footer Placeholder 4"/>
           <p:cNvSpPr>
             <a:spLocks noGrp="1"/>
           </p:cNvSpPr>
@@ -8861,7 +8928,7 @@
       </p:sp>
       <p:sp>
         <p:nvSpPr>
-          <p:cNvPr id="4" name="Slide Number Placeholder 3"/>
+          <p:cNvPr id="7" name="Slide Number Placeholder 6"/>
           <p:cNvSpPr>
             <a:spLocks noGrp="1"/>
           </p:cNvSpPr>
@@ -8886,7 +8953,7 @@
     </p:spTree>
     <p:extLst>
       <p:ext uri="{BB962C8B-B14F-4D97-AF65-F5344CB8AC3E}">
-        <p14:creationId xmlns:p14="http://schemas.microsoft.com/office/powerpoint/2010/main" val="823288718"/>
+        <p14:creationId xmlns:p14="http://schemas.microsoft.com/office/powerpoint/2010/main" val="2416966675"/>
       </p:ext>
     </p:extLst>
   </p:cSld>
@@ -8937,7 +9004,7 @@
           <a:p>
             <a:r>
               <a:rPr lang="en-US" smtClean="0"/>
-              <a:t>Running Jobs</a:t>
+              <a:t>Job Scheduling</a:t>
             </a:r>
             <a:endParaRPr lang="en-US" dirty="0"/>
           </a:p>
@@ -8955,109 +9022,78 @@
         </p:nvSpPr>
         <p:spPr/>
         <p:txBody>
-          <a:bodyPr>
-            <a:normAutofit lnSpcReduction="10000"/>
-          </a:bodyPr>
+          <a:bodyPr/>
           <a:lstStyle/>
           <a:p>
             <a:r>
               <a:rPr lang="en-US" dirty="0" smtClean="0"/>
-              <a:t>What is a “job”?</a:t>
-            </a:r>
-          </a:p>
-          <a:p>
-            <a:endParaRPr lang="en-US" dirty="0" smtClean="0"/>
-          </a:p>
-          <a:p>
+              <a:t>On a supercomputer, jobs are scheduled rather than just run instantly at the command line</a:t>
+            </a:r>
+          </a:p>
+          <a:p>
+            <a:pPr lvl="1"/>
             <a:r>
               <a:rPr lang="en-US" dirty="0" smtClean="0"/>
-              <a:t>Interactive jobs</a:t>
+              <a:t>People “buy” time to use the resources</a:t>
             </a:r>
           </a:p>
           <a:p>
             <a:pPr lvl="1"/>
             <a:r>
               <a:rPr lang="en-US" dirty="0" smtClean="0"/>
-              <a:t>Work interactively at the command line of a compute node</a:t>
+              <a:t>Shared system</a:t>
             </a:r>
           </a:p>
           <a:p>
             <a:pPr lvl="1"/>
-            <a:endParaRPr lang="en-US" dirty="0" smtClean="0"/>
-          </a:p>
-          <a:p>
             <a:r>
               <a:rPr lang="en-US" dirty="0" smtClean="0"/>
-              <a:t>Batch jobs</a:t>
+              <a:t>Request the amount of resources needed and for how long</a:t>
             </a:r>
           </a:p>
           <a:p>
             <a:pPr lvl="1"/>
             <a:r>
               <a:rPr lang="en-US" dirty="0" smtClean="0"/>
-              <a:t>Submit job that will be executed when resources are available</a:t>
+              <a:t>Jobs are put in a queue until resources are available</a:t>
             </a:r>
           </a:p>
           <a:p>
             <a:pPr lvl="1"/>
             <a:r>
               <a:rPr lang="en-US" dirty="0" smtClean="0"/>
-              <a:t>Create a text file containing information about the job</a:t>
-            </a:r>
-          </a:p>
-          <a:p>
-            <a:pPr lvl="1"/>
-            <a:r>
-              <a:rPr lang="en-US" dirty="0" smtClean="0"/>
-              <a:t>Submit the job file to a queue</a:t>
-            </a:r>
-          </a:p>
-          <a:p>
+              <a:t>Once the job is run they are “charged” for the time they used</a:t>
+            </a:r>
+          </a:p>
+        </p:txBody>
+      </p:sp>
+      <p:sp>
+        <p:nvSpPr>
+          <p:cNvPr id="4" name="Date Placeholder 3"/>
+          <p:cNvSpPr>
+            <a:spLocks noGrp="1"/>
+          </p:cNvSpPr>
+          <p:nvPr>
+            <p:ph type="dt" sz="half" idx="10"/>
+          </p:nvPr>
+        </p:nvSpPr>
+        <p:spPr/>
+        <p:txBody>
+          <a:bodyPr/>
+          <a:lstStyle/>
+          <a:p>
+            <a:fld id="{CD59644B-4760-E54F-B0FC-98DC50116EA1}" type="datetime1">
+              <a:rPr lang="en-US" smtClean="0"/>
+              <a:pPr/>
+              <a:t>7/12/16</a:t>
+            </a:fld>
             <a:endParaRPr lang="en-US" dirty="0"/>
           </a:p>
-          <a:p>
-            <a:r>
-              <a:rPr lang="en-US" dirty="0" smtClean="0"/>
-              <a:t>Load the </a:t>
-            </a:r>
-            <a:r>
-              <a:rPr lang="en-US" dirty="0" err="1" smtClean="0"/>
-              <a:t>Slurm</a:t>
-            </a:r>
-            <a:r>
-              <a:rPr lang="en-US" dirty="0" smtClean="0"/>
-              <a:t> module!</a:t>
-            </a:r>
-          </a:p>
-        </p:txBody>
-      </p:sp>
-      <p:sp>
-        <p:nvSpPr>
-          <p:cNvPr id="5" name="Date Placeholder 4"/>
-          <p:cNvSpPr>
-            <a:spLocks noGrp="1"/>
-          </p:cNvSpPr>
-          <p:nvPr>
-            <p:ph type="dt" sz="half" idx="10"/>
-          </p:nvPr>
-        </p:nvSpPr>
-        <p:spPr/>
-        <p:txBody>
-          <a:bodyPr/>
-          <a:lstStyle/>
-          <a:p>
-            <a:fld id="{3BE7AA8A-789C-7147-AC4A-D72D02471A6B}" type="datetime1">
-              <a:rPr lang="en-US" smtClean="0"/>
-              <a:pPr/>
-              <a:t>7/11/16</a:t>
-            </a:fld>
-            <a:endParaRPr lang="en-US"/>
-          </a:p>
-        </p:txBody>
-      </p:sp>
-      <p:sp>
-        <p:nvSpPr>
-          <p:cNvPr id="4" name="Footer Placeholder 3"/>
+        </p:txBody>
+      </p:sp>
+      <p:sp>
+        <p:nvSpPr>
+          <p:cNvPr id="6" name="Footer Placeholder 5"/>
           <p:cNvSpPr>
             <a:spLocks noGrp="1"/>
           </p:cNvSpPr>
@@ -9080,7 +9116,7 @@
       </p:sp>
       <p:sp>
         <p:nvSpPr>
-          <p:cNvPr id="7" name="Slide Number Placeholder 6"/>
+          <p:cNvPr id="5" name="Slide Number Placeholder 4"/>
           <p:cNvSpPr>
             <a:spLocks noGrp="1"/>
           </p:cNvSpPr>
@@ -9105,7 +9141,7 @@
     </p:spTree>
     <p:extLst>
       <p:ext uri="{BB962C8B-B14F-4D97-AF65-F5344CB8AC3E}">
-        <p14:creationId xmlns:p14="http://schemas.microsoft.com/office/powerpoint/2010/main" val="1992772936"/>
+        <p14:creationId xmlns:p14="http://schemas.microsoft.com/office/powerpoint/2010/main" val="2907783526"/>
       </p:ext>
     </p:extLst>
   </p:cSld>
@@ -9156,7 +9192,7 @@
           <a:p>
             <a:r>
               <a:rPr lang="en-US" smtClean="0"/>
-              <a:t>Queues</a:t>
+              <a:t>Job Scheduling - Priority</a:t>
             </a:r>
             <a:endParaRPr lang="en-US" dirty="0"/>
           </a:p>
@@ -9178,66 +9214,49 @@
           <a:lstStyle/>
           <a:p>
             <a:r>
-              <a:rPr lang="en-US" dirty="0" smtClean="0"/>
-              <a:t>There are several ways to define a “queue”</a:t>
-            </a:r>
-          </a:p>
-          <a:p>
-            <a:r>
-              <a:rPr lang="en-US" dirty="0" smtClean="0"/>
-              <a:t>Clusters may have different queues set up to run different types of jobs</a:t>
+              <a:rPr lang="en-US" smtClean="0"/>
+              <a:t>What jobs receive priority?</a:t>
             </a:r>
           </a:p>
           <a:p>
             <a:pPr lvl="1"/>
             <a:r>
-              <a:rPr lang="en-US" dirty="0" smtClean="0"/>
-              <a:t>Certain queues might exist on certain clusters/resources</a:t>
+              <a:rPr lang="en-US" smtClean="0"/>
+              <a:t>Can depend on the center</a:t>
             </a:r>
           </a:p>
           <a:p>
             <a:pPr lvl="1"/>
             <a:r>
-              <a:rPr lang="en-US" dirty="0" smtClean="0"/>
-              <a:t>Other queues might be limited by maximum wall time</a:t>
-            </a:r>
-          </a:p>
-          <a:p>
-            <a:r>
-              <a:rPr lang="en-US" dirty="0" err="1" smtClean="0"/>
-              <a:t>Slurm</a:t>
-            </a:r>
-            <a:r>
-              <a:rPr lang="en-US" dirty="0" smtClean="0"/>
-              <a:t> can use a “quality of service” for each queue</a:t>
+              <a:rPr lang="en-US" smtClean="0"/>
+              <a:t>Can arrange for certain people who “pay more” receive priority</a:t>
             </a:r>
           </a:p>
           <a:p>
             <a:pPr lvl="1"/>
             <a:r>
-              <a:rPr lang="en-US" dirty="0" smtClean="0"/>
-              <a:t>aka “QOS”</a:t>
-            </a:r>
-          </a:p>
-          <a:p>
-            <a:r>
-              <a:rPr lang="en-US" dirty="0" smtClean="0"/>
-              <a:t>Also can use </a:t>
-            </a:r>
-            <a:r>
-              <a:rPr lang="en-US" dirty="0"/>
-              <a:t>a “partition” (or set of nodes) that corresponds to a queue</a:t>
-            </a:r>
-          </a:p>
-          <a:p>
-            <a:pPr lvl="1"/>
+              <a:rPr lang="en-US" smtClean="0"/>
+              <a:t>Generally though based on job size and time of entry</a:t>
+            </a:r>
+          </a:p>
+          <a:p>
+            <a:r>
+              <a:rPr lang="en-US" smtClean="0"/>
+              <a:t>Might have different queues based on different job needs</a:t>
+            </a:r>
+          </a:p>
+          <a:p>
+            <a:r>
+              <a:rPr lang="en-US" smtClean="0"/>
+              <a:t>Can receive priority on a job by creating a reservation</a:t>
+            </a:r>
             <a:endParaRPr lang="en-US" dirty="0" smtClean="0"/>
           </a:p>
         </p:txBody>
       </p:sp>
       <p:sp>
         <p:nvSpPr>
-          <p:cNvPr id="5" name="Date Placeholder 4"/>
+          <p:cNvPr id="4" name="Date Placeholder 3"/>
           <p:cNvSpPr>
             <a:spLocks noGrp="1"/>
           </p:cNvSpPr>
@@ -9250,18 +9269,18 @@
           <a:bodyPr/>
           <a:lstStyle/>
           <a:p>
-            <a:fld id="{4B3BBB45-A77E-5F4E-B5ED-F6FC590DA428}" type="datetime1">
+            <a:fld id="{E6D09FA2-B37C-8049-AE18-8F8E2BA121EE}" type="datetime1">
               <a:rPr lang="en-US" smtClean="0"/>
               <a:pPr/>
-              <a:t>7/11/16</a:t>
+              <a:t>7/12/16</a:t>
             </a:fld>
-            <a:endParaRPr lang="en-US"/>
-          </a:p>
-        </p:txBody>
-      </p:sp>
-      <p:sp>
-        <p:nvSpPr>
-          <p:cNvPr id="4" name="Footer Placeholder 3"/>
+            <a:endParaRPr lang="en-US" dirty="0"/>
+          </a:p>
+        </p:txBody>
+      </p:sp>
+      <p:sp>
+        <p:nvSpPr>
+          <p:cNvPr id="6" name="Footer Placeholder 5"/>
           <p:cNvSpPr>
             <a:spLocks noGrp="1"/>
           </p:cNvSpPr>
@@ -9284,7 +9303,7 @@
       </p:sp>
       <p:sp>
         <p:nvSpPr>
-          <p:cNvPr id="7" name="Slide Number Placeholder 6"/>
+          <p:cNvPr id="5" name="Slide Number Placeholder 4"/>
           <p:cNvSpPr>
             <a:spLocks noGrp="1"/>
           </p:cNvSpPr>
@@ -9309,7 +9328,7 @@
     </p:spTree>
     <p:extLst>
       <p:ext uri="{BB962C8B-B14F-4D97-AF65-F5344CB8AC3E}">
-        <p14:creationId xmlns:p14="http://schemas.microsoft.com/office/powerpoint/2010/main" val="2861429598"/>
+        <p14:creationId xmlns:p14="http://schemas.microsoft.com/office/powerpoint/2010/main" val="2572691477"/>
       </p:ext>
     </p:extLst>
   </p:cSld>
@@ -9353,178 +9372,57 @@
             <p:ph type="title"/>
           </p:nvPr>
         </p:nvSpPr>
-        <p:spPr>
-          <a:xfrm>
-            <a:off x="457199" y="16164"/>
-            <a:ext cx="8623230" cy="1143000"/>
-          </a:xfrm>
-        </p:spPr>
-        <p:txBody>
-          <a:bodyPr/>
-          <a:lstStyle/>
-          <a:p>
-            <a:r>
-              <a:rPr lang="en-US" sz="4000" dirty="0" smtClean="0"/>
-              <a:t>What</a:t>
-            </a:r>
-            <a:r>
-              <a:rPr lang="en-US" sz="4000" dirty="0" smtClean="0">
-                <a:solidFill>
-                  <a:srgbClr val="6F664C"/>
-                </a:solidFill>
+        <p:spPr/>
+        <p:txBody>
+          <a:bodyPr/>
+          <a:lstStyle/>
+          <a:p>
+            <a:r>
+              <a:rPr lang="en-US" dirty="0" smtClean="0"/>
+              <a:t>Survey!</a:t>
+            </a:r>
+            <a:endParaRPr lang="en-US" dirty="0"/>
+          </a:p>
+        </p:txBody>
+      </p:sp>
+      <p:sp>
+        <p:nvSpPr>
+          <p:cNvPr id="3" name="Content Placeholder 2"/>
+          <p:cNvSpPr>
+            <a:spLocks noGrp="1"/>
+          </p:cNvSpPr>
+          <p:nvPr>
+            <p:ph idx="1"/>
+          </p:nvPr>
+        </p:nvSpPr>
+        <p:spPr/>
+        <p:txBody>
+          <a:bodyPr/>
+          <a:lstStyle/>
+          <a:p>
+            <a:r>
+              <a:rPr lang="en-US" dirty="0">
+                <a:hlinkClick r:id="rId2"/>
               </a:rPr>
+              <a:t>https://cuboulder.qualtrics.com/SE/?</a:t>
+            </a:r>
+            <a:r>
+              <a:rPr lang="en-US" dirty="0" smtClean="0">
+                <a:hlinkClick r:id="rId2"/>
+              </a:rPr>
+              <a:t>SID=SV_cVijgPRRuX3Nhop</a:t>
+            </a:r>
+            <a:r>
+              <a:rPr lang="en-US" dirty="0" smtClean="0"/>
               <a:t> </a:t>
             </a:r>
-            <a:r>
-              <a:rPr lang="en-US" sz="4000" dirty="0" smtClean="0"/>
-              <a:t>does Research Computing do?</a:t>
-            </a:r>
-            <a:endParaRPr lang="en-US" sz="4000" dirty="0"/>
-          </a:p>
-        </p:txBody>
-      </p:sp>
-      <p:sp>
-        <p:nvSpPr>
-          <p:cNvPr id="3" name="Content Placeholder 2"/>
-          <p:cNvSpPr>
-            <a:spLocks noGrp="1"/>
-          </p:cNvSpPr>
-          <p:nvPr>
-            <p:ph idx="1"/>
-          </p:nvPr>
-        </p:nvSpPr>
-        <p:spPr/>
-        <p:txBody>
-          <a:bodyPr>
-            <a:normAutofit/>
-          </a:bodyPr>
-          <a:lstStyle/>
-          <a:p>
-            <a:r>
-              <a:rPr lang="en-US" sz="2800" dirty="0" smtClean="0"/>
-              <a:t>We manage </a:t>
-            </a:r>
-          </a:p>
-          <a:p>
-            <a:pPr lvl="1"/>
-            <a:r>
-              <a:rPr lang="en-US" dirty="0" smtClean="0"/>
-              <a:t>Shared large scale compute resources</a:t>
-            </a:r>
-          </a:p>
-          <a:p>
-            <a:pPr lvl="1"/>
-            <a:r>
-              <a:rPr lang="en-US" dirty="0" smtClean="0"/>
-              <a:t>Large scale storage</a:t>
-            </a:r>
-          </a:p>
-          <a:p>
-            <a:pPr lvl="1"/>
-            <a:r>
-              <a:rPr lang="en-US" dirty="0" smtClean="0"/>
-              <a:t>High-speed network without firewalls – </a:t>
-            </a:r>
-            <a:r>
-              <a:rPr lang="en-US" dirty="0" err="1" smtClean="0"/>
-              <a:t>ScienceDMZ</a:t>
-            </a:r>
-            <a:endParaRPr lang="en-US" dirty="0" smtClean="0"/>
-          </a:p>
-          <a:p>
-            <a:pPr lvl="1"/>
-            <a:r>
-              <a:rPr lang="en-US" dirty="0" smtClean="0"/>
-              <a:t>Software and tools</a:t>
-            </a:r>
-          </a:p>
-          <a:p>
-            <a:r>
-              <a:rPr lang="en-US" sz="2800" dirty="0" smtClean="0"/>
-              <a:t>We provide</a:t>
-            </a:r>
-          </a:p>
-          <a:p>
-            <a:pPr lvl="1"/>
-            <a:r>
-              <a:rPr lang="en-US" dirty="0"/>
-              <a:t>C</a:t>
-            </a:r>
-            <a:r>
-              <a:rPr lang="en-US" dirty="0" smtClean="0"/>
-              <a:t>onsulting support for building scientific workflows on the RC platform</a:t>
-            </a:r>
-          </a:p>
-          <a:p>
-            <a:pPr lvl="1"/>
-            <a:r>
-              <a:rPr lang="en-US" dirty="0" smtClean="0"/>
-              <a:t>Training</a:t>
-            </a:r>
-          </a:p>
-          <a:p>
-            <a:pPr lvl="1"/>
-            <a:r>
-              <a:rPr lang="en-US" dirty="0" smtClean="0"/>
-              <a:t>Data management support in collaboration with the Libraries</a:t>
-            </a:r>
             <a:endParaRPr lang="en-US" dirty="0"/>
           </a:p>
-          <a:p>
-            <a:pPr lvl="2"/>
-            <a:endParaRPr lang="en-US" dirty="0" smtClean="0"/>
-          </a:p>
-        </p:txBody>
-      </p:sp>
-      <p:sp>
-        <p:nvSpPr>
-          <p:cNvPr id="4" name="Date Placeholder 3"/>
-          <p:cNvSpPr>
-            <a:spLocks noGrp="1"/>
-          </p:cNvSpPr>
-          <p:nvPr>
-            <p:ph type="dt" sz="half" idx="10"/>
-          </p:nvPr>
-        </p:nvSpPr>
-        <p:spPr/>
-        <p:txBody>
-          <a:bodyPr/>
-          <a:lstStyle/>
-          <a:p>
-            <a:r>
-              <a:rPr lang="en-US" smtClean="0"/>
-              <a:t>8/12/14</a:t>
-            </a:r>
-            <a:endParaRPr lang="en-US"/>
-          </a:p>
-        </p:txBody>
-      </p:sp>
-      <p:sp>
-        <p:nvSpPr>
-          <p:cNvPr id="5" name="Footer Placeholder 4"/>
-          <p:cNvSpPr>
-            <a:spLocks noGrp="1"/>
-          </p:cNvSpPr>
-          <p:nvPr>
-            <p:ph type="ftr" sz="quarter" idx="11"/>
-          </p:nvPr>
-        </p:nvSpPr>
-        <p:spPr/>
-        <p:txBody>
-          <a:bodyPr/>
-          <a:lstStyle/>
-          <a:p>
-            <a:r>
-              <a:rPr lang="en-US" smtClean="0"/>
-              <a:t>RMACC - Intro to Supercomputing</a:t>
-            </a:r>
-            <a:endParaRPr lang="en-US" dirty="0"/>
-          </a:p>
-        </p:txBody>
-      </p:sp>
-      <p:sp>
-        <p:nvSpPr>
-          <p:cNvPr id="6" name="Slide Number Placeholder 5"/>
+        </p:txBody>
+      </p:sp>
+      <p:sp>
+        <p:nvSpPr>
+          <p:cNvPr id="4" name="Slide Number Placeholder 3"/>
           <p:cNvSpPr>
             <a:spLocks noGrp="1"/>
           </p:cNvSpPr>
@@ -9549,20 +9447,13 @@
     </p:spTree>
     <p:extLst>
       <p:ext uri="{BB962C8B-B14F-4D97-AF65-F5344CB8AC3E}">
-        <p14:creationId xmlns:p14="http://schemas.microsoft.com/office/powerpoint/2010/main" val="1200391090"/>
+        <p14:creationId xmlns:p14="http://schemas.microsoft.com/office/powerpoint/2010/main" val="1794735266"/>
       </p:ext>
     </p:extLst>
   </p:cSld>
   <p:clrMapOvr>
     <a:masterClrMapping/>
   </p:clrMapOvr>
-  <p:timing>
-    <p:tnLst>
-      <p:par>
-        <p:cTn id="1" dur="indefinite" restart="never" nodeType="tmRoot"/>
-      </p:par>
-    </p:tnLst>
-  </p:timing>
 </p:sld>
 </file>
 
@@ -9585,7 +9476,7 @@
       </p:grpSpPr>
       <p:sp>
         <p:nvSpPr>
-          <p:cNvPr id="6" name="Title 5"/>
+          <p:cNvPr id="2" name="Title 1"/>
           <p:cNvSpPr>
             <a:spLocks noGrp="1"/>
           </p:cNvSpPr>
@@ -9600,7 +9491,7 @@
           <a:p>
             <a:r>
               <a:rPr lang="en-US" smtClean="0"/>
-              <a:t>Submit Batch Job example</a:t>
+              <a:t>Job Schedulers - Slurm</a:t>
             </a:r>
             <a:endParaRPr lang="en-US" dirty="0"/>
           </a:p>
@@ -9608,7 +9499,7 @@
       </p:sp>
       <p:sp>
         <p:nvSpPr>
-          <p:cNvPr id="7" name="Content Placeholder 6"/>
+          <p:cNvPr id="3" name="Content Placeholder 2"/>
           <p:cNvSpPr>
             <a:spLocks noGrp="1"/>
           </p:cNvSpPr>
@@ -9616,345 +9507,92 @@
             <p:ph idx="1"/>
           </p:nvPr>
         </p:nvSpPr>
-        <p:spPr>
-          <a:xfrm>
-            <a:off x="0" y="1259457"/>
-            <a:ext cx="9114493" cy="5191529"/>
-          </a:xfrm>
-        </p:spPr>
+        <p:spPr/>
         <p:txBody>
           <a:bodyPr>
-            <a:normAutofit/>
+            <a:normAutofit lnSpcReduction="10000"/>
           </a:bodyPr>
           <a:lstStyle/>
           <a:p>
-            <a:pPr marL="114300" indent="0">
-              <a:buNone/>
-            </a:pPr>
-            <a:r>
-              <a:rPr lang="en-US" sz="1900" dirty="0" smtClean="0">
-                <a:latin typeface="Courier" charset="0"/>
-                <a:ea typeface="Courier" charset="0"/>
-                <a:cs typeface="Courier" charset="0"/>
-              </a:rPr>
-              <a:t>#!/bin/bash</a:t>
-            </a:r>
-          </a:p>
-          <a:p>
-            <a:pPr marL="114300" indent="0">
-              <a:buNone/>
-            </a:pPr>
-            <a:r>
-              <a:rPr lang="en-US" sz="1900" dirty="0" smtClean="0">
-                <a:latin typeface="Courier" charset="0"/>
-                <a:ea typeface="Courier" charset="0"/>
-                <a:cs typeface="Courier" charset="0"/>
-              </a:rPr>
-              <a:t>#SBATCH –N 2				#No. nodes</a:t>
-            </a:r>
-          </a:p>
-          <a:p>
-            <a:pPr marL="114300" indent="0">
-              <a:buNone/>
-            </a:pPr>
-            <a:r>
-              <a:rPr lang="en-US" sz="1900" dirty="0" smtClean="0">
-                <a:latin typeface="Courier" charset="0"/>
-                <a:ea typeface="Courier" charset="0"/>
-                <a:cs typeface="Courier" charset="0"/>
-              </a:rPr>
-              <a:t>#SBATCH --</a:t>
-            </a:r>
-            <a:r>
-              <a:rPr lang="en-US" sz="1900" dirty="0" err="1" smtClean="0">
-                <a:latin typeface="Courier" charset="0"/>
-                <a:ea typeface="Courier" charset="0"/>
-                <a:cs typeface="Courier" charset="0"/>
-              </a:rPr>
-              <a:t>ntasks</a:t>
-            </a:r>
-            <a:r>
-              <a:rPr lang="en-US" sz="1900" dirty="0" smtClean="0">
-                <a:latin typeface="Courier" charset="0"/>
-                <a:ea typeface="Courier" charset="0"/>
-                <a:cs typeface="Courier" charset="0"/>
-              </a:rPr>
-              <a:t>-per-node=12		#No. cores</a:t>
-            </a:r>
-          </a:p>
-          <a:p>
-            <a:pPr marL="114300" indent="0">
-              <a:buNone/>
-            </a:pPr>
-            <a:r>
-              <a:rPr lang="en-US" sz="1900" dirty="0" smtClean="0">
-                <a:latin typeface="Courier" charset="0"/>
-                <a:ea typeface="Courier" charset="0"/>
-                <a:cs typeface="Courier" charset="0"/>
-              </a:rPr>
-              <a:t>#SBATCH --time=1:00:00			#Max </a:t>
-            </a:r>
-            <a:r>
-              <a:rPr lang="en-US" sz="1900" dirty="0" err="1" smtClean="0">
-                <a:latin typeface="Courier" charset="0"/>
-                <a:ea typeface="Courier" charset="0"/>
-                <a:cs typeface="Courier" charset="0"/>
-              </a:rPr>
-              <a:t>walltime</a:t>
-            </a:r>
-            <a:endParaRPr lang="en-US" sz="1900" dirty="0" smtClean="0">
-              <a:latin typeface="Courier" charset="0"/>
-              <a:ea typeface="Courier" charset="0"/>
-              <a:cs typeface="Courier" charset="0"/>
-            </a:endParaRPr>
-          </a:p>
-          <a:p>
-            <a:pPr marL="114300" indent="0">
-              <a:buNone/>
-            </a:pPr>
-            <a:r>
-              <a:rPr lang="en-US" sz="1900" dirty="0" smtClean="0">
-                <a:latin typeface="Courier" charset="0"/>
-                <a:ea typeface="Courier" charset="0"/>
-                <a:cs typeface="Courier" charset="0"/>
-              </a:rPr>
-              <a:t>#SBATCH --job-name=</a:t>
-            </a:r>
-            <a:r>
-              <a:rPr lang="en-US" sz="1900" dirty="0" err="1" smtClean="0">
-                <a:latin typeface="Courier" charset="0"/>
-                <a:ea typeface="Courier" charset="0"/>
-                <a:cs typeface="Courier" charset="0"/>
-              </a:rPr>
-              <a:t>SLURMDemo</a:t>
-            </a:r>
-            <a:r>
-              <a:rPr lang="en-US" sz="1900" dirty="0">
-                <a:latin typeface="Courier" charset="0"/>
-                <a:ea typeface="Courier" charset="0"/>
-                <a:cs typeface="Courier" charset="0"/>
-              </a:rPr>
-              <a:t>	</a:t>
-            </a:r>
-            <a:r>
-              <a:rPr lang="en-US" sz="1900" dirty="0" smtClean="0">
-                <a:latin typeface="Courier" charset="0"/>
-                <a:ea typeface="Courier" charset="0"/>
-                <a:cs typeface="Courier" charset="0"/>
-              </a:rPr>
-              <a:t>	#Job name</a:t>
-            </a:r>
-          </a:p>
-          <a:p>
-            <a:pPr marL="114300" indent="0">
-              <a:buNone/>
-            </a:pPr>
-            <a:r>
-              <a:rPr lang="en-US" sz="1900" dirty="0" smtClean="0">
-                <a:latin typeface="Courier" charset="0"/>
-                <a:ea typeface="Courier" charset="0"/>
-                <a:cs typeface="Courier" charset="0"/>
-              </a:rPr>
-              <a:t>#SBATCH --output=</a:t>
-            </a:r>
-            <a:r>
-              <a:rPr lang="en-US" sz="1900" dirty="0" err="1" smtClean="0">
-                <a:latin typeface="Courier" charset="0"/>
-                <a:ea typeface="Courier" charset="0"/>
-                <a:cs typeface="Courier" charset="0"/>
-              </a:rPr>
-              <a:t>SLURMDemo.out</a:t>
-            </a:r>
-            <a:r>
-              <a:rPr lang="en-US" sz="1900" dirty="0" smtClean="0">
-                <a:latin typeface="Courier" charset="0"/>
-                <a:ea typeface="Courier" charset="0"/>
-                <a:cs typeface="Courier" charset="0"/>
-              </a:rPr>
-              <a:t>		#Output file name</a:t>
-            </a:r>
-          </a:p>
-          <a:p>
-            <a:pPr marL="114300" indent="0">
-              <a:buNone/>
-            </a:pPr>
-            <a:r>
-              <a:rPr lang="en-US" sz="1900" dirty="0" smtClean="0">
-                <a:latin typeface="Courier" charset="0"/>
-                <a:ea typeface="Courier" charset="0"/>
-                <a:cs typeface="Courier" charset="0"/>
-              </a:rPr>
-              <a:t>###SBATCH -A &lt;account&gt;			#Allocation</a:t>
-            </a:r>
-          </a:p>
-          <a:p>
-            <a:pPr marL="114300" indent="0">
-              <a:buNone/>
-            </a:pPr>
-            <a:r>
-              <a:rPr lang="en-US" sz="1900" dirty="0" smtClean="0">
-                <a:latin typeface="Courier" charset="0"/>
-                <a:ea typeface="Courier" charset="0"/>
-                <a:cs typeface="Courier" charset="0"/>
-              </a:rPr>
-              <a:t>###SBATCH --mail-type=end</a:t>
-            </a:r>
-            <a:r>
-              <a:rPr lang="en-US" sz="1900" dirty="0">
-                <a:latin typeface="Courier" charset="0"/>
-                <a:ea typeface="Courier" charset="0"/>
-                <a:cs typeface="Courier" charset="0"/>
-              </a:rPr>
-              <a:t>	</a:t>
-            </a:r>
-            <a:r>
-              <a:rPr lang="en-US" sz="1900" smtClean="0">
-                <a:latin typeface="Courier" charset="0"/>
-                <a:ea typeface="Courier" charset="0"/>
-                <a:cs typeface="Courier" charset="0"/>
-              </a:rPr>
-              <a:t>	#</a:t>
-            </a:r>
-            <a:r>
-              <a:rPr lang="en-US" sz="1900" dirty="0" smtClean="0">
-                <a:latin typeface="Courier" charset="0"/>
-                <a:ea typeface="Courier" charset="0"/>
-                <a:cs typeface="Courier" charset="0"/>
-              </a:rPr>
-              <a:t>Send Email completion</a:t>
-            </a:r>
-          </a:p>
-          <a:p>
-            <a:pPr marL="114300" indent="0">
-              <a:buNone/>
-            </a:pPr>
-            <a:r>
-              <a:rPr lang="en-US" sz="1900" dirty="0" smtClean="0">
-                <a:latin typeface="Courier" charset="0"/>
-                <a:ea typeface="Courier" charset="0"/>
-                <a:cs typeface="Courier" charset="0"/>
-              </a:rPr>
-              <a:t>###SBATCH --mail-user=&lt;</a:t>
-            </a:r>
-            <a:r>
-              <a:rPr lang="en-US" sz="1900" dirty="0" err="1" smtClean="0">
-                <a:latin typeface="Courier" charset="0"/>
-                <a:ea typeface="Courier" charset="0"/>
-                <a:cs typeface="Courier" charset="0"/>
-              </a:rPr>
-              <a:t>your@email</a:t>
-            </a:r>
-            <a:r>
-              <a:rPr lang="en-US" sz="1900" dirty="0" smtClean="0">
-                <a:latin typeface="Courier" charset="0"/>
-                <a:ea typeface="Courier" charset="0"/>
-                <a:cs typeface="Courier" charset="0"/>
-              </a:rPr>
-              <a:t>&gt;	#Email address</a:t>
-            </a:r>
-          </a:p>
-          <a:p>
-            <a:pPr marL="114300" indent="0">
-              <a:buNone/>
-            </a:pPr>
-            <a:endParaRPr lang="en-US" sz="1900" dirty="0" smtClean="0">
-              <a:latin typeface="Courier" charset="0"/>
-              <a:ea typeface="Courier" charset="0"/>
-              <a:cs typeface="Courier" charset="0"/>
-            </a:endParaRPr>
-          </a:p>
-          <a:p>
-            <a:pPr marL="114300" indent="0">
-              <a:buNone/>
-            </a:pPr>
-            <a:r>
-              <a:rPr lang="en-US" sz="1900" dirty="0" smtClean="0">
-                <a:latin typeface="Courier" charset="0"/>
-                <a:ea typeface="Courier" charset="0"/>
-                <a:cs typeface="Courier" charset="0"/>
-              </a:rPr>
-              <a:t>ml intel</a:t>
-            </a:r>
-          </a:p>
-          <a:p>
-            <a:pPr marL="114300" indent="0">
-              <a:buNone/>
-            </a:pPr>
-            <a:r>
-              <a:rPr lang="en-US" sz="1900" dirty="0">
-                <a:latin typeface="Courier" charset="0"/>
-                <a:ea typeface="Courier" charset="0"/>
-                <a:cs typeface="Courier" charset="0"/>
-              </a:rPr>
-              <a:t>m</a:t>
-            </a:r>
-            <a:r>
-              <a:rPr lang="en-US" sz="1900" dirty="0" smtClean="0">
-                <a:latin typeface="Courier" charset="0"/>
-                <a:ea typeface="Courier" charset="0"/>
-                <a:cs typeface="Courier" charset="0"/>
-              </a:rPr>
-              <a:t>l </a:t>
-            </a:r>
-            <a:r>
-              <a:rPr lang="en-US" sz="1900" dirty="0" err="1" smtClean="0">
-                <a:latin typeface="Courier" charset="0"/>
-                <a:ea typeface="Courier" charset="0"/>
-                <a:cs typeface="Courier" charset="0"/>
-              </a:rPr>
-              <a:t>openmpi</a:t>
-            </a:r>
-            <a:r>
-              <a:rPr lang="en-US" sz="1900" dirty="0" smtClean="0">
-                <a:latin typeface="Courier" charset="0"/>
-                <a:ea typeface="Courier" charset="0"/>
-                <a:cs typeface="Courier" charset="0"/>
-              </a:rPr>
-              <a:t>/1.8.5</a:t>
-            </a:r>
-          </a:p>
-          <a:p>
-            <a:pPr marL="114300" indent="0">
-              <a:buNone/>
-            </a:pPr>
-            <a:endParaRPr lang="en-US" sz="1900" dirty="0" smtClean="0">
-              <a:latin typeface="Courier" charset="0"/>
-              <a:ea typeface="Courier" charset="0"/>
-              <a:cs typeface="Courier" charset="0"/>
-            </a:endParaRPr>
-          </a:p>
-          <a:p>
-            <a:pPr marL="114300" indent="0">
-              <a:buNone/>
-            </a:pPr>
-            <a:r>
-              <a:rPr lang="en-US" sz="1900" dirty="0" err="1" smtClean="0">
-                <a:latin typeface="Courier" charset="0"/>
-                <a:ea typeface="Courier" charset="0"/>
-                <a:cs typeface="Courier" charset="0"/>
-              </a:rPr>
-              <a:t>mpirun</a:t>
-            </a:r>
-            <a:r>
-              <a:rPr lang="en-US" sz="1900" dirty="0" smtClean="0">
-                <a:latin typeface="Courier" charset="0"/>
-                <a:ea typeface="Courier" charset="0"/>
-                <a:cs typeface="Courier" charset="0"/>
-              </a:rPr>
-              <a:t> ./hello</a:t>
-            </a:r>
-          </a:p>
-          <a:p>
-            <a:pPr marL="411480" lvl="1" indent="0">
-              <a:buNone/>
-            </a:pPr>
+            <a:r>
+              <a:rPr lang="en-US" dirty="0" smtClean="0"/>
+              <a:t>Jobs on supercomputers are managed and run by different software</a:t>
+            </a:r>
+          </a:p>
+          <a:p>
             <a:endParaRPr lang="en-US" dirty="0" smtClean="0"/>
           </a:p>
-        </p:txBody>
-      </p:sp>
-      <p:sp>
-        <p:nvSpPr>
-          <p:cNvPr id="4" name="Date Placeholder 3"/>
+          <a:p>
+            <a:r>
+              <a:rPr lang="en-US" dirty="0" smtClean="0"/>
+              <a:t>Simple Linux Utility for Resource Management (</a:t>
+            </a:r>
+            <a:r>
+              <a:rPr lang="en-US" dirty="0" err="1" smtClean="0"/>
+              <a:t>Slurm</a:t>
+            </a:r>
+            <a:r>
+              <a:rPr lang="en-US" dirty="0" smtClean="0"/>
+              <a:t>)</a:t>
+            </a:r>
+          </a:p>
+          <a:p>
+            <a:pPr lvl="1"/>
+            <a:r>
+              <a:rPr lang="en-US" dirty="0" smtClean="0"/>
+              <a:t>Open source software package</a:t>
+            </a:r>
+          </a:p>
+          <a:p>
+            <a:endParaRPr lang="en-US" dirty="0" smtClean="0"/>
+          </a:p>
+          <a:p>
+            <a:r>
+              <a:rPr lang="en-US" dirty="0" err="1" smtClean="0"/>
+              <a:t>Slurm</a:t>
+            </a:r>
+            <a:r>
+              <a:rPr lang="en-US" dirty="0" smtClean="0"/>
+              <a:t> is a resource manager</a:t>
+            </a:r>
+          </a:p>
+          <a:p>
+            <a:pPr lvl="1"/>
+            <a:r>
+              <a:rPr lang="en-US" dirty="0" smtClean="0"/>
+              <a:t>Keeps track of what nodes are busy/available, and what jobs are queued or running</a:t>
+            </a:r>
+          </a:p>
+          <a:p>
+            <a:r>
+              <a:rPr lang="en-US" dirty="0" err="1"/>
+              <a:t>Slurm</a:t>
+            </a:r>
+            <a:r>
+              <a:rPr lang="en-US" dirty="0"/>
+              <a:t> is a </a:t>
+            </a:r>
+            <a:r>
+              <a:rPr lang="en-US" dirty="0" smtClean="0"/>
+              <a:t>scheduler</a:t>
+            </a:r>
+          </a:p>
+          <a:p>
+            <a:pPr lvl="1"/>
+            <a:r>
+              <a:rPr lang="en-US" dirty="0" smtClean="0"/>
+              <a:t>Tells the resource manager when to run which job on the available resources</a:t>
+            </a:r>
+          </a:p>
+          <a:p>
+            <a:pPr lvl="2"/>
+            <a:endParaRPr lang="en-US" dirty="0" smtClean="0"/>
+          </a:p>
+        </p:txBody>
+      </p:sp>
+      <p:sp>
+        <p:nvSpPr>
+          <p:cNvPr id="5" name="Date Placeholder 4"/>
           <p:cNvSpPr>
             <a:spLocks noGrp="1"/>
           </p:cNvSpPr>
@@ -9967,10 +9605,10 @@
           <a:bodyPr/>
           <a:lstStyle/>
           <a:p>
-            <a:fld id="{D73B972E-6214-D442-86B6-7C97B11D0CFF}" type="datetime1">
+            <a:fld id="{5B6C1206-3B03-D14E-B823-FF397C70EE87}" type="datetime1">
               <a:rPr lang="en-US" smtClean="0"/>
               <a:pPr/>
-              <a:t>7/11/16</a:t>
+              <a:t>7/12/16</a:t>
             </a:fld>
             <a:endParaRPr lang="en-US"/>
           </a:p>
@@ -9978,7 +9616,7 @@
       </p:sp>
       <p:sp>
         <p:nvSpPr>
-          <p:cNvPr id="8" name="Footer Placeholder 7"/>
+          <p:cNvPr id="6" name="Footer Placeholder 5"/>
           <p:cNvSpPr>
             <a:spLocks noGrp="1"/>
           </p:cNvSpPr>
@@ -9995,13 +9633,13 @@
               <a:rPr lang="en-US" smtClean="0"/>
               <a:t>How to Use a Supercomputer</a:t>
             </a:r>
-            <a:endParaRPr lang="en-US"/>
-          </a:p>
-        </p:txBody>
-      </p:sp>
-      <p:sp>
-        <p:nvSpPr>
-          <p:cNvPr id="5" name="Slide Number Placeholder 4"/>
+            <a:endParaRPr lang="en-US" dirty="0"/>
+          </a:p>
+        </p:txBody>
+      </p:sp>
+      <p:sp>
+        <p:nvSpPr>
+          <p:cNvPr id="4" name="Slide Number Placeholder 3"/>
           <p:cNvSpPr>
             <a:spLocks noGrp="1"/>
           </p:cNvSpPr>
@@ -10014,19 +9652,19 @@
           <a:bodyPr/>
           <a:lstStyle/>
           <a:p>
-            <a:fld id="{249E94F7-107C-CE46-8C56-9CACFF99CD93}" type="slidenum">
+            <a:fld id="{4CD5414E-75FA-004D-99DA-2C760610DFD3}" type="slidenum">
               <a:rPr lang="en-US" smtClean="0"/>
               <a:pPr/>
               <a:t>20</a:t>
             </a:fld>
-            <a:endParaRPr lang="en-US" dirty="0"/>
+            <a:endParaRPr lang="en-US"/>
           </a:p>
         </p:txBody>
       </p:sp>
     </p:spTree>
     <p:extLst>
       <p:ext uri="{BB962C8B-B14F-4D97-AF65-F5344CB8AC3E}">
-        <p14:creationId xmlns:p14="http://schemas.microsoft.com/office/powerpoint/2010/main" val="99129892"/>
+        <p14:creationId xmlns:p14="http://schemas.microsoft.com/office/powerpoint/2010/main" val="823288718"/>
       </p:ext>
     </p:extLst>
   </p:cSld>
@@ -10062,7 +9700,7 @@
       </p:grpSpPr>
       <p:sp>
         <p:nvSpPr>
-          <p:cNvPr id="6" name="Title 5"/>
+          <p:cNvPr id="2" name="Title 1"/>
           <p:cNvSpPr>
             <a:spLocks noGrp="1"/>
           </p:cNvSpPr>
@@ -10077,7 +9715,7 @@
           <a:p>
             <a:r>
               <a:rPr lang="en-US" smtClean="0"/>
-              <a:t>Submit Batch Job example</a:t>
+              <a:t>Running Jobs</a:t>
             </a:r>
             <a:endParaRPr lang="en-US" dirty="0"/>
           </a:p>
@@ -10085,7 +9723,7 @@
       </p:sp>
       <p:sp>
         <p:nvSpPr>
-          <p:cNvPr id="7" name="Content Placeholder 6"/>
+          <p:cNvPr id="3" name="Content Placeholder 2"/>
           <p:cNvSpPr>
             <a:spLocks noGrp="1"/>
           </p:cNvSpPr>
@@ -10095,111 +9733,30 @@
         </p:nvSpPr>
         <p:spPr/>
         <p:txBody>
-          <a:bodyPr/>
+          <a:bodyPr>
+            <a:normAutofit lnSpcReduction="10000"/>
+          </a:bodyPr>
           <a:lstStyle/>
           <a:p>
             <a:r>
               <a:rPr lang="en-US" dirty="0" smtClean="0"/>
-              <a:t>Have to make sure the </a:t>
-            </a:r>
-            <a:r>
-              <a:rPr lang="en-US" dirty="0" err="1" smtClean="0"/>
-              <a:t>slurm</a:t>
-            </a:r>
+              <a:t>What is a “job”?</a:t>
+            </a:r>
+          </a:p>
+          <a:p>
+            <a:endParaRPr lang="en-US" dirty="0" smtClean="0"/>
+          </a:p>
+          <a:p>
             <a:r>
               <a:rPr lang="en-US" dirty="0" smtClean="0"/>
-              <a:t> module is loaded!</a:t>
-            </a:r>
-          </a:p>
-          <a:p>
+              <a:t>Interactive jobs</a:t>
+            </a:r>
+          </a:p>
+          <a:p>
+            <a:pPr lvl="1"/>
             <a:r>
               <a:rPr lang="en-US" dirty="0" smtClean="0"/>
-              <a:t>Submit the job, and specify the queue:</a:t>
-            </a:r>
-          </a:p>
-          <a:p>
-            <a:pPr marL="411480" lvl="1" indent="0">
-              <a:buNone/>
-            </a:pPr>
-            <a:r>
-              <a:rPr lang="en-US" dirty="0" err="1" smtClean="0">
-                <a:latin typeface="Courier" charset="0"/>
-                <a:ea typeface="Courier" charset="0"/>
-                <a:cs typeface="Courier" charset="0"/>
-              </a:rPr>
-              <a:t>sbatch</a:t>
-            </a:r>
-            <a:r>
-              <a:rPr lang="en-US" dirty="0" smtClean="0">
-                <a:latin typeface="Courier" charset="0"/>
-                <a:ea typeface="Courier" charset="0"/>
-                <a:cs typeface="Courier" charset="0"/>
-              </a:rPr>
-              <a:t> --</a:t>
-            </a:r>
-            <a:r>
-              <a:rPr lang="en-US" dirty="0" err="1" smtClean="0">
-                <a:latin typeface="Courier" charset="0"/>
-                <a:ea typeface="Courier" charset="0"/>
-                <a:cs typeface="Courier" charset="0"/>
-              </a:rPr>
-              <a:t>qos</a:t>
-            </a:r>
-            <a:r>
-              <a:rPr lang="en-US" dirty="0" smtClean="0">
-                <a:latin typeface="Courier" charset="0"/>
-                <a:ea typeface="Courier" charset="0"/>
-                <a:cs typeface="Courier" charset="0"/>
-              </a:rPr>
-              <a:t> </a:t>
-            </a:r>
-            <a:r>
-              <a:rPr lang="en-US" dirty="0" err="1" smtClean="0">
-                <a:latin typeface="Courier" charset="0"/>
-                <a:ea typeface="Courier" charset="0"/>
-                <a:cs typeface="Courier" charset="0"/>
-              </a:rPr>
-              <a:t>janus</a:t>
-            </a:r>
-            <a:r>
-              <a:rPr lang="en-US" dirty="0" smtClean="0">
-                <a:latin typeface="Courier" charset="0"/>
-                <a:ea typeface="Courier" charset="0"/>
-                <a:cs typeface="Courier" charset="0"/>
-              </a:rPr>
-              <a:t>-debug </a:t>
-            </a:r>
-            <a:r>
-              <a:rPr lang="en-US" dirty="0" err="1" smtClean="0">
-                <a:latin typeface="Courier" charset="0"/>
-                <a:ea typeface="Courier" charset="0"/>
-                <a:cs typeface="Courier" charset="0"/>
-              </a:rPr>
-              <a:t>slurmSub.sh</a:t>
-            </a:r>
-            <a:endParaRPr lang="en-US" dirty="0" smtClean="0">
-              <a:latin typeface="Courier" charset="0"/>
-              <a:ea typeface="Courier" charset="0"/>
-              <a:cs typeface="Courier" charset="0"/>
-            </a:endParaRPr>
-          </a:p>
-          <a:p>
-            <a:pPr lvl="2"/>
-            <a:r>
-              <a:rPr lang="en-US" dirty="0" smtClean="0"/>
-              <a:t>Demonstrates that you can add </a:t>
-            </a:r>
-            <a:r>
-              <a:rPr lang="en-US" dirty="0" err="1" smtClean="0"/>
-              <a:t>slurm</a:t>
-            </a:r>
-            <a:r>
-              <a:rPr lang="en-US" dirty="0"/>
-              <a:t> </a:t>
-            </a:r>
-            <a:r>
-              <a:rPr lang="en-US" dirty="0" smtClean="0"/>
-              <a:t>functions at the command line or in the bash script</a:t>
+              <a:t>Work interactively at the command line of a compute node</a:t>
             </a:r>
           </a:p>
           <a:p>
@@ -10209,95 +9766,52 @@
           <a:p>
             <a:r>
               <a:rPr lang="en-US" dirty="0" smtClean="0"/>
-              <a:t>Check job status in the </a:t>
+              <a:t>Batch jobs</a:t>
+            </a:r>
+          </a:p>
+          <a:p>
+            <a:pPr lvl="1"/>
+            <a:r>
+              <a:rPr lang="en-US" dirty="0" smtClean="0"/>
+              <a:t>Submit job that will be executed when resources are available</a:t>
+            </a:r>
+          </a:p>
+          <a:p>
+            <a:pPr lvl="1"/>
+            <a:r>
+              <a:rPr lang="en-US" dirty="0" smtClean="0"/>
+              <a:t>Create a text file containing information about the job</a:t>
+            </a:r>
+          </a:p>
+          <a:p>
+            <a:pPr lvl="1"/>
+            <a:r>
+              <a:rPr lang="en-US" dirty="0" smtClean="0"/>
+              <a:t>Submit the job file to a queue</a:t>
+            </a:r>
+          </a:p>
+          <a:p>
+            <a:endParaRPr lang="en-US" dirty="0"/>
+          </a:p>
+          <a:p>
+            <a:r>
+              <a:rPr lang="en-US" dirty="0" smtClean="0"/>
+              <a:t>Load the </a:t>
             </a:r>
             <a:r>
               <a:rPr lang="en-US" dirty="0" err="1" smtClean="0"/>
-              <a:t>janus</a:t>
+              <a:t>Slurm</a:t>
             </a:r>
             <a:r>
               <a:rPr lang="en-US" dirty="0" smtClean="0"/>
-              <a:t>-debug queue:</a:t>
-            </a:r>
-          </a:p>
-          <a:p>
-            <a:pPr marL="411480" lvl="1" indent="0">
-              <a:buNone/>
-            </a:pPr>
-            <a:r>
-              <a:rPr lang="en-US" dirty="0" err="1" smtClean="0">
-                <a:latin typeface="Courier" charset="0"/>
-                <a:ea typeface="Courier" charset="0"/>
-                <a:cs typeface="Courier" charset="0"/>
-              </a:rPr>
-              <a:t>squeue</a:t>
-            </a:r>
-            <a:r>
-              <a:rPr lang="en-US" dirty="0" smtClean="0">
-                <a:latin typeface="Courier" charset="0"/>
-                <a:ea typeface="Courier" charset="0"/>
-                <a:cs typeface="Courier" charset="0"/>
-              </a:rPr>
-              <a:t> –q </a:t>
-            </a:r>
-            <a:r>
-              <a:rPr lang="en-US" dirty="0" err="1" smtClean="0">
-                <a:latin typeface="Courier" charset="0"/>
-                <a:ea typeface="Courier" charset="0"/>
-                <a:cs typeface="Courier" charset="0"/>
-              </a:rPr>
-              <a:t>janus</a:t>
-            </a:r>
-            <a:r>
-              <a:rPr lang="en-US" dirty="0" smtClean="0">
-                <a:latin typeface="Courier" charset="0"/>
-                <a:ea typeface="Courier" charset="0"/>
-                <a:cs typeface="Courier" charset="0"/>
-              </a:rPr>
-              <a:t>-debug</a:t>
-            </a:r>
-          </a:p>
-          <a:p>
-            <a:pPr lvl="1"/>
-            <a:endParaRPr lang="en-US" dirty="0" smtClean="0"/>
-          </a:p>
-          <a:p>
-            <a:r>
-              <a:rPr lang="en-US" dirty="0" smtClean="0"/>
-              <a:t>Check output:</a:t>
-            </a:r>
-          </a:p>
-          <a:p>
-            <a:pPr marL="411480" lvl="1" indent="0">
-              <a:buNone/>
-            </a:pPr>
-            <a:r>
-              <a:rPr lang="en-US" dirty="0" smtClean="0">
-                <a:latin typeface="Courier" charset="0"/>
-                <a:ea typeface="Courier" charset="0"/>
-                <a:cs typeface="Courier" charset="0"/>
-              </a:rPr>
-              <a:t>cat </a:t>
-            </a:r>
-            <a:r>
-              <a:rPr lang="en-US" dirty="0" err="1" smtClean="0">
-                <a:latin typeface="Courier" charset="0"/>
-                <a:ea typeface="Courier" charset="0"/>
-                <a:cs typeface="Courier" charset="0"/>
-              </a:rPr>
-              <a:t>SLURMDemo.out</a:t>
-            </a:r>
-            <a:endParaRPr lang="en-US" dirty="0" smtClean="0">
-              <a:latin typeface="Courier" charset="0"/>
-              <a:ea typeface="Courier" charset="0"/>
-              <a:cs typeface="Courier" charset="0"/>
-            </a:endParaRPr>
-          </a:p>
-        </p:txBody>
-      </p:sp>
-      <p:sp>
-        <p:nvSpPr>
-          <p:cNvPr id="4" name="Date Placeholder 3"/>
+              <a:t> module!</a:t>
+            </a:r>
+          </a:p>
+        </p:txBody>
+      </p:sp>
+      <p:sp>
+        <p:nvSpPr>
+          <p:cNvPr id="5" name="Date Placeholder 4"/>
           <p:cNvSpPr>
             <a:spLocks noGrp="1"/>
           </p:cNvSpPr>
@@ -10310,10 +9824,10 @@
           <a:bodyPr/>
           <a:lstStyle/>
           <a:p>
-            <a:fld id="{D73B972E-6214-D442-86B6-7C97B11D0CFF}" type="datetime1">
+            <a:fld id="{3BE7AA8A-789C-7147-AC4A-D72D02471A6B}" type="datetime1">
               <a:rPr lang="en-US" smtClean="0"/>
               <a:pPr/>
-              <a:t>7/11/16</a:t>
+              <a:t>7/12/16</a:t>
             </a:fld>
             <a:endParaRPr lang="en-US"/>
           </a:p>
@@ -10321,7 +9835,7 @@
       </p:sp>
       <p:sp>
         <p:nvSpPr>
-          <p:cNvPr id="8" name="Footer Placeholder 7"/>
+          <p:cNvPr id="4" name="Footer Placeholder 3"/>
           <p:cNvSpPr>
             <a:spLocks noGrp="1"/>
           </p:cNvSpPr>
@@ -10338,13 +9852,13 @@
               <a:rPr lang="en-US" smtClean="0"/>
               <a:t>How to Use a Supercomputer</a:t>
             </a:r>
-            <a:endParaRPr lang="en-US"/>
-          </a:p>
-        </p:txBody>
-      </p:sp>
-      <p:sp>
-        <p:nvSpPr>
-          <p:cNvPr id="5" name="Slide Number Placeholder 4"/>
+            <a:endParaRPr lang="en-US" dirty="0"/>
+          </a:p>
+        </p:txBody>
+      </p:sp>
+      <p:sp>
+        <p:nvSpPr>
+          <p:cNvPr id="7" name="Slide Number Placeholder 6"/>
           <p:cNvSpPr>
             <a:spLocks noGrp="1"/>
           </p:cNvSpPr>
@@ -10357,19 +9871,19 @@
           <a:bodyPr/>
           <a:lstStyle/>
           <a:p>
-            <a:fld id="{249E94F7-107C-CE46-8C56-9CACFF99CD93}" type="slidenum">
+            <a:fld id="{4CD5414E-75FA-004D-99DA-2C760610DFD3}" type="slidenum">
               <a:rPr lang="en-US" smtClean="0"/>
               <a:pPr/>
               <a:t>21</a:t>
             </a:fld>
-            <a:endParaRPr lang="en-US" dirty="0"/>
+            <a:endParaRPr lang="en-US"/>
           </a:p>
         </p:txBody>
       </p:sp>
     </p:spTree>
     <p:extLst>
       <p:ext uri="{BB962C8B-B14F-4D97-AF65-F5344CB8AC3E}">
-        <p14:creationId xmlns:p14="http://schemas.microsoft.com/office/powerpoint/2010/main" val="1475295657"/>
+        <p14:creationId xmlns:p14="http://schemas.microsoft.com/office/powerpoint/2010/main" val="1992772936"/>
       </p:ext>
     </p:extLst>
   </p:cSld>
@@ -10419,151 +9933,84 @@
           <a:lstStyle/>
           <a:p>
             <a:r>
+              <a:rPr lang="en-US" smtClean="0"/>
+              <a:t>Queues</a:t>
+            </a:r>
+            <a:endParaRPr lang="en-US" dirty="0"/>
+          </a:p>
+        </p:txBody>
+      </p:sp>
+      <p:sp>
+        <p:nvSpPr>
+          <p:cNvPr id="3" name="Content Placeholder 2"/>
+          <p:cNvSpPr>
+            <a:spLocks noGrp="1"/>
+          </p:cNvSpPr>
+          <p:nvPr>
+            <p:ph idx="1"/>
+          </p:nvPr>
+        </p:nvSpPr>
+        <p:spPr/>
+        <p:txBody>
+          <a:bodyPr/>
+          <a:lstStyle/>
+          <a:p>
+            <a:r>
               <a:rPr lang="en-US" dirty="0" smtClean="0"/>
-              <a:t>Your Turn</a:t>
-            </a:r>
-            <a:endParaRPr lang="en-US" dirty="0"/>
-          </a:p>
-        </p:txBody>
-      </p:sp>
-      <p:sp>
-        <p:nvSpPr>
-          <p:cNvPr id="3" name="Content Placeholder 2"/>
-          <p:cNvSpPr>
-            <a:spLocks noGrp="1"/>
-          </p:cNvSpPr>
-          <p:nvPr>
-            <p:ph idx="1"/>
-          </p:nvPr>
-        </p:nvSpPr>
-        <p:spPr/>
-        <p:txBody>
-          <a:bodyPr/>
-          <a:lstStyle/>
+              <a:t>There are several ways to define a “queue”</a:t>
+            </a:r>
+          </a:p>
           <a:p>
             <a:r>
               <a:rPr lang="en-US" dirty="0" smtClean="0"/>
-              <a:t>Submit a </a:t>
-            </a:r>
+              <a:t>Clusters may have different queues set up to run different types of jobs</a:t>
+            </a:r>
+          </a:p>
+          <a:p>
+            <a:pPr lvl="1"/>
+            <a:r>
+              <a:rPr lang="en-US" dirty="0" smtClean="0"/>
+              <a:t>Certain queues might exist on certain clusters/resources</a:t>
+            </a:r>
+          </a:p>
+          <a:p>
+            <a:pPr lvl="1"/>
+            <a:r>
+              <a:rPr lang="en-US" dirty="0" smtClean="0"/>
+              <a:t>Other queues might be limited by maximum wall time</a:t>
+            </a:r>
+          </a:p>
+          <a:p>
             <a:r>
               <a:rPr lang="en-US" dirty="0" err="1" smtClean="0"/>
-              <a:t>slurm</a:t>
+              <a:t>Slurm</a:t>
             </a:r>
             <a:r>
               <a:rPr lang="en-US" dirty="0" smtClean="0"/>
-              <a:t> job with the following instructions:</a:t>
-            </a:r>
-          </a:p>
-          <a:p>
-            <a:endParaRPr lang="en-US" dirty="0"/>
-          </a:p>
-          <a:p>
-            <a:pPr marL="571500" indent="-457200">
-              <a:buFont typeface="+mj-lt"/>
-              <a:buAutoNum type="arabicPeriod"/>
-            </a:pPr>
+              <a:t> can use a “quality of service” for each queue</a:t>
+            </a:r>
+          </a:p>
+          <a:p>
+            <a:pPr lvl="1"/>
             <a:r>
               <a:rPr lang="en-US" dirty="0" smtClean="0"/>
-              <a:t>The job should run the Unix “hostname” command</a:t>
+              <a:t>aka “QOS”</a:t>
+            </a:r>
+          </a:p>
+          <a:p>
+            <a:r>
+              <a:rPr lang="en-US" dirty="0" smtClean="0"/>
+              <a:t>Also can use </a:t>
+            </a:r>
+            <a:r>
+              <a:rPr lang="en-US" dirty="0"/>
+              <a:t>a “partition” (or set of nodes) that corresponds to a queue</a:t>
             </a:r>
           </a:p>
           <a:p>
             <a:pPr lvl="1"/>
-            <a:r>
-              <a:rPr lang="en-US" dirty="0" smtClean="0"/>
-              <a:t>Hint – the command “</a:t>
-            </a:r>
-            <a:r>
-              <a:rPr lang="en-US" dirty="0" err="1" smtClean="0"/>
-              <a:t>srun</a:t>
-            </a:r>
-            <a:r>
-              <a:rPr lang="en-US" dirty="0" smtClean="0"/>
-              <a:t>” will run commands in </a:t>
-            </a:r>
-            <a:r>
-              <a:rPr lang="en-US" dirty="0" err="1" smtClean="0"/>
-              <a:t>slurm</a:t>
-            </a:r>
             <a:endParaRPr lang="en-US" dirty="0" smtClean="0"/>
           </a:p>
-          <a:p>
-            <a:pPr marL="571500" indent="-457200">
-              <a:buFont typeface="+mj-lt"/>
-              <a:buAutoNum type="arabicPeriod"/>
-            </a:pPr>
-            <a:r>
-              <a:rPr lang="en-US" dirty="0" smtClean="0"/>
-              <a:t>The job should be submitted from a bash script named </a:t>
-            </a:r>
-            <a:r>
-              <a:rPr lang="en-US" dirty="0" err="1" smtClean="0"/>
-              <a:t>practice.sh</a:t>
-            </a:r>
-            <a:endParaRPr lang="en-US" dirty="0" smtClean="0"/>
-          </a:p>
-          <a:p>
-            <a:pPr lvl="1"/>
-            <a:r>
-              <a:rPr lang="en-US" dirty="0" smtClean="0"/>
-              <a:t>Don’t forget to make it executable!</a:t>
-            </a:r>
-          </a:p>
-          <a:p>
-            <a:pPr marL="571500" indent="-457200">
-              <a:buFont typeface="+mj-lt"/>
-              <a:buAutoNum type="arabicPeriod"/>
-            </a:pPr>
-            <a:r>
-              <a:rPr lang="en-US" dirty="0" smtClean="0"/>
-              <a:t>The job should run for 5 minutes in the default queue</a:t>
-            </a:r>
-          </a:p>
-          <a:p>
-            <a:pPr marL="571500" indent="-457200">
-              <a:buFont typeface="+mj-lt"/>
-              <a:buAutoNum type="arabicPeriod"/>
-            </a:pPr>
-            <a:r>
-              <a:rPr lang="en-US" dirty="0" smtClean="0"/>
-              <a:t>The job should be run on 1 node</a:t>
-            </a:r>
-          </a:p>
-          <a:p>
-            <a:pPr marL="571500" indent="-457200">
-              <a:buFont typeface="+mj-lt"/>
-              <a:buAutoNum type="arabicPeriod"/>
-            </a:pPr>
-            <a:r>
-              <a:rPr lang="en-US" dirty="0" smtClean="0"/>
-              <a:t>The output should be put in a file called </a:t>
-            </a:r>
-            <a:r>
-              <a:rPr lang="en-US" dirty="0" err="1" smtClean="0"/>
-              <a:t>hostname.txt</a:t>
-            </a:r>
-            <a:endParaRPr lang="en-US" dirty="0" smtClean="0"/>
-          </a:p>
-          <a:p>
-            <a:pPr marL="571500" indent="-457200">
-              <a:buFont typeface="+mj-lt"/>
-              <a:buAutoNum type="arabicPeriod"/>
-            </a:pPr>
-            <a:endParaRPr lang="en-US" dirty="0"/>
-          </a:p>
-          <a:p>
-            <a:pPr marL="114300" indent="0">
-              <a:buNone/>
-            </a:pPr>
-            <a:endParaRPr lang="en-US" dirty="0" smtClean="0"/>
-          </a:p>
-          <a:p>
-            <a:pPr marL="571500" indent="-457200">
-              <a:buFont typeface="+mj-lt"/>
-              <a:buAutoNum type="arabicPeriod"/>
-            </a:pPr>
-            <a:endParaRPr lang="en-US" dirty="0" smtClean="0"/>
-          </a:p>
         </p:txBody>
       </p:sp>
       <p:sp>
@@ -10584,7 +10031,7 @@
             <a:fld id="{4B3BBB45-A77E-5F4E-B5ED-F6FC590DA428}" type="datetime1">
               <a:rPr lang="en-US" smtClean="0"/>
               <a:pPr/>
-              <a:t>7/11/16</a:t>
+              <a:t>7/12/16</a:t>
             </a:fld>
             <a:endParaRPr lang="en-US"/>
           </a:p>
@@ -10640,7 +10087,7 @@
     </p:spTree>
     <p:extLst>
       <p:ext uri="{BB962C8B-B14F-4D97-AF65-F5344CB8AC3E}">
-        <p14:creationId xmlns:p14="http://schemas.microsoft.com/office/powerpoint/2010/main" val="194064088"/>
+        <p14:creationId xmlns:p14="http://schemas.microsoft.com/office/powerpoint/2010/main" val="2861429598"/>
       </p:ext>
     </p:extLst>
   </p:cSld>
@@ -10676,7 +10123,7 @@
       </p:grpSpPr>
       <p:sp>
         <p:nvSpPr>
-          <p:cNvPr id="6" name="Title 5"/>
+          <p:cNvPr id="2" name="Title 1"/>
           <p:cNvSpPr>
             <a:spLocks noGrp="1"/>
           </p:cNvSpPr>
@@ -10691,7 +10138,7 @@
           <a:p>
             <a:r>
               <a:rPr lang="en-US" dirty="0" smtClean="0"/>
-              <a:t>Your Turn - Solution</a:t>
+              <a:t>Quality of Service = Queues</a:t>
             </a:r>
             <a:endParaRPr lang="en-US" dirty="0"/>
           </a:p>
@@ -10699,7 +10146,7 @@
       </p:sp>
       <p:sp>
         <p:nvSpPr>
-          <p:cNvPr id="7" name="Content Placeholder 6"/>
+          <p:cNvPr id="3" name="Content Placeholder 2"/>
           <p:cNvSpPr>
             <a:spLocks noGrp="1"/>
           </p:cNvSpPr>
@@ -10709,8 +10156,8 @@
         </p:nvSpPr>
         <p:spPr>
           <a:xfrm>
-            <a:off x="0" y="1600200"/>
-            <a:ext cx="9114493" cy="4688490"/>
+            <a:off x="457199" y="1159164"/>
+            <a:ext cx="8191533" cy="5129526"/>
           </a:xfrm>
         </p:spPr>
         <p:txBody>
@@ -10719,248 +10166,100 @@
           </a:bodyPr>
           <a:lstStyle/>
           <a:p>
-            <a:pPr marL="114300" indent="0">
-              <a:buNone/>
-            </a:pPr>
+            <a:r>
+              <a:rPr lang="en-US" dirty="0" err="1" smtClean="0"/>
+              <a:t>janus</a:t>
+            </a:r>
             <a:r>
               <a:rPr lang="en-US" dirty="0" smtClean="0"/>
-              <a:t>Bash Script </a:t>
-            </a:r>
+              <a:t>-debug</a:t>
+            </a:r>
+          </a:p>
+          <a:p>
+            <a:pPr lvl="1"/>
+            <a:r>
+              <a:rPr lang="en-US" dirty="0" smtClean="0"/>
+              <a:t>Only debugging – no production work</a:t>
+            </a:r>
+          </a:p>
+          <a:p>
+            <a:pPr lvl="1"/>
+            <a:r>
+              <a:rPr lang="en-US" dirty="0" smtClean="0"/>
+              <a:t>Maximum wall time 1 hour, 2 jobs per user</a:t>
+            </a:r>
+          </a:p>
+          <a:p>
+            <a:pPr lvl="2"/>
+            <a:r>
+              <a:rPr lang="en-US" dirty="0" smtClean="0"/>
+              <a:t>(The maximum amount of time your job is allowed to run)</a:t>
+            </a:r>
+          </a:p>
+          <a:p>
             <a:r>
               <a:rPr lang="en-US" dirty="0" err="1" smtClean="0"/>
-              <a:t>practice.sh</a:t>
-            </a:r>
+              <a:t>janus</a:t>
+            </a:r>
+            <a:endParaRPr lang="en-US" dirty="0" smtClean="0"/>
+          </a:p>
+          <a:p>
+            <a:pPr lvl="1"/>
             <a:r>
               <a:rPr lang="en-US" dirty="0" smtClean="0"/>
-              <a:t>:</a:t>
-            </a:r>
-          </a:p>
-          <a:p>
-            <a:pPr marL="114300" indent="0">
-              <a:buNone/>
-            </a:pPr>
+              <a:t>Default</a:t>
+            </a:r>
+          </a:p>
+          <a:p>
+            <a:pPr lvl="1"/>
+            <a:r>
+              <a:rPr lang="en-US" dirty="0" smtClean="0"/>
+              <a:t>Maximum wall time of 24 hours, 480 nodes/job</a:t>
+            </a:r>
+          </a:p>
+          <a:p>
+            <a:r>
+              <a:rPr lang="en-US" dirty="0" err="1" smtClean="0"/>
+              <a:t>janus</a:t>
+            </a:r>
+            <a:r>
+              <a:rPr lang="en-US" dirty="0" smtClean="0"/>
+              <a:t>-long</a:t>
+            </a:r>
+          </a:p>
+          <a:p>
+            <a:pPr lvl="1"/>
+            <a:r>
+              <a:rPr lang="en-US" dirty="0" smtClean="0"/>
+              <a:t>Maximum wall time of 7 days; 40 nodes/user</a:t>
+            </a:r>
+          </a:p>
+          <a:p>
+            <a:r>
+              <a:rPr lang="en-US" dirty="0" err="1" smtClean="0"/>
+              <a:t>himem</a:t>
+            </a:r>
             <a:endParaRPr lang="en-US" dirty="0" smtClean="0"/>
           </a:p>
           <a:p>
-            <a:pPr marL="411480" lvl="1" indent="0">
-              <a:buNone/>
-            </a:pPr>
-            <a:r>
-              <a:rPr lang="en-US" sz="2000" dirty="0" smtClean="0">
-                <a:latin typeface="Courier" charset="0"/>
-                <a:ea typeface="Courier" charset="0"/>
-                <a:cs typeface="Courier" charset="0"/>
-              </a:rPr>
-              <a:t>#!/bin/bash</a:t>
-            </a:r>
-          </a:p>
-          <a:p>
-            <a:pPr marL="411480" lvl="1" indent="0">
-              <a:buNone/>
-            </a:pPr>
-            <a:r>
-              <a:rPr lang="en-US" sz="2000" dirty="0" smtClean="0">
-                <a:latin typeface="Courier" charset="0"/>
-                <a:ea typeface="Courier" charset="0"/>
-                <a:cs typeface="Courier" charset="0"/>
-              </a:rPr>
-              <a:t>#SBATCH -N 1</a:t>
-            </a:r>
-            <a:r>
-              <a:rPr lang="en-US" sz="2000" dirty="0">
-                <a:latin typeface="Courier" charset="0"/>
-                <a:ea typeface="Courier" charset="0"/>
-                <a:cs typeface="Courier" charset="0"/>
-              </a:rPr>
-              <a:t>	</a:t>
-            </a:r>
-            <a:r>
-              <a:rPr lang="en-US" sz="2000" dirty="0" smtClean="0">
-                <a:latin typeface="Courier" charset="0"/>
-                <a:ea typeface="Courier" charset="0"/>
-                <a:cs typeface="Courier" charset="0"/>
-              </a:rPr>
-              <a:t>			# No. of nodes</a:t>
-            </a:r>
-          </a:p>
-          <a:p>
-            <a:pPr marL="411480" lvl="1" indent="0">
-              <a:buNone/>
-            </a:pPr>
-            <a:r>
-              <a:rPr lang="en-US" sz="2000" dirty="0" smtClean="0">
-                <a:latin typeface="Courier" charset="0"/>
-                <a:ea typeface="Courier" charset="0"/>
-                <a:cs typeface="Courier" charset="0"/>
-              </a:rPr>
-              <a:t>#SBATCH --time=0:05:00</a:t>
-            </a:r>
-            <a:r>
-              <a:rPr lang="en-US" sz="2000" dirty="0">
-                <a:latin typeface="Courier" charset="0"/>
-                <a:ea typeface="Courier" charset="0"/>
-                <a:cs typeface="Courier" charset="0"/>
-              </a:rPr>
-              <a:t>	</a:t>
-            </a:r>
-            <a:r>
-              <a:rPr lang="en-US" sz="2000" dirty="0" smtClean="0">
-                <a:latin typeface="Courier" charset="0"/>
-                <a:ea typeface="Courier" charset="0"/>
-                <a:cs typeface="Courier" charset="0"/>
-              </a:rPr>
-              <a:t>	# </a:t>
-            </a:r>
-            <a:r>
-              <a:rPr lang="en-US" sz="2000" dirty="0" err="1" smtClean="0">
-                <a:latin typeface="Courier" charset="0"/>
-                <a:ea typeface="Courier" charset="0"/>
-                <a:cs typeface="Courier" charset="0"/>
-              </a:rPr>
-              <a:t>Walltime</a:t>
-            </a:r>
-            <a:endParaRPr lang="en-US" sz="2000" dirty="0" smtClean="0">
-              <a:latin typeface="Courier" charset="0"/>
-              <a:ea typeface="Courier" charset="0"/>
-              <a:cs typeface="Courier" charset="0"/>
-            </a:endParaRPr>
-          </a:p>
-          <a:p>
-            <a:pPr marL="411480" lvl="1" indent="0">
-              <a:buNone/>
-            </a:pPr>
-            <a:r>
-              <a:rPr lang="en-US" sz="2000" dirty="0" smtClean="0">
-                <a:latin typeface="Courier" charset="0"/>
-                <a:ea typeface="Courier" charset="0"/>
-                <a:cs typeface="Courier" charset="0"/>
-              </a:rPr>
-              <a:t>#SBATCH --output=</a:t>
-            </a:r>
-            <a:r>
-              <a:rPr lang="en-US" sz="2000" dirty="0" err="1" smtClean="0">
-                <a:latin typeface="Courier" charset="0"/>
-                <a:ea typeface="Courier" charset="0"/>
-                <a:cs typeface="Courier" charset="0"/>
-              </a:rPr>
-              <a:t>hostname.txt</a:t>
-            </a:r>
-            <a:r>
-              <a:rPr lang="en-US" sz="2000" dirty="0" smtClean="0">
-                <a:latin typeface="Courier" charset="0"/>
-                <a:ea typeface="Courier" charset="0"/>
-                <a:cs typeface="Courier" charset="0"/>
-              </a:rPr>
-              <a:t>	# Output file name</a:t>
-            </a:r>
-          </a:p>
-          <a:p>
-            <a:pPr marL="411480" lvl="1" indent="0">
-              <a:buNone/>
-            </a:pPr>
-            <a:endParaRPr lang="en-US" dirty="0" smtClean="0">
-              <a:latin typeface="Courier" charset="0"/>
-              <a:ea typeface="Courier" charset="0"/>
-              <a:cs typeface="Courier" charset="0"/>
-            </a:endParaRPr>
-          </a:p>
-          <a:p>
-            <a:pPr marL="411480" lvl="1" indent="0">
-              <a:buNone/>
-            </a:pPr>
-            <a:r>
-              <a:rPr lang="en-US" dirty="0" err="1">
-                <a:latin typeface="Courier" charset="0"/>
-                <a:ea typeface="Courier" charset="0"/>
-                <a:cs typeface="Courier" charset="0"/>
-              </a:rPr>
-              <a:t>s</a:t>
-            </a:r>
-            <a:r>
-              <a:rPr lang="en-US" dirty="0" err="1" smtClean="0">
-                <a:latin typeface="Courier" charset="0"/>
-                <a:ea typeface="Courier" charset="0"/>
-                <a:cs typeface="Courier" charset="0"/>
-              </a:rPr>
-              <a:t>run</a:t>
-            </a:r>
-            <a:r>
-              <a:rPr lang="en-US" dirty="0" smtClean="0">
-                <a:latin typeface="Courier" charset="0"/>
-                <a:ea typeface="Courier" charset="0"/>
-                <a:cs typeface="Courier" charset="0"/>
-              </a:rPr>
-              <a:t> hostname</a:t>
-            </a:r>
-          </a:p>
-          <a:p>
-            <a:pPr marL="411480" lvl="1" indent="0">
-              <a:buNone/>
-            </a:pPr>
+            <a:r>
+              <a:rPr lang="en-US" dirty="0" err="1" smtClean="0"/>
+              <a:t>crestone</a:t>
+            </a:r>
             <a:endParaRPr lang="en-US" dirty="0" smtClean="0"/>
           </a:p>
           <a:p>
-            <a:pPr marL="114300" indent="0">
-              <a:buNone/>
-            </a:pPr>
-            <a:r>
-              <a:rPr lang="en-US" dirty="0" smtClean="0"/>
-              <a:t>Submit the job:</a:t>
-            </a:r>
-          </a:p>
-          <a:p>
-            <a:pPr marL="411480" lvl="1" indent="0">
-              <a:buNone/>
-            </a:pPr>
-            <a:r>
-              <a:rPr lang="en-US" dirty="0" err="1">
-                <a:latin typeface="Courier" charset="0"/>
-                <a:ea typeface="Courier" charset="0"/>
-                <a:cs typeface="Courier" charset="0"/>
-              </a:rPr>
-              <a:t>s</a:t>
-            </a:r>
-            <a:r>
-              <a:rPr lang="en-US" dirty="0" err="1" smtClean="0">
-                <a:latin typeface="Courier" charset="0"/>
-                <a:ea typeface="Courier" charset="0"/>
-                <a:cs typeface="Courier" charset="0"/>
-              </a:rPr>
-              <a:t>batch</a:t>
-            </a:r>
-            <a:r>
-              <a:rPr lang="en-US" dirty="0" smtClean="0">
-                <a:latin typeface="Courier" charset="0"/>
-                <a:ea typeface="Courier" charset="0"/>
-                <a:cs typeface="Courier" charset="0"/>
-              </a:rPr>
-              <a:t> </a:t>
-            </a:r>
-            <a:r>
-              <a:rPr lang="en-US" dirty="0" err="1" smtClean="0">
-                <a:latin typeface="Courier" charset="0"/>
-                <a:ea typeface="Courier" charset="0"/>
-                <a:cs typeface="Courier" charset="0"/>
-              </a:rPr>
-              <a:t>practice.sh</a:t>
-            </a:r>
-            <a:endParaRPr lang="en-US" dirty="0" smtClean="0">
-              <a:latin typeface="Courier" charset="0"/>
-              <a:ea typeface="Courier" charset="0"/>
-              <a:cs typeface="Courier" charset="0"/>
-            </a:endParaRPr>
-          </a:p>
-          <a:p>
-            <a:pPr marL="411480" lvl="1" indent="0">
-              <a:buNone/>
-            </a:pPr>
+            <a:r>
+              <a:rPr lang="en-US" dirty="0" err="1" smtClean="0"/>
+              <a:t>gpu</a:t>
+            </a:r>
             <a:endParaRPr lang="en-US" dirty="0" smtClean="0"/>
           </a:p>
         </p:txBody>
       </p:sp>
       <p:sp>
         <p:nvSpPr>
-          <p:cNvPr id="4" name="Date Placeholder 3"/>
+          <p:cNvPr id="5" name="Date Placeholder 4"/>
           <p:cNvSpPr>
             <a:spLocks noGrp="1"/>
           </p:cNvSpPr>
@@ -10973,66 +10272,74 @@
           <a:bodyPr/>
           <a:lstStyle/>
           <a:p>
-            <a:fld id="{D73B972E-6214-D442-86B6-7C97B11D0CFF}" type="datetime1">
-              <a:rPr lang="en-US" smtClean="0"/>
-              <a:pPr/>
-              <a:t>7/11/16</a:t>
+            <a:r>
+              <a:rPr lang="en-US" smtClean="0"/>
+              <a:t>8/12/14</a:t>
+            </a:r>
+            <a:endParaRPr lang="en-US"/>
+          </a:p>
+        </p:txBody>
+      </p:sp>
+      <p:sp>
+        <p:nvSpPr>
+          <p:cNvPr id="6" name="Footer Placeholder 5"/>
+          <p:cNvSpPr>
+            <a:spLocks noGrp="1"/>
+          </p:cNvSpPr>
+          <p:nvPr>
+            <p:ph type="ftr" sz="quarter" idx="11"/>
+          </p:nvPr>
+        </p:nvSpPr>
+        <p:spPr/>
+        <p:txBody>
+          <a:bodyPr/>
+          <a:lstStyle/>
+          <a:p>
+            <a:r>
+              <a:rPr lang="en-US" smtClean="0"/>
+              <a:t>RMACC - Intro to Supercomputing</a:t>
+            </a:r>
+            <a:endParaRPr lang="en-US"/>
+          </a:p>
+        </p:txBody>
+      </p:sp>
+      <p:sp>
+        <p:nvSpPr>
+          <p:cNvPr id="4" name="Slide Number Placeholder 3"/>
+          <p:cNvSpPr>
+            <a:spLocks noGrp="1"/>
+          </p:cNvSpPr>
+          <p:nvPr>
+            <p:ph type="sldNum" sz="quarter" idx="4"/>
+          </p:nvPr>
+        </p:nvSpPr>
+        <p:spPr>
+          <a:xfrm>
+            <a:off x="7619999" y="6477423"/>
+            <a:ext cx="433231" cy="312889"/>
+          </a:xfrm>
+          <a:prstGeom prst="bracketPair">
+            <a:avLst>
+              <a:gd name="adj" fmla="val 17949"/>
+            </a:avLst>
+          </a:prstGeom>
+        </p:spPr>
+        <p:txBody>
+          <a:bodyPr/>
+          <a:lstStyle/>
+          <a:p>
+            <a:fld id="{718654E8-5BC9-7544-A602-FE2C9BCA3333}" type="slidenum">
+              <a:rPr lang="en-US" smtClean="0"/>
+              <a:t>23</a:t>
             </a:fld>
             <a:endParaRPr lang="en-US"/>
-          </a:p>
-        </p:txBody>
-      </p:sp>
-      <p:sp>
-        <p:nvSpPr>
-          <p:cNvPr id="8" name="Footer Placeholder 7"/>
-          <p:cNvSpPr>
-            <a:spLocks noGrp="1"/>
-          </p:cNvSpPr>
-          <p:nvPr>
-            <p:ph type="ftr" sz="quarter" idx="11"/>
-          </p:nvPr>
-        </p:nvSpPr>
-        <p:spPr/>
-        <p:txBody>
-          <a:bodyPr/>
-          <a:lstStyle/>
-          <a:p>
-            <a:r>
-              <a:rPr lang="en-US" smtClean="0"/>
-              <a:t>How to Use a Supercomputer</a:t>
-            </a:r>
-            <a:endParaRPr lang="en-US"/>
-          </a:p>
-        </p:txBody>
-      </p:sp>
-      <p:sp>
-        <p:nvSpPr>
-          <p:cNvPr id="5" name="Slide Number Placeholder 4"/>
-          <p:cNvSpPr>
-            <a:spLocks noGrp="1"/>
-          </p:cNvSpPr>
-          <p:nvPr>
-            <p:ph type="sldNum" sz="quarter" idx="4"/>
-          </p:nvPr>
-        </p:nvSpPr>
-        <p:spPr/>
-        <p:txBody>
-          <a:bodyPr/>
-          <a:lstStyle/>
-          <a:p>
-            <a:fld id="{249E94F7-107C-CE46-8C56-9CACFF99CD93}" type="slidenum">
-              <a:rPr lang="en-US" smtClean="0"/>
-              <a:pPr/>
-              <a:t>23</a:t>
-            </a:fld>
-            <a:endParaRPr lang="en-US" dirty="0"/>
           </a:p>
         </p:txBody>
       </p:sp>
     </p:spTree>
     <p:extLst>
       <p:ext uri="{BB962C8B-B14F-4D97-AF65-F5344CB8AC3E}">
-        <p14:creationId xmlns:p14="http://schemas.microsoft.com/office/powerpoint/2010/main" val="196095815"/>
+        <p14:creationId xmlns:p14="http://schemas.microsoft.com/office/powerpoint/2010/main" val="1352340865"/>
       </p:ext>
     </p:extLst>
   </p:cSld>
@@ -11083,6 +10390,394 @@
           <a:p>
             <a:r>
               <a:rPr lang="en-US" dirty="0" smtClean="0"/>
+              <a:t>Software</a:t>
+            </a:r>
+            <a:endParaRPr lang="en-US" dirty="0"/>
+          </a:p>
+        </p:txBody>
+      </p:sp>
+      <p:sp>
+        <p:nvSpPr>
+          <p:cNvPr id="3" name="Content Placeholder 2"/>
+          <p:cNvSpPr>
+            <a:spLocks noGrp="1"/>
+          </p:cNvSpPr>
+          <p:nvPr>
+            <p:ph idx="1"/>
+          </p:nvPr>
+        </p:nvSpPr>
+        <p:spPr>
+          <a:xfrm>
+            <a:off x="457199" y="1159164"/>
+            <a:ext cx="8191533" cy="5129526"/>
+          </a:xfrm>
+        </p:spPr>
+        <p:txBody>
+          <a:bodyPr>
+            <a:normAutofit/>
+          </a:bodyPr>
+          <a:lstStyle/>
+          <a:p>
+            <a:r>
+              <a:rPr lang="en-US" sz="2600" dirty="0" smtClean="0"/>
+              <a:t>Common software is available to everyone on the systems</a:t>
+            </a:r>
+          </a:p>
+          <a:p>
+            <a:r>
+              <a:rPr lang="en-US" sz="2600" dirty="0" smtClean="0"/>
+              <a:t>To find out what software is available, you can type </a:t>
+            </a:r>
+            <a:r>
+              <a:rPr lang="en-US" sz="2600" b="1" dirty="0" smtClean="0"/>
+              <a:t>ml avail</a:t>
+            </a:r>
+          </a:p>
+          <a:p>
+            <a:r>
+              <a:rPr lang="en-US" sz="2600" dirty="0" smtClean="0"/>
+              <a:t>To set up your environment to use a software package, type </a:t>
+            </a:r>
+            <a:r>
+              <a:rPr lang="en-US" sz="2600" b="1" dirty="0" smtClean="0"/>
+              <a:t>ml &lt;package&gt;/&lt;version&gt;</a:t>
+            </a:r>
+          </a:p>
+          <a:p>
+            <a:r>
+              <a:rPr lang="en-US" sz="2600" dirty="0" smtClean="0"/>
+              <a:t>Can install your own software</a:t>
+            </a:r>
+          </a:p>
+          <a:p>
+            <a:pPr lvl="1"/>
+            <a:r>
+              <a:rPr lang="en-US" sz="2600" dirty="0" smtClean="0"/>
+              <a:t>But you are responsible for support</a:t>
+            </a:r>
+          </a:p>
+          <a:p>
+            <a:pPr lvl="1"/>
+            <a:r>
+              <a:rPr lang="en-US" sz="2600" dirty="0" smtClean="0"/>
+              <a:t>We are happy to assist</a:t>
+            </a:r>
+          </a:p>
+        </p:txBody>
+      </p:sp>
+      <p:sp>
+        <p:nvSpPr>
+          <p:cNvPr id="5" name="Date Placeholder 4"/>
+          <p:cNvSpPr>
+            <a:spLocks noGrp="1"/>
+          </p:cNvSpPr>
+          <p:nvPr>
+            <p:ph type="dt" sz="half" idx="10"/>
+          </p:nvPr>
+        </p:nvSpPr>
+        <p:spPr/>
+        <p:txBody>
+          <a:bodyPr/>
+          <a:lstStyle/>
+          <a:p>
+            <a:r>
+              <a:rPr lang="en-US" smtClean="0"/>
+              <a:t>8/12/14</a:t>
+            </a:r>
+            <a:endParaRPr lang="en-US"/>
+          </a:p>
+        </p:txBody>
+      </p:sp>
+      <p:sp>
+        <p:nvSpPr>
+          <p:cNvPr id="6" name="Footer Placeholder 5"/>
+          <p:cNvSpPr>
+            <a:spLocks noGrp="1"/>
+          </p:cNvSpPr>
+          <p:nvPr>
+            <p:ph type="ftr" sz="quarter" idx="11"/>
+          </p:nvPr>
+        </p:nvSpPr>
+        <p:spPr/>
+        <p:txBody>
+          <a:bodyPr/>
+          <a:lstStyle/>
+          <a:p>
+            <a:r>
+              <a:rPr lang="en-US" smtClean="0"/>
+              <a:t>RMACC - Intro to Supercomputing</a:t>
+            </a:r>
+            <a:endParaRPr lang="en-US"/>
+          </a:p>
+        </p:txBody>
+      </p:sp>
+      <p:sp>
+        <p:nvSpPr>
+          <p:cNvPr id="4" name="Slide Number Placeholder 3"/>
+          <p:cNvSpPr>
+            <a:spLocks noGrp="1"/>
+          </p:cNvSpPr>
+          <p:nvPr>
+            <p:ph type="sldNum" sz="quarter" idx="4"/>
+          </p:nvPr>
+        </p:nvSpPr>
+        <p:spPr>
+          <a:xfrm>
+            <a:off x="7619999" y="6477423"/>
+            <a:ext cx="433231" cy="312889"/>
+          </a:xfrm>
+          <a:prstGeom prst="bracketPair">
+            <a:avLst>
+              <a:gd name="adj" fmla="val 17949"/>
+            </a:avLst>
+          </a:prstGeom>
+        </p:spPr>
+        <p:txBody>
+          <a:bodyPr/>
+          <a:lstStyle/>
+          <a:p>
+            <a:fld id="{718654E8-5BC9-7544-A602-FE2C9BCA3333}" type="slidenum">
+              <a:rPr lang="en-US" smtClean="0"/>
+              <a:t>24</a:t>
+            </a:fld>
+            <a:endParaRPr lang="en-US"/>
+          </a:p>
+        </p:txBody>
+      </p:sp>
+    </p:spTree>
+    <p:extLst>
+      <p:ext uri="{BB962C8B-B14F-4D97-AF65-F5344CB8AC3E}">
+        <p14:creationId xmlns:p14="http://schemas.microsoft.com/office/powerpoint/2010/main" val="129869412"/>
+      </p:ext>
+    </p:extLst>
+  </p:cSld>
+  <p:clrMapOvr>
+    <a:masterClrMapping/>
+  </p:clrMapOvr>
+  <p:timing>
+    <p:tnLst>
+      <p:par>
+        <p:cTn id="1" dur="indefinite" restart="never" nodeType="tmRoot"/>
+      </p:par>
+    </p:tnLst>
+  </p:timing>
+</p:sld>
+</file>
+
+<file path=ppt/slides/slide25.xml><?xml version="1.0" encoding="utf-8"?>
+<p:sld xmlns:a="http://schemas.openxmlformats.org/drawingml/2006/main" xmlns:r="http://schemas.openxmlformats.org/officeDocument/2006/relationships" xmlns:p="http://schemas.openxmlformats.org/presentationml/2006/main">
+  <p:cSld>
+    <p:spTree>
+      <p:nvGrpSpPr>
+        <p:cNvPr id="1" name=""/>
+        <p:cNvGrpSpPr/>
+        <p:nvPr/>
+      </p:nvGrpSpPr>
+      <p:grpSpPr>
+        <a:xfrm>
+          <a:off x="0" y="0"/>
+          <a:ext cx="0" cy="0"/>
+          <a:chOff x="0" y="0"/>
+          <a:chExt cx="0" cy="0"/>
+        </a:xfrm>
+      </p:grpSpPr>
+      <p:sp>
+        <p:nvSpPr>
+          <p:cNvPr id="2" name="Title 1"/>
+          <p:cNvSpPr>
+            <a:spLocks noGrp="1"/>
+          </p:cNvSpPr>
+          <p:nvPr>
+            <p:ph type="title"/>
+          </p:nvPr>
+        </p:nvSpPr>
+        <p:spPr/>
+        <p:txBody>
+          <a:bodyPr/>
+          <a:lstStyle/>
+          <a:p>
+            <a:r>
+              <a:rPr lang="en-US" dirty="0" smtClean="0"/>
+              <a:t>What’s Next?</a:t>
+            </a:r>
+            <a:endParaRPr lang="en-US" dirty="0"/>
+          </a:p>
+        </p:txBody>
+      </p:sp>
+      <p:sp>
+        <p:nvSpPr>
+          <p:cNvPr id="3" name="Content Placeholder 2"/>
+          <p:cNvSpPr>
+            <a:spLocks noGrp="1"/>
+          </p:cNvSpPr>
+          <p:nvPr>
+            <p:ph idx="1"/>
+          </p:nvPr>
+        </p:nvSpPr>
+        <p:spPr/>
+        <p:txBody>
+          <a:bodyPr/>
+          <a:lstStyle/>
+          <a:p>
+            <a:r>
+              <a:rPr lang="en-US" dirty="0" smtClean="0"/>
+              <a:t>So far we’ve introduced you to the basics of supercomputing</a:t>
+            </a:r>
+          </a:p>
+          <a:p>
+            <a:r>
+              <a:rPr lang="en-US" dirty="0" smtClean="0"/>
+              <a:t>Next, learn to:</a:t>
+            </a:r>
+          </a:p>
+          <a:p>
+            <a:pPr lvl="1"/>
+            <a:r>
+              <a:rPr lang="en-US" dirty="0" smtClean="0"/>
+              <a:t>Use the command line</a:t>
+            </a:r>
+          </a:p>
+          <a:p>
+            <a:pPr lvl="1"/>
+            <a:r>
+              <a:rPr lang="en-US" dirty="0" smtClean="0"/>
+              <a:t>Submit jobs!</a:t>
+            </a:r>
+          </a:p>
+          <a:p>
+            <a:pPr lvl="1"/>
+            <a:r>
+              <a:rPr lang="en-US" dirty="0" smtClean="0"/>
+              <a:t>Transfer data!</a:t>
+            </a:r>
+          </a:p>
+          <a:p>
+            <a:pPr lvl="1"/>
+            <a:r>
+              <a:rPr lang="en-US" dirty="0" smtClean="0"/>
+              <a:t>Load up some software!</a:t>
+            </a:r>
+            <a:endParaRPr lang="en-US" dirty="0"/>
+          </a:p>
+        </p:txBody>
+      </p:sp>
+      <p:sp>
+        <p:nvSpPr>
+          <p:cNvPr id="4" name="Date Placeholder 3"/>
+          <p:cNvSpPr>
+            <a:spLocks noGrp="1"/>
+          </p:cNvSpPr>
+          <p:nvPr>
+            <p:ph type="dt" sz="half" idx="10"/>
+          </p:nvPr>
+        </p:nvSpPr>
+        <p:spPr/>
+        <p:txBody>
+          <a:bodyPr/>
+          <a:lstStyle/>
+          <a:p>
+            <a:r>
+              <a:rPr lang="en-US" smtClean="0"/>
+              <a:t>2016</a:t>
+            </a:r>
+            <a:endParaRPr lang="en-US" dirty="0"/>
+          </a:p>
+        </p:txBody>
+      </p:sp>
+      <p:sp>
+        <p:nvSpPr>
+          <p:cNvPr id="5" name="Footer Placeholder 4"/>
+          <p:cNvSpPr>
+            <a:spLocks noGrp="1"/>
+          </p:cNvSpPr>
+          <p:nvPr>
+            <p:ph type="ftr" sz="quarter" idx="11"/>
+          </p:nvPr>
+        </p:nvSpPr>
+        <p:spPr/>
+        <p:txBody>
+          <a:bodyPr/>
+          <a:lstStyle/>
+          <a:p>
+            <a:r>
+              <a:rPr lang="en-US" smtClean="0"/>
+              <a:t>Basics of Supercomputing</a:t>
+            </a:r>
+            <a:endParaRPr lang="en-US" dirty="0"/>
+          </a:p>
+        </p:txBody>
+      </p:sp>
+      <p:sp>
+        <p:nvSpPr>
+          <p:cNvPr id="6" name="Slide Number Placeholder 5"/>
+          <p:cNvSpPr>
+            <a:spLocks noGrp="1"/>
+          </p:cNvSpPr>
+          <p:nvPr>
+            <p:ph type="sldNum" sz="quarter" idx="4"/>
+          </p:nvPr>
+        </p:nvSpPr>
+        <p:spPr/>
+        <p:txBody>
+          <a:bodyPr/>
+          <a:lstStyle/>
+          <a:p>
+            <a:fld id="{249E94F7-107C-CE46-8C56-9CACFF99CD93}" type="slidenum">
+              <a:rPr lang="en-US" smtClean="0"/>
+              <a:pPr/>
+              <a:t>25</a:t>
+            </a:fld>
+            <a:endParaRPr lang="en-US" dirty="0"/>
+          </a:p>
+        </p:txBody>
+      </p:sp>
+    </p:spTree>
+    <p:extLst>
+      <p:ext uri="{BB962C8B-B14F-4D97-AF65-F5344CB8AC3E}">
+        <p14:creationId xmlns:p14="http://schemas.microsoft.com/office/powerpoint/2010/main" val="1854084762"/>
+      </p:ext>
+    </p:extLst>
+  </p:cSld>
+  <p:clrMapOvr>
+    <a:masterClrMapping/>
+  </p:clrMapOvr>
+</p:sld>
+</file>
+
+<file path=ppt/slides/slide26.xml><?xml version="1.0" encoding="utf-8"?>
+<p:sld xmlns:a="http://schemas.openxmlformats.org/drawingml/2006/main" xmlns:r="http://schemas.openxmlformats.org/officeDocument/2006/relationships" xmlns:p="http://schemas.openxmlformats.org/presentationml/2006/main">
+  <p:cSld>
+    <p:spTree>
+      <p:nvGrpSpPr>
+        <p:cNvPr id="1" name=""/>
+        <p:cNvGrpSpPr/>
+        <p:nvPr/>
+      </p:nvGrpSpPr>
+      <p:grpSpPr>
+        <a:xfrm>
+          <a:off x="0" y="0"/>
+          <a:ext cx="0" cy="0"/>
+          <a:chOff x="0" y="0"/>
+          <a:chExt cx="0" cy="0"/>
+        </a:xfrm>
+      </p:grpSpPr>
+      <p:sp>
+        <p:nvSpPr>
+          <p:cNvPr id="2" name="Title 1"/>
+          <p:cNvSpPr>
+            <a:spLocks noGrp="1"/>
+          </p:cNvSpPr>
+          <p:nvPr>
+            <p:ph type="title"/>
+          </p:nvPr>
+        </p:nvSpPr>
+        <p:spPr/>
+        <p:txBody>
+          <a:bodyPr/>
+          <a:lstStyle/>
+          <a:p>
+            <a:r>
+              <a:rPr lang="en-US" dirty="0" smtClean="0"/>
               <a:t>Questions?</a:t>
             </a:r>
             <a:endParaRPr lang="en-US" dirty="0"/>
@@ -11119,11 +10814,15 @@
           <a:p>
             <a:r>
               <a:rPr lang="en-US" dirty="0" smtClean="0"/>
-              <a:t>Twitter:  </a:t>
-            </a:r>
-            <a:r>
-              <a:rPr lang="en-US" dirty="0" err="1" smtClean="0"/>
-              <a:t>CUBoulderRC</a:t>
+              <a:t>Twitter</a:t>
+            </a:r>
+            <a:r>
+              <a:rPr lang="en-US" smtClean="0"/>
+              <a:t>:  </a:t>
+            </a:r>
+            <a:r>
+              <a:rPr lang="en-US" smtClean="0"/>
+              <a:t>@CUBoulderRC</a:t>
             </a:r>
             <a:endParaRPr lang="en-US" dirty="0" smtClean="0"/>
           </a:p>
@@ -11170,7 +10869,7 @@
               <a:t>github.com/ResearchComputing/Final_Tutorials</a:t>
             </a:r>
             <a:r>
-              <a:rPr lang="en-US" smtClean="0"/>
+              <a:rPr lang="en-US" dirty="0" smtClean="0"/>
               <a:t> </a:t>
             </a:r>
             <a:endParaRPr lang="en-US" dirty="0"/>
@@ -11194,7 +10893,7 @@
           <a:p>
             <a:fld id="{3A3C349A-9684-4D4B-9B48-BAC3E768F8DE}" type="datetime1">
               <a:rPr lang="en-US" smtClean="0"/>
-              <a:t>7/11/16</a:t>
+              <a:t>7/12/16</a:t>
             </a:fld>
             <a:endParaRPr lang="en-US" dirty="0"/>
           </a:p>
@@ -11241,7 +10940,7 @@
             <a:fld id="{249E94F7-107C-CE46-8C56-9CACFF99CD93}" type="slidenum">
               <a:rPr lang="en-US" smtClean="0"/>
               <a:pPr/>
-              <a:t>24</a:t>
+              <a:t>26</a:t>
             </a:fld>
             <a:endParaRPr lang="en-US" dirty="0"/>
           </a:p>
@@ -11287,6 +10986,246 @@
             <p:ph type="title"/>
           </p:nvPr>
         </p:nvSpPr>
+        <p:spPr>
+          <a:xfrm>
+            <a:off x="457199" y="16164"/>
+            <a:ext cx="8623230" cy="1143000"/>
+          </a:xfrm>
+        </p:spPr>
+        <p:txBody>
+          <a:bodyPr/>
+          <a:lstStyle/>
+          <a:p>
+            <a:r>
+              <a:rPr lang="en-US" sz="4000" dirty="0" smtClean="0"/>
+              <a:t>What</a:t>
+            </a:r>
+            <a:r>
+              <a:rPr lang="en-US" sz="4000" dirty="0" smtClean="0">
+                <a:solidFill>
+                  <a:srgbClr val="6F664C"/>
+                </a:solidFill>
+              </a:rPr>
+              <a:t> </a:t>
+            </a:r>
+            <a:r>
+              <a:rPr lang="en-US" sz="4000" dirty="0" smtClean="0"/>
+              <a:t>does Research Computing do?</a:t>
+            </a:r>
+            <a:endParaRPr lang="en-US" sz="4000" dirty="0"/>
+          </a:p>
+        </p:txBody>
+      </p:sp>
+      <p:sp>
+        <p:nvSpPr>
+          <p:cNvPr id="3" name="Content Placeholder 2"/>
+          <p:cNvSpPr>
+            <a:spLocks noGrp="1"/>
+          </p:cNvSpPr>
+          <p:nvPr>
+            <p:ph idx="1"/>
+          </p:nvPr>
+        </p:nvSpPr>
+        <p:spPr/>
+        <p:txBody>
+          <a:bodyPr>
+            <a:normAutofit/>
+          </a:bodyPr>
+          <a:lstStyle/>
+          <a:p>
+            <a:r>
+              <a:rPr lang="en-US" sz="2800" dirty="0" smtClean="0"/>
+              <a:t>We manage </a:t>
+            </a:r>
+          </a:p>
+          <a:p>
+            <a:pPr lvl="1"/>
+            <a:r>
+              <a:rPr lang="en-US" dirty="0" smtClean="0"/>
+              <a:t>Shared large scale compute resources</a:t>
+            </a:r>
+          </a:p>
+          <a:p>
+            <a:pPr lvl="1"/>
+            <a:r>
+              <a:rPr lang="en-US" dirty="0" smtClean="0"/>
+              <a:t>Large scale storage</a:t>
+            </a:r>
+          </a:p>
+          <a:p>
+            <a:pPr lvl="1"/>
+            <a:r>
+              <a:rPr lang="en-US" dirty="0" smtClean="0"/>
+              <a:t>High-speed network without firewalls – </a:t>
+            </a:r>
+            <a:r>
+              <a:rPr lang="en-US" dirty="0" err="1" smtClean="0"/>
+              <a:t>ScienceDMZ</a:t>
+            </a:r>
+            <a:endParaRPr lang="en-US" dirty="0" smtClean="0"/>
+          </a:p>
+          <a:p>
+            <a:pPr lvl="1"/>
+            <a:r>
+              <a:rPr lang="en-US" dirty="0" smtClean="0"/>
+              <a:t>Software and tools</a:t>
+            </a:r>
+          </a:p>
+          <a:p>
+            <a:r>
+              <a:rPr lang="en-US" sz="2800" dirty="0" smtClean="0"/>
+              <a:t>We provide</a:t>
+            </a:r>
+          </a:p>
+          <a:p>
+            <a:pPr lvl="1"/>
+            <a:r>
+              <a:rPr lang="en-US" dirty="0"/>
+              <a:t>C</a:t>
+            </a:r>
+            <a:r>
+              <a:rPr lang="en-US" dirty="0" smtClean="0"/>
+              <a:t>onsulting support for building scientific workflows on the RC platform</a:t>
+            </a:r>
+          </a:p>
+          <a:p>
+            <a:pPr lvl="1"/>
+            <a:r>
+              <a:rPr lang="en-US" dirty="0" smtClean="0"/>
+              <a:t>Training</a:t>
+            </a:r>
+          </a:p>
+          <a:p>
+            <a:pPr lvl="1"/>
+            <a:r>
+              <a:rPr lang="en-US" dirty="0" smtClean="0"/>
+              <a:t>Data management support in collaboration with the Libraries</a:t>
+            </a:r>
+            <a:endParaRPr lang="en-US" dirty="0"/>
+          </a:p>
+          <a:p>
+            <a:pPr lvl="2"/>
+            <a:endParaRPr lang="en-US" dirty="0" smtClean="0"/>
+          </a:p>
+        </p:txBody>
+      </p:sp>
+      <p:sp>
+        <p:nvSpPr>
+          <p:cNvPr id="4" name="Date Placeholder 3"/>
+          <p:cNvSpPr>
+            <a:spLocks noGrp="1"/>
+          </p:cNvSpPr>
+          <p:nvPr>
+            <p:ph type="dt" sz="half" idx="10"/>
+          </p:nvPr>
+        </p:nvSpPr>
+        <p:spPr/>
+        <p:txBody>
+          <a:bodyPr/>
+          <a:lstStyle/>
+          <a:p>
+            <a:r>
+              <a:rPr lang="en-US" smtClean="0"/>
+              <a:t>8/12/14</a:t>
+            </a:r>
+            <a:endParaRPr lang="en-US"/>
+          </a:p>
+        </p:txBody>
+      </p:sp>
+      <p:sp>
+        <p:nvSpPr>
+          <p:cNvPr id="5" name="Footer Placeholder 4"/>
+          <p:cNvSpPr>
+            <a:spLocks noGrp="1"/>
+          </p:cNvSpPr>
+          <p:nvPr>
+            <p:ph type="ftr" sz="quarter" idx="11"/>
+          </p:nvPr>
+        </p:nvSpPr>
+        <p:spPr/>
+        <p:txBody>
+          <a:bodyPr/>
+          <a:lstStyle/>
+          <a:p>
+            <a:r>
+              <a:rPr lang="en-US" smtClean="0"/>
+              <a:t>RMACC - Intro to Supercomputing</a:t>
+            </a:r>
+            <a:endParaRPr lang="en-US" dirty="0"/>
+          </a:p>
+        </p:txBody>
+      </p:sp>
+      <p:sp>
+        <p:nvSpPr>
+          <p:cNvPr id="6" name="Slide Number Placeholder 5"/>
+          <p:cNvSpPr>
+            <a:spLocks noGrp="1"/>
+          </p:cNvSpPr>
+          <p:nvPr>
+            <p:ph type="sldNum" sz="quarter" idx="4"/>
+          </p:nvPr>
+        </p:nvSpPr>
+        <p:spPr/>
+        <p:txBody>
+          <a:bodyPr/>
+          <a:lstStyle/>
+          <a:p>
+            <a:fld id="{249E94F7-107C-CE46-8C56-9CACFF99CD93}" type="slidenum">
+              <a:rPr lang="en-US" smtClean="0"/>
+              <a:pPr/>
+              <a:t>3</a:t>
+            </a:fld>
+            <a:endParaRPr lang="en-US" dirty="0"/>
+          </a:p>
+        </p:txBody>
+      </p:sp>
+    </p:spTree>
+    <p:extLst>
+      <p:ext uri="{BB962C8B-B14F-4D97-AF65-F5344CB8AC3E}">
+        <p14:creationId xmlns:p14="http://schemas.microsoft.com/office/powerpoint/2010/main" val="1200391090"/>
+      </p:ext>
+    </p:extLst>
+  </p:cSld>
+  <p:clrMapOvr>
+    <a:masterClrMapping/>
+  </p:clrMapOvr>
+  <p:timing>
+    <p:tnLst>
+      <p:par>
+        <p:cTn id="1" dur="indefinite" restart="never" nodeType="tmRoot"/>
+      </p:par>
+    </p:tnLst>
+  </p:timing>
+</p:sld>
+</file>
+
+<file path=ppt/slides/slide4.xml><?xml version="1.0" encoding="utf-8"?>
+<p:sld xmlns:a="http://schemas.openxmlformats.org/drawingml/2006/main" xmlns:r="http://schemas.openxmlformats.org/officeDocument/2006/relationships" xmlns:p="http://schemas.openxmlformats.org/presentationml/2006/main">
+  <p:cSld>
+    <p:spTree>
+      <p:nvGrpSpPr>
+        <p:cNvPr id="1" name=""/>
+        <p:cNvGrpSpPr/>
+        <p:nvPr/>
+      </p:nvGrpSpPr>
+      <p:grpSpPr>
+        <a:xfrm>
+          <a:off x="0" y="0"/>
+          <a:ext cx="0" cy="0"/>
+          <a:chOff x="0" y="0"/>
+          <a:chExt cx="0" cy="0"/>
+        </a:xfrm>
+      </p:grpSpPr>
+      <p:sp>
+        <p:nvSpPr>
+          <p:cNvPr id="2" name="Title 1"/>
+          <p:cNvSpPr>
+            <a:spLocks noGrp="1"/>
+          </p:cNvSpPr>
+          <p:nvPr>
+            <p:ph type="title"/>
+          </p:nvPr>
+        </p:nvSpPr>
         <p:spPr/>
         <p:txBody>
           <a:bodyPr/>
@@ -11417,7 +11356,7 @@
             <a:fld id="{EF949900-B3E0-104D-B8A1-3D71ED0424D5}" type="datetime1">
               <a:rPr lang="en-US" smtClean="0"/>
               <a:pPr/>
-              <a:t>7/11/16</a:t>
+              <a:t>7/12/16</a:t>
             </a:fld>
             <a:endParaRPr lang="en-US"/>
           </a:p>
@@ -11464,7 +11403,7 @@
             <a:fld id="{718654E8-5BC9-7544-A602-FE2C9BCA3333}" type="slidenum">
               <a:rPr lang="en-US" smtClean="0"/>
               <a:pPr/>
-              <a:t>3</a:t>
+              <a:t>4</a:t>
             </a:fld>
             <a:endParaRPr lang="en-US"/>
           </a:p>
@@ -11734,449 +11673,6 @@
 </p:sld>
 </file>
 
-<file path=ppt/slides/slide4.xml><?xml version="1.0" encoding="utf-8"?>
-<p:sld xmlns:a="http://schemas.openxmlformats.org/drawingml/2006/main" xmlns:r="http://schemas.openxmlformats.org/officeDocument/2006/relationships" xmlns:p="http://schemas.openxmlformats.org/presentationml/2006/main">
-  <p:cSld>
-    <p:spTree>
-      <p:nvGrpSpPr>
-        <p:cNvPr id="1" name=""/>
-        <p:cNvGrpSpPr/>
-        <p:nvPr/>
-      </p:nvGrpSpPr>
-      <p:grpSpPr>
-        <a:xfrm>
-          <a:off x="0" y="0"/>
-          <a:ext cx="0" cy="0"/>
-          <a:chOff x="0" y="0"/>
-          <a:chExt cx="0" cy="0"/>
-        </a:xfrm>
-      </p:grpSpPr>
-      <p:sp>
-        <p:nvSpPr>
-          <p:cNvPr id="2" name="Title 1"/>
-          <p:cNvSpPr>
-            <a:spLocks noGrp="1"/>
-          </p:cNvSpPr>
-          <p:nvPr>
-            <p:ph type="title"/>
-          </p:nvPr>
-        </p:nvSpPr>
-        <p:spPr/>
-        <p:txBody>
-          <a:bodyPr/>
-          <a:lstStyle/>
-          <a:p>
-            <a:r>
-              <a:rPr lang="en-US" dirty="0" smtClean="0"/>
-              <a:t>Agenda – Day 1</a:t>
-            </a:r>
-            <a:endParaRPr lang="en-US" dirty="0"/>
-          </a:p>
-        </p:txBody>
-      </p:sp>
-      <p:sp>
-        <p:nvSpPr>
-          <p:cNvPr id="3" name="Content Placeholder 2"/>
-          <p:cNvSpPr>
-            <a:spLocks noGrp="1"/>
-          </p:cNvSpPr>
-          <p:nvPr>
-            <p:ph idx="1"/>
-          </p:nvPr>
-        </p:nvSpPr>
-        <p:spPr/>
-        <p:txBody>
-          <a:bodyPr>
-            <a:normAutofit lnSpcReduction="10000"/>
-          </a:bodyPr>
-          <a:lstStyle/>
-          <a:p>
-            <a:pPr marL="114300" indent="0">
-              <a:buNone/>
-            </a:pPr>
-            <a:r>
-              <a:rPr lang="en-US" sz="2000" dirty="0" smtClean="0"/>
-              <a:t>09:00-10:15</a:t>
-            </a:r>
-            <a:r>
-              <a:rPr lang="en-US" sz="2000" dirty="0"/>
-              <a:t>	</a:t>
-            </a:r>
-            <a:r>
-              <a:rPr lang="en-US" sz="2000" dirty="0" smtClean="0"/>
-              <a:t>	What </a:t>
-            </a:r>
-            <a:r>
-              <a:rPr lang="en-US" sz="2000" dirty="0"/>
-              <a:t>is a Supercomputer?	</a:t>
-            </a:r>
-            <a:r>
-              <a:rPr lang="en-US" sz="2000" dirty="0" smtClean="0"/>
-              <a:t>Shelley </a:t>
-            </a:r>
-            <a:r>
-              <a:rPr lang="en-US" sz="2000" dirty="0"/>
-              <a:t>Knuth</a:t>
-            </a:r>
-          </a:p>
-          <a:p>
-            <a:pPr marL="114300" indent="0">
-              <a:buNone/>
-            </a:pPr>
-            <a:r>
-              <a:rPr lang="en-US" sz="2000" dirty="0"/>
-              <a:t>10:15-10:30	</a:t>
-            </a:r>
-            <a:r>
-              <a:rPr lang="en-US" sz="2000" dirty="0" smtClean="0"/>
-              <a:t>	Break</a:t>
-            </a:r>
-            <a:r>
-              <a:rPr lang="en-US" sz="2000" dirty="0"/>
-              <a:t>	</a:t>
-            </a:r>
-          </a:p>
-          <a:p>
-            <a:pPr marL="114300" indent="0">
-              <a:buNone/>
-            </a:pPr>
-            <a:r>
-              <a:rPr lang="en-US" sz="2000" dirty="0"/>
-              <a:t>10:30-11:45	</a:t>
-            </a:r>
-            <a:r>
-              <a:rPr lang="en-US" sz="2000" dirty="0" smtClean="0"/>
-              <a:t>	Getting </a:t>
-            </a:r>
-            <a:r>
-              <a:rPr lang="en-US" sz="2000" dirty="0"/>
-              <a:t>to Know </a:t>
-            </a:r>
-            <a:r>
-              <a:rPr lang="en-US" sz="2000" dirty="0" smtClean="0"/>
-              <a:t>	</a:t>
-            </a:r>
-            <a:r>
-              <a:rPr lang="en-US" sz="2000" dirty="0"/>
-              <a:t>	</a:t>
-            </a:r>
-            <a:r>
-              <a:rPr lang="en-US" sz="2000" dirty="0" smtClean="0"/>
-              <a:t>Max Joseph</a:t>
-            </a:r>
-          </a:p>
-          <a:p>
-            <a:pPr marL="114300" indent="0">
-              <a:buNone/>
-            </a:pPr>
-            <a:r>
-              <a:rPr lang="en-US" sz="2000" dirty="0"/>
-              <a:t>	</a:t>
-            </a:r>
-            <a:r>
-              <a:rPr lang="en-US" sz="2000" dirty="0" smtClean="0"/>
-              <a:t>		the </a:t>
-            </a:r>
-            <a:r>
-              <a:rPr lang="en-US" sz="2000" dirty="0"/>
-              <a:t>Command Line</a:t>
-            </a:r>
-          </a:p>
-          <a:p>
-            <a:pPr marL="114300" indent="0">
-              <a:buNone/>
-            </a:pPr>
-            <a:r>
-              <a:rPr lang="en-US" sz="2000" dirty="0" smtClean="0"/>
-              <a:t>11:45-13:00</a:t>
-            </a:r>
-            <a:r>
-              <a:rPr lang="en-US" sz="2000" dirty="0"/>
-              <a:t>	</a:t>
-            </a:r>
-            <a:r>
-              <a:rPr lang="en-US" sz="2000" dirty="0" smtClean="0"/>
-              <a:t>	Lunch</a:t>
-            </a:r>
-            <a:r>
-              <a:rPr lang="en-US" sz="2000" dirty="0"/>
-              <a:t>	</a:t>
-            </a:r>
-          </a:p>
-          <a:p>
-            <a:pPr marL="114300" indent="0">
-              <a:buNone/>
-            </a:pPr>
-            <a:r>
-              <a:rPr lang="en-US" sz="2000" dirty="0" smtClean="0"/>
-              <a:t>13:00-14:15</a:t>
-            </a:r>
-            <a:r>
-              <a:rPr lang="en-US" sz="2000" dirty="0"/>
-              <a:t>	</a:t>
-            </a:r>
-            <a:r>
-              <a:rPr lang="en-US" sz="2000" dirty="0" smtClean="0"/>
-              <a:t>	Submitting </a:t>
-            </a:r>
-            <a:r>
-              <a:rPr lang="en-US" sz="2000" dirty="0"/>
-              <a:t>Jobs </a:t>
-            </a:r>
-            <a:r>
-              <a:rPr lang="en-US" sz="2000" dirty="0" smtClean="0"/>
-              <a:t>	</a:t>
-            </a:r>
-            <a:r>
-              <a:rPr lang="en-US" sz="2000" dirty="0"/>
-              <a:t>	Shelley </a:t>
-            </a:r>
-            <a:r>
-              <a:rPr lang="en-US" sz="2000" dirty="0" smtClean="0"/>
-              <a:t>Knuth</a:t>
-            </a:r>
-          </a:p>
-          <a:p>
-            <a:pPr marL="114300" indent="0">
-              <a:buNone/>
-            </a:pPr>
-            <a:r>
-              <a:rPr lang="en-US" sz="2000" dirty="0"/>
-              <a:t>	</a:t>
-            </a:r>
-            <a:r>
-              <a:rPr lang="en-US" sz="2000" dirty="0" smtClean="0"/>
-              <a:t>		to </a:t>
-            </a:r>
-            <a:r>
-              <a:rPr lang="en-US" sz="2000" dirty="0"/>
-              <a:t>the Supercomputer</a:t>
-            </a:r>
-          </a:p>
-          <a:p>
-            <a:pPr marL="114300" indent="0">
-              <a:buNone/>
-            </a:pPr>
-            <a:r>
-              <a:rPr lang="en-US" sz="2000" dirty="0" smtClean="0"/>
-              <a:t>14:15-14:30</a:t>
-            </a:r>
-            <a:r>
-              <a:rPr lang="en-US" sz="2000" dirty="0"/>
-              <a:t>	</a:t>
-            </a:r>
-            <a:r>
-              <a:rPr lang="en-US" sz="2000" dirty="0" smtClean="0"/>
-              <a:t>	Break</a:t>
-            </a:r>
-            <a:r>
-              <a:rPr lang="en-US" sz="2000" dirty="0"/>
-              <a:t>	</a:t>
-            </a:r>
-          </a:p>
-          <a:p>
-            <a:pPr marL="114300" indent="0">
-              <a:buNone/>
-            </a:pPr>
-            <a:r>
-              <a:rPr lang="en-US" sz="2000" dirty="0" smtClean="0"/>
-              <a:t>14:30-15:45</a:t>
-            </a:r>
-            <a:r>
-              <a:rPr lang="en-US" sz="2000" dirty="0"/>
-              <a:t>	</a:t>
-            </a:r>
-            <a:r>
-              <a:rPr lang="en-US" sz="2000" dirty="0" smtClean="0"/>
-              <a:t>	Installing </a:t>
-            </a:r>
-            <a:r>
-              <a:rPr lang="en-US" sz="2000" dirty="0"/>
-              <a:t>and Building </a:t>
-            </a:r>
-            <a:r>
-              <a:rPr lang="en-US" sz="2000" dirty="0" smtClean="0"/>
-              <a:t>	</a:t>
-            </a:r>
-            <a:r>
-              <a:rPr lang="en-US" sz="2000" dirty="0"/>
-              <a:t>	</a:t>
-            </a:r>
-            <a:r>
-              <a:rPr lang="en-US" sz="2000" dirty="0" smtClean="0"/>
-              <a:t>Tim Dunn</a:t>
-            </a:r>
-          </a:p>
-          <a:p>
-            <a:pPr marL="114300" indent="0">
-              <a:buNone/>
-            </a:pPr>
-            <a:r>
-              <a:rPr lang="en-US" sz="2000" dirty="0"/>
-              <a:t>	</a:t>
-            </a:r>
-            <a:r>
-              <a:rPr lang="en-US" sz="2000" dirty="0" smtClean="0"/>
-              <a:t>		Software</a:t>
-            </a:r>
-            <a:endParaRPr lang="en-US" sz="2000" dirty="0"/>
-          </a:p>
-          <a:p>
-            <a:pPr marL="114300" indent="0">
-              <a:buNone/>
-            </a:pPr>
-            <a:r>
-              <a:rPr lang="en-US" sz="2000" dirty="0" smtClean="0"/>
-              <a:t>15:45-16:00</a:t>
-            </a:r>
-            <a:r>
-              <a:rPr lang="en-US" sz="2000" dirty="0"/>
-              <a:t>	</a:t>
-            </a:r>
-            <a:r>
-              <a:rPr lang="en-US" sz="2000" dirty="0" smtClean="0"/>
-              <a:t>	Break</a:t>
-            </a:r>
-            <a:r>
-              <a:rPr lang="en-US" sz="2000" dirty="0"/>
-              <a:t>	</a:t>
-            </a:r>
-          </a:p>
-          <a:p>
-            <a:pPr marL="114300" indent="0">
-              <a:buNone/>
-            </a:pPr>
-            <a:r>
-              <a:rPr lang="en-US" sz="2000" dirty="0" smtClean="0"/>
-              <a:t>16:00-17:15</a:t>
-            </a:r>
-            <a:r>
-              <a:rPr lang="en-US" sz="2000" dirty="0"/>
-              <a:t>	</a:t>
-            </a:r>
-            <a:r>
-              <a:rPr lang="en-US" sz="2000" dirty="0" smtClean="0"/>
-              <a:t>	How </a:t>
-            </a:r>
-            <a:r>
-              <a:rPr lang="en-US" sz="2000" dirty="0"/>
-              <a:t>Can I Move and </a:t>
-            </a:r>
-            <a:r>
-              <a:rPr lang="en-US" sz="2000" dirty="0" smtClean="0"/>
-              <a:t>	</a:t>
-            </a:r>
-            <a:r>
-              <a:rPr lang="en-US" sz="2000" dirty="0"/>
-              <a:t>	Max </a:t>
-            </a:r>
-            <a:r>
-              <a:rPr lang="en-US" sz="2000" dirty="0" smtClean="0"/>
-              <a:t>Joseph</a:t>
-            </a:r>
-          </a:p>
-          <a:p>
-            <a:pPr marL="777240" lvl="2" indent="0">
-              <a:buNone/>
-            </a:pPr>
-            <a:r>
-              <a:rPr lang="en-US" dirty="0"/>
-              <a:t>	</a:t>
-            </a:r>
-            <a:r>
-              <a:rPr lang="en-US" dirty="0" smtClean="0"/>
-              <a:t>		Store </a:t>
-            </a:r>
-            <a:r>
-              <a:rPr lang="en-US" dirty="0"/>
-              <a:t>All that Data?</a:t>
-            </a:r>
-          </a:p>
-        </p:txBody>
-      </p:sp>
-      <p:sp>
-        <p:nvSpPr>
-          <p:cNvPr id="4" name="Date Placeholder 3"/>
-          <p:cNvSpPr>
-            <a:spLocks noGrp="1"/>
-          </p:cNvSpPr>
-          <p:nvPr>
-            <p:ph type="dt" sz="half" idx="10"/>
-          </p:nvPr>
-        </p:nvSpPr>
-        <p:spPr/>
-        <p:txBody>
-          <a:bodyPr/>
-          <a:lstStyle/>
-          <a:p>
-            <a:r>
-              <a:rPr lang="en-US" smtClean="0"/>
-              <a:t>2016</a:t>
-            </a:r>
-            <a:endParaRPr lang="en-US" dirty="0"/>
-          </a:p>
-        </p:txBody>
-      </p:sp>
-      <p:sp>
-        <p:nvSpPr>
-          <p:cNvPr id="5" name="Footer Placeholder 4"/>
-          <p:cNvSpPr>
-            <a:spLocks noGrp="1"/>
-          </p:cNvSpPr>
-          <p:nvPr>
-            <p:ph type="ftr" sz="quarter" idx="11"/>
-          </p:nvPr>
-        </p:nvSpPr>
-        <p:spPr/>
-        <p:txBody>
-          <a:bodyPr/>
-          <a:lstStyle/>
-          <a:p>
-            <a:r>
-              <a:rPr lang="en-US" smtClean="0"/>
-              <a:t>Basics of Supercomputing</a:t>
-            </a:r>
-            <a:endParaRPr lang="en-US" dirty="0"/>
-          </a:p>
-        </p:txBody>
-      </p:sp>
-      <p:sp>
-        <p:nvSpPr>
-          <p:cNvPr id="6" name="Slide Number Placeholder 5"/>
-          <p:cNvSpPr>
-            <a:spLocks noGrp="1"/>
-          </p:cNvSpPr>
-          <p:nvPr>
-            <p:ph type="sldNum" sz="quarter" idx="4"/>
-          </p:nvPr>
-        </p:nvSpPr>
-        <p:spPr/>
-        <p:txBody>
-          <a:bodyPr/>
-          <a:lstStyle/>
-          <a:p>
-            <a:fld id="{249E94F7-107C-CE46-8C56-9CACFF99CD93}" type="slidenum">
-              <a:rPr lang="en-US" smtClean="0"/>
-              <a:pPr/>
-              <a:t>4</a:t>
-            </a:fld>
-            <a:endParaRPr lang="en-US" dirty="0"/>
-          </a:p>
-        </p:txBody>
-      </p:sp>
-    </p:spTree>
-    <p:extLst>
-      <p:ext uri="{BB962C8B-B14F-4D97-AF65-F5344CB8AC3E}">
-        <p14:creationId xmlns:p14="http://schemas.microsoft.com/office/powerpoint/2010/main" val="1412836078"/>
-      </p:ext>
-    </p:extLst>
-  </p:cSld>
-  <p:clrMapOvr>
-    <a:masterClrMapping/>
-  </p:clrMapOvr>
-</p:sld>
-</file>
-
 <file path=ppt/slides/slide5.xml><?xml version="1.0" encoding="utf-8"?>
 <p:sld xmlns:a="http://schemas.openxmlformats.org/drawingml/2006/main" xmlns:r="http://schemas.openxmlformats.org/officeDocument/2006/relationships" xmlns:p="http://schemas.openxmlformats.org/presentationml/2006/main">
   <p:cSld>
@@ -12211,7 +11707,7 @@
           <a:p>
             <a:r>
               <a:rPr lang="en-US" dirty="0" smtClean="0"/>
-              <a:t>Agenda – Day 2</a:t>
+              <a:t>Agenda – Day 1</a:t>
             </a:r>
             <a:endParaRPr lang="en-US" dirty="0"/>
           </a:p>
@@ -12227,15 +11723,10 @@
             <p:ph idx="1"/>
           </p:nvPr>
         </p:nvSpPr>
-        <p:spPr>
-          <a:xfrm>
-            <a:off x="457199" y="1481177"/>
-            <a:ext cx="8271165" cy="4969810"/>
-          </a:xfrm>
-        </p:spPr>
+        <p:spPr/>
         <p:txBody>
           <a:bodyPr>
-            <a:normAutofit/>
+            <a:normAutofit lnSpcReduction="10000"/>
           </a:bodyPr>
           <a:lstStyle/>
           <a:p>
@@ -12248,29 +11739,24 @@
             </a:r>
             <a:r>
               <a:rPr lang="en-US" sz="2000" dirty="0"/>
-              <a:t>		</a:t>
+              <a:t>	</a:t>
             </a:r>
             <a:r>
               <a:rPr lang="en-US" sz="2000" dirty="0" smtClean="0"/>
-              <a:t>What's Different</a:t>
+              <a:t>	What </a:t>
             </a:r>
             <a:r>
               <a:rPr lang="en-US" sz="2000" dirty="0"/>
-              <a:t>	</a:t>
+              <a:t>is a Supercomputer?	</a:t>
             </a:r>
             <a:r>
               <a:rPr lang="en-US" sz="2000" dirty="0" smtClean="0"/>
-              <a:t> About		</a:t>
-            </a:r>
-            <a:r>
-              <a:rPr lang="en-US" sz="2000" smtClean="0"/>
-              <a:t>Pete </a:t>
-            </a:r>
-            <a:r>
-              <a:rPr lang="en-US" sz="2000" dirty="0" err="1" smtClean="0"/>
-              <a:t>Ruprecht</a:t>
-            </a:r>
-            <a:endParaRPr lang="en-US" sz="2000" dirty="0" smtClean="0"/>
+              <a:t>Shelley </a:t>
+            </a:r>
+            <a:r>
+              <a:rPr lang="en-US" sz="2000" dirty="0"/>
+              <a:t>Knuth</a:t>
+            </a:r>
           </a:p>
           <a:p>
             <a:pPr marL="114300" indent="0">
@@ -12278,15 +11764,15 @@
             </a:pPr>
             <a:r>
               <a:rPr lang="en-US" sz="2000" dirty="0"/>
+              <a:t>10:15-10:30	</a:t>
+            </a:r>
+            <a:r>
+              <a:rPr lang="en-US" sz="2000" dirty="0" smtClean="0"/>
+              <a:t>	Break</a:t>
+            </a:r>
+            <a:r>
+              <a:rPr lang="en-US" sz="2000" dirty="0"/>
               <a:t>	</a:t>
-            </a:r>
-            <a:r>
-              <a:rPr lang="en-US" sz="2000" dirty="0" smtClean="0"/>
-              <a:t>		Summit</a:t>
-            </a:r>
-            <a:r>
-              <a:rPr lang="en-US" sz="2000" dirty="0"/>
-              <a:t>?	</a:t>
             </a:r>
           </a:p>
           <a:p>
@@ -12295,15 +11781,27 @@
             </a:pPr>
             <a:r>
               <a:rPr lang="en-US" sz="2000" dirty="0"/>
-              <a:t>10:15-10:30	</a:t>
+              <a:t>10:30-11:45	</a:t>
             </a:r>
             <a:r>
               <a:rPr lang="en-US" sz="2000" dirty="0" smtClean="0"/>
-              <a:t>	Break</a:t>
+              <a:t>	Getting </a:t>
+            </a:r>
+            <a:r>
+              <a:rPr lang="en-US" sz="2000" dirty="0"/>
+              <a:t>to Know </a:t>
+            </a:r>
+            <a:r>
+              <a:rPr lang="en-US" sz="2000" dirty="0" smtClean="0"/>
+              <a:t>	</a:t>
             </a:r>
             <a:r>
               <a:rPr lang="en-US" sz="2000" dirty="0"/>
               <a:t>	</a:t>
+            </a:r>
+            <a:r>
+              <a:rPr lang="en-US" sz="2000" dirty="0" smtClean="0"/>
+              <a:t>Max Joseph</a:t>
             </a:r>
           </a:p>
           <a:p>
@@ -12312,19 +11810,15 @@
             </a:pPr>
             <a:r>
               <a:rPr lang="en-US" sz="2000" dirty="0"/>
-              <a:t>10:30-11:45	</a:t>
+              <a:t>	</a:t>
             </a:r>
             <a:r>
               <a:rPr lang="en-US" sz="2000" dirty="0" smtClean="0"/>
-              <a:t>	Using </a:t>
+              <a:t>		the </a:t>
             </a:r>
             <a:r>
               <a:rPr lang="en-US" sz="2000" dirty="0"/>
-              <a:t>the </a:t>
-            </a:r>
-            <a:r>
-              <a:rPr lang="en-US" sz="2000" dirty="0" smtClean="0"/>
-              <a:t>Supercomputer	Tim Dunn</a:t>
+              <a:t>Command Line</a:t>
             </a:r>
           </a:p>
           <a:p>
@@ -12333,11 +11827,19 @@
             </a:pPr>
             <a:r>
               <a:rPr lang="en-US" sz="2000" dirty="0" smtClean="0"/>
-              <a:t>			from </a:t>
+              <a:t>11:45-13:00</a:t>
             </a:r>
             <a:r>
               <a:rPr lang="en-US" sz="2000" dirty="0"/>
-              <a:t>a Website</a:t>
+              <a:t>	</a:t>
+            </a:r>
+            <a:r>
+              <a:rPr lang="en-US" sz="2000" dirty="0" smtClean="0"/>
+              <a:t>	Lunch</a:t>
+            </a:r>
+            <a:r>
+              <a:rPr lang="en-US" sz="2000" dirty="0"/>
+              <a:t>	</a:t>
             </a:r>
           </a:p>
           <a:p>
@@ -12346,7 +11848,7 @@
             </a:pPr>
             <a:r>
               <a:rPr lang="en-US" sz="2000" dirty="0" smtClean="0"/>
-              <a:t>11:45-13:00</a:t>
+              <a:t>13:00-14:15</a:t>
             </a:r>
             <a:r>
               <a:rPr lang="en-US" sz="2000" dirty="0"/>
@@ -12354,11 +11856,23 @@
             </a:r>
             <a:r>
               <a:rPr lang="en-US" sz="2000" dirty="0" smtClean="0"/>
-              <a:t>	Lunch</a:t>
+              <a:t>	Submitting </a:t>
             </a:r>
             <a:r>
               <a:rPr lang="en-US" sz="2000" dirty="0"/>
+              <a:t>Jobs </a:t>
+            </a:r>
+            <a:r>
+              <a:rPr lang="en-US" sz="2000" dirty="0" smtClean="0"/>
               <a:t>	</a:t>
+            </a:r>
+            <a:r>
+              <a:rPr lang="en-US" sz="2000" dirty="0"/>
+              <a:t>	Shelley </a:t>
+            </a:r>
+            <a:r>
+              <a:rPr lang="en-US" sz="2000" dirty="0" smtClean="0"/>
+              <a:t>Knuth</a:t>
             </a:r>
           </a:p>
           <a:p>
@@ -12366,24 +11880,16 @@
               <a:buNone/>
             </a:pPr>
             <a:r>
-              <a:rPr lang="en-US" sz="2000" dirty="0" smtClean="0"/>
-              <a:t>13:00-14:15</a:t>
-            </a:r>
-            <a:r>
               <a:rPr lang="en-US" sz="2000" dirty="0"/>
               <a:t>	</a:t>
             </a:r>
             <a:r>
               <a:rPr lang="en-US" sz="2000" dirty="0" smtClean="0"/>
-              <a:t>	What </a:t>
+              <a:t>		to </a:t>
             </a:r>
             <a:r>
               <a:rPr lang="en-US" sz="2000" dirty="0"/>
-              <a:t>is this Parallel 	</a:t>
-            </a:r>
-            <a:r>
-              <a:rPr lang="en-US" sz="2000" dirty="0" smtClean="0"/>
-              <a:t>	Shelley Knuth</a:t>
+              <a:t>the Supercomputer</a:t>
             </a:r>
           </a:p>
           <a:p>
@@ -12391,16 +11897,20 @@
               <a:buNone/>
             </a:pPr>
             <a:r>
+              <a:rPr lang="en-US" sz="2000" dirty="0" smtClean="0"/>
+              <a:t>14:15-14:30</a:t>
+            </a:r>
+            <a:r>
               <a:rPr lang="en-US" sz="2000" dirty="0"/>
               <a:t>	</a:t>
             </a:r>
             <a:r>
               <a:rPr lang="en-US" sz="2000" dirty="0" smtClean="0"/>
-              <a:t>		Computing </a:t>
+              <a:t>	Break</a:t>
             </a:r>
             <a:r>
               <a:rPr lang="en-US" sz="2000" dirty="0"/>
-              <a:t>Thing?</a:t>
+              <a:t>	</a:t>
             </a:r>
           </a:p>
           <a:p>
@@ -12409,7 +11919,7 @@
             </a:pPr>
             <a:r>
               <a:rPr lang="en-US" sz="2000" dirty="0" smtClean="0"/>
-              <a:t>14:15-14:30</a:t>
+              <a:t>14:30-15:45</a:t>
             </a:r>
             <a:r>
               <a:rPr lang="en-US" sz="2000" dirty="0"/>
@@ -12417,11 +11927,23 @@
             </a:r>
             <a:r>
               <a:rPr lang="en-US" sz="2000" dirty="0" smtClean="0"/>
-              <a:t>	Break</a:t>
+              <a:t>	Installing </a:t>
+            </a:r>
+            <a:r>
+              <a:rPr lang="en-US" sz="2000" dirty="0"/>
+              <a:t>and Building </a:t>
+            </a:r>
+            <a:r>
+              <a:rPr lang="en-US" sz="2000" dirty="0" smtClean="0"/>
+              <a:t>	</a:t>
             </a:r>
             <a:r>
               <a:rPr lang="en-US" sz="2000" dirty="0"/>
               <a:t>	</a:t>
+            </a:r>
+            <a:r>
+              <a:rPr lang="en-US" sz="2000" dirty="0" smtClean="0"/>
+              <a:t>Tim Dunn</a:t>
             </a:r>
           </a:p>
           <a:p>
@@ -12429,57 +11951,34 @@
               <a:buNone/>
             </a:pPr>
             <a:r>
-              <a:rPr lang="en-US" sz="2000" dirty="0" smtClean="0"/>
-              <a:t>14:30-15:45</a:t>
-            </a:r>
-            <a:r>
               <a:rPr lang="en-US" sz="2000" dirty="0"/>
               <a:t>	</a:t>
             </a:r>
             <a:r>
               <a:rPr lang="en-US" sz="2000" dirty="0" smtClean="0"/>
-              <a:t>	Efficient </a:t>
-            </a:r>
-            <a:r>
-              <a:rPr lang="en-US" sz="2000" dirty="0"/>
-              <a:t>Submission </a:t>
-            </a:r>
-            <a:r>
-              <a:rPr lang="en-US" sz="2000" dirty="0" smtClean="0"/>
-              <a:t>of</a:t>
-            </a:r>
-            <a:r>
-              <a:rPr lang="en-US" sz="2000" dirty="0"/>
-              <a:t>	</a:t>
-            </a:r>
-            <a:r>
-              <a:rPr lang="en-US" sz="2000" i="1" dirty="0"/>
-              <a:t> </a:t>
-            </a:r>
-            <a:r>
-              <a:rPr lang="en-US" sz="2000" i="1" dirty="0" smtClean="0"/>
-              <a:t>	</a:t>
-            </a:r>
-            <a:r>
-              <a:rPr lang="en-US" sz="2000" dirty="0" smtClean="0"/>
-              <a:t>Aaron Holt</a:t>
-            </a:r>
+              <a:t>		Software</a:t>
+            </a:r>
+            <a:endParaRPr lang="en-US" sz="2000" dirty="0"/>
           </a:p>
           <a:p>
             <a:pPr marL="114300" indent="0">
               <a:buNone/>
             </a:pPr>
             <a:r>
+              <a:rPr lang="en-US" sz="2000" dirty="0" smtClean="0"/>
+              <a:t>15:45-16:00</a:t>
+            </a:r>
+            <a:r>
               <a:rPr lang="en-US" sz="2000" dirty="0"/>
               <a:t>	</a:t>
             </a:r>
             <a:r>
               <a:rPr lang="en-US" sz="2000" dirty="0" smtClean="0"/>
-              <a:t>		Serial </a:t>
+              <a:t>	Break</a:t>
             </a:r>
             <a:r>
               <a:rPr lang="en-US" sz="2000" dirty="0"/>
-              <a:t>Jobs</a:t>
+              <a:t>	</a:t>
             </a:r>
           </a:p>
           <a:p>
@@ -12488,7 +11987,7 @@
             </a:pPr>
             <a:r>
               <a:rPr lang="en-US" sz="2000" dirty="0" smtClean="0"/>
-              <a:t>15:45-16:00</a:t>
+              <a:t>16:00-17:15</a:t>
             </a:r>
             <a:r>
               <a:rPr lang="en-US" sz="2000" dirty="0"/>
@@ -12496,43 +11995,41 @@
             </a:r>
             <a:r>
               <a:rPr lang="en-US" sz="2000" dirty="0" smtClean="0"/>
-              <a:t>	Break</a:t>
+              <a:t>	How </a:t>
             </a:r>
             <a:r>
               <a:rPr lang="en-US" sz="2000" dirty="0"/>
+              <a:t>Can I Move and </a:t>
+            </a:r>
+            <a:r>
+              <a:rPr lang="en-US" sz="2000" dirty="0" smtClean="0"/>
               <a:t>	</a:t>
             </a:r>
-          </a:p>
-          <a:p>
-            <a:pPr marL="114300" indent="0">
-              <a:buNone/>
-            </a:pPr>
+            <a:r>
+              <a:rPr lang="en-US" sz="2000" dirty="0"/>
+              <a:t>	Max </a:t>
+            </a:r>
             <a:r>
               <a:rPr lang="en-US" sz="2000" dirty="0" smtClean="0"/>
-              <a:t>16:00-17:15</a:t>
-            </a:r>
-            <a:r>
-              <a:rPr lang="en-US" sz="2000" dirty="0"/>
-              <a:t>	</a:t>
-            </a:r>
-            <a:r>
-              <a:rPr lang="en-US" sz="2000" dirty="0" smtClean="0"/>
-              <a:t>	How </a:t>
-            </a:r>
-            <a:r>
-              <a:rPr lang="en-US" sz="2000" dirty="0"/>
-              <a:t>to Parallel </a:t>
-            </a:r>
-            <a:r>
-              <a:rPr lang="en-US" sz="2000" dirty="0" smtClean="0"/>
-              <a:t>Program	Shelley Knuth</a:t>
+              <a:t>Joseph</a:t>
             </a:r>
           </a:p>
           <a:p>
             <a:pPr marL="777240" lvl="2" indent="0">
               <a:buNone/>
             </a:pPr>
-            <a:endParaRPr lang="en-US" dirty="0"/>
+            <a:r>
+              <a:rPr lang="en-US" dirty="0"/>
+              <a:t>	</a:t>
+            </a:r>
+            <a:r>
+              <a:rPr lang="en-US" dirty="0" smtClean="0"/>
+              <a:t>		Store </a:t>
+            </a:r>
+            <a:r>
+              <a:rPr lang="en-US" dirty="0"/>
+              <a:t>All that Data?</a:t>
+            </a:r>
           </a:p>
         </p:txBody>
       </p:sp>
@@ -12609,7 +12106,7 @@
     </p:spTree>
     <p:extLst>
       <p:ext uri="{BB962C8B-B14F-4D97-AF65-F5344CB8AC3E}">
-        <p14:creationId xmlns:p14="http://schemas.microsoft.com/office/powerpoint/2010/main" val="428620035"/>
+        <p14:creationId xmlns:p14="http://schemas.microsoft.com/office/powerpoint/2010/main" val="1412836078"/>
       </p:ext>
     </p:extLst>
   </p:cSld>
@@ -12652,6 +12149,448 @@
           <a:lstStyle/>
           <a:p>
             <a:r>
+              <a:rPr lang="en-US" dirty="0" smtClean="0"/>
+              <a:t>Agenda – Day 2</a:t>
+            </a:r>
+            <a:endParaRPr lang="en-US" dirty="0"/>
+          </a:p>
+        </p:txBody>
+      </p:sp>
+      <p:sp>
+        <p:nvSpPr>
+          <p:cNvPr id="3" name="Content Placeholder 2"/>
+          <p:cNvSpPr>
+            <a:spLocks noGrp="1"/>
+          </p:cNvSpPr>
+          <p:nvPr>
+            <p:ph idx="1"/>
+          </p:nvPr>
+        </p:nvSpPr>
+        <p:spPr>
+          <a:xfrm>
+            <a:off x="457199" y="1481177"/>
+            <a:ext cx="8271165" cy="4969810"/>
+          </a:xfrm>
+        </p:spPr>
+        <p:txBody>
+          <a:bodyPr>
+            <a:normAutofit/>
+          </a:bodyPr>
+          <a:lstStyle/>
+          <a:p>
+            <a:pPr marL="114300" indent="0">
+              <a:buNone/>
+            </a:pPr>
+            <a:r>
+              <a:rPr lang="en-US" sz="2000" dirty="0" smtClean="0"/>
+              <a:t>09:00-10:15</a:t>
+            </a:r>
+            <a:r>
+              <a:rPr lang="en-US" sz="2000" dirty="0"/>
+              <a:t>		</a:t>
+            </a:r>
+            <a:r>
+              <a:rPr lang="en-US" sz="2000" dirty="0" smtClean="0"/>
+              <a:t>What's Different</a:t>
+            </a:r>
+            <a:r>
+              <a:rPr lang="en-US" sz="2000" dirty="0"/>
+              <a:t>	</a:t>
+            </a:r>
+            <a:r>
+              <a:rPr lang="en-US" sz="2000" dirty="0" smtClean="0"/>
+              <a:t> About		</a:t>
+            </a:r>
+            <a:r>
+              <a:rPr lang="en-US" sz="2000" smtClean="0"/>
+              <a:t>Pete </a:t>
+            </a:r>
+            <a:r>
+              <a:rPr lang="en-US" sz="2000" dirty="0" err="1" smtClean="0"/>
+              <a:t>Ruprecht</a:t>
+            </a:r>
+            <a:endParaRPr lang="en-US" sz="2000" dirty="0" smtClean="0"/>
+          </a:p>
+          <a:p>
+            <a:pPr marL="114300" indent="0">
+              <a:buNone/>
+            </a:pPr>
+            <a:r>
+              <a:rPr lang="en-US" sz="2000" dirty="0"/>
+              <a:t>	</a:t>
+            </a:r>
+            <a:r>
+              <a:rPr lang="en-US" sz="2000" dirty="0" smtClean="0"/>
+              <a:t>		Summit</a:t>
+            </a:r>
+            <a:r>
+              <a:rPr lang="en-US" sz="2000" dirty="0"/>
+              <a:t>?	</a:t>
+            </a:r>
+          </a:p>
+          <a:p>
+            <a:pPr marL="114300" indent="0">
+              <a:buNone/>
+            </a:pPr>
+            <a:r>
+              <a:rPr lang="en-US" sz="2000" dirty="0"/>
+              <a:t>10:15-10:30	</a:t>
+            </a:r>
+            <a:r>
+              <a:rPr lang="en-US" sz="2000" dirty="0" smtClean="0"/>
+              <a:t>	Break</a:t>
+            </a:r>
+            <a:r>
+              <a:rPr lang="en-US" sz="2000" dirty="0"/>
+              <a:t>	</a:t>
+            </a:r>
+          </a:p>
+          <a:p>
+            <a:pPr marL="114300" indent="0">
+              <a:buNone/>
+            </a:pPr>
+            <a:r>
+              <a:rPr lang="en-US" sz="2000" dirty="0"/>
+              <a:t>10:30-11:45	</a:t>
+            </a:r>
+            <a:r>
+              <a:rPr lang="en-US" sz="2000" dirty="0" smtClean="0"/>
+              <a:t>	Using </a:t>
+            </a:r>
+            <a:r>
+              <a:rPr lang="en-US" sz="2000" dirty="0"/>
+              <a:t>the </a:t>
+            </a:r>
+            <a:r>
+              <a:rPr lang="en-US" sz="2000" dirty="0" smtClean="0"/>
+              <a:t>Supercomputer	Tim Dunn</a:t>
+            </a:r>
+          </a:p>
+          <a:p>
+            <a:pPr marL="114300" indent="0">
+              <a:buNone/>
+            </a:pPr>
+            <a:r>
+              <a:rPr lang="en-US" sz="2000" dirty="0" smtClean="0"/>
+              <a:t>			from </a:t>
+            </a:r>
+            <a:r>
+              <a:rPr lang="en-US" sz="2000" dirty="0"/>
+              <a:t>a Website</a:t>
+            </a:r>
+          </a:p>
+          <a:p>
+            <a:pPr marL="114300" indent="0">
+              <a:buNone/>
+            </a:pPr>
+            <a:r>
+              <a:rPr lang="en-US" sz="2000" dirty="0" smtClean="0"/>
+              <a:t>11:45-13:00</a:t>
+            </a:r>
+            <a:r>
+              <a:rPr lang="en-US" sz="2000" dirty="0"/>
+              <a:t>	</a:t>
+            </a:r>
+            <a:r>
+              <a:rPr lang="en-US" sz="2000" dirty="0" smtClean="0"/>
+              <a:t>	Lunch</a:t>
+            </a:r>
+            <a:r>
+              <a:rPr lang="en-US" sz="2000" dirty="0"/>
+              <a:t>	</a:t>
+            </a:r>
+          </a:p>
+          <a:p>
+            <a:pPr marL="114300" indent="0">
+              <a:buNone/>
+            </a:pPr>
+            <a:r>
+              <a:rPr lang="en-US" sz="2000" dirty="0" smtClean="0"/>
+              <a:t>13:00-14:15</a:t>
+            </a:r>
+            <a:r>
+              <a:rPr lang="en-US" sz="2000" dirty="0"/>
+              <a:t>	</a:t>
+            </a:r>
+            <a:r>
+              <a:rPr lang="en-US" sz="2000" dirty="0" smtClean="0"/>
+              <a:t>	What </a:t>
+            </a:r>
+            <a:r>
+              <a:rPr lang="en-US" sz="2000" dirty="0"/>
+              <a:t>is this Parallel 	</a:t>
+            </a:r>
+            <a:r>
+              <a:rPr lang="en-US" sz="2000" dirty="0" smtClean="0"/>
+              <a:t>	Shelley Knuth</a:t>
+            </a:r>
+          </a:p>
+          <a:p>
+            <a:pPr marL="114300" indent="0">
+              <a:buNone/>
+            </a:pPr>
+            <a:r>
+              <a:rPr lang="en-US" sz="2000" dirty="0"/>
+              <a:t>	</a:t>
+            </a:r>
+            <a:r>
+              <a:rPr lang="en-US" sz="2000" dirty="0" smtClean="0"/>
+              <a:t>		Computing </a:t>
+            </a:r>
+            <a:r>
+              <a:rPr lang="en-US" sz="2000" dirty="0"/>
+              <a:t>Thing?</a:t>
+            </a:r>
+          </a:p>
+          <a:p>
+            <a:pPr marL="114300" indent="0">
+              <a:buNone/>
+            </a:pPr>
+            <a:r>
+              <a:rPr lang="en-US" sz="2000" dirty="0" smtClean="0"/>
+              <a:t>14:15-14:30</a:t>
+            </a:r>
+            <a:r>
+              <a:rPr lang="en-US" sz="2000" dirty="0"/>
+              <a:t>	</a:t>
+            </a:r>
+            <a:r>
+              <a:rPr lang="en-US" sz="2000" dirty="0" smtClean="0"/>
+              <a:t>	Break</a:t>
+            </a:r>
+            <a:r>
+              <a:rPr lang="en-US" sz="2000" dirty="0"/>
+              <a:t>	</a:t>
+            </a:r>
+          </a:p>
+          <a:p>
+            <a:pPr marL="114300" indent="0">
+              <a:buNone/>
+            </a:pPr>
+            <a:r>
+              <a:rPr lang="en-US" sz="2000" dirty="0" smtClean="0"/>
+              <a:t>14:30-15:45</a:t>
+            </a:r>
+            <a:r>
+              <a:rPr lang="en-US" sz="2000" dirty="0"/>
+              <a:t>	</a:t>
+            </a:r>
+            <a:r>
+              <a:rPr lang="en-US" sz="2000" dirty="0" smtClean="0"/>
+              <a:t>	Efficient </a:t>
+            </a:r>
+            <a:r>
+              <a:rPr lang="en-US" sz="2000" dirty="0"/>
+              <a:t>Submission </a:t>
+            </a:r>
+            <a:r>
+              <a:rPr lang="en-US" sz="2000" dirty="0" smtClean="0"/>
+              <a:t>of</a:t>
+            </a:r>
+            <a:r>
+              <a:rPr lang="en-US" sz="2000" dirty="0"/>
+              <a:t>	</a:t>
+            </a:r>
+            <a:r>
+              <a:rPr lang="en-US" sz="2000" i="1" dirty="0"/>
+              <a:t> </a:t>
+            </a:r>
+            <a:r>
+              <a:rPr lang="en-US" sz="2000" i="1" dirty="0" smtClean="0"/>
+              <a:t>	</a:t>
+            </a:r>
+            <a:r>
+              <a:rPr lang="en-US" sz="2000" dirty="0" smtClean="0"/>
+              <a:t>Aaron Holt</a:t>
+            </a:r>
+          </a:p>
+          <a:p>
+            <a:pPr marL="114300" indent="0">
+              <a:buNone/>
+            </a:pPr>
+            <a:r>
+              <a:rPr lang="en-US" sz="2000" dirty="0"/>
+              <a:t>	</a:t>
+            </a:r>
+            <a:r>
+              <a:rPr lang="en-US" sz="2000" dirty="0" smtClean="0"/>
+              <a:t>		Serial </a:t>
+            </a:r>
+            <a:r>
+              <a:rPr lang="en-US" sz="2000" dirty="0"/>
+              <a:t>Jobs</a:t>
+            </a:r>
+          </a:p>
+          <a:p>
+            <a:pPr marL="114300" indent="0">
+              <a:buNone/>
+            </a:pPr>
+            <a:r>
+              <a:rPr lang="en-US" sz="2000" dirty="0" smtClean="0"/>
+              <a:t>15:45-16:00</a:t>
+            </a:r>
+            <a:r>
+              <a:rPr lang="en-US" sz="2000" dirty="0"/>
+              <a:t>	</a:t>
+            </a:r>
+            <a:r>
+              <a:rPr lang="en-US" sz="2000" dirty="0" smtClean="0"/>
+              <a:t>	Break</a:t>
+            </a:r>
+            <a:r>
+              <a:rPr lang="en-US" sz="2000" dirty="0"/>
+              <a:t>	</a:t>
+            </a:r>
+          </a:p>
+          <a:p>
+            <a:pPr marL="114300" indent="0">
+              <a:buNone/>
+            </a:pPr>
+            <a:r>
+              <a:rPr lang="en-US" sz="2000" dirty="0" smtClean="0"/>
+              <a:t>16:00-17:15</a:t>
+            </a:r>
+            <a:r>
+              <a:rPr lang="en-US" sz="2000" dirty="0"/>
+              <a:t>	</a:t>
+            </a:r>
+            <a:r>
+              <a:rPr lang="en-US" sz="2000" dirty="0" smtClean="0"/>
+              <a:t>	How </a:t>
+            </a:r>
+            <a:r>
+              <a:rPr lang="en-US" sz="2000" dirty="0"/>
+              <a:t>to Parallel </a:t>
+            </a:r>
+            <a:r>
+              <a:rPr lang="en-US" sz="2000" dirty="0" smtClean="0"/>
+              <a:t>Program	Shelley Knuth</a:t>
+            </a:r>
+          </a:p>
+          <a:p>
+            <a:pPr marL="777240" lvl="2" indent="0">
+              <a:buNone/>
+            </a:pPr>
+            <a:endParaRPr lang="en-US" dirty="0"/>
+          </a:p>
+        </p:txBody>
+      </p:sp>
+      <p:sp>
+        <p:nvSpPr>
+          <p:cNvPr id="4" name="Date Placeholder 3"/>
+          <p:cNvSpPr>
+            <a:spLocks noGrp="1"/>
+          </p:cNvSpPr>
+          <p:nvPr>
+            <p:ph type="dt" sz="half" idx="10"/>
+          </p:nvPr>
+        </p:nvSpPr>
+        <p:spPr/>
+        <p:txBody>
+          <a:bodyPr/>
+          <a:lstStyle/>
+          <a:p>
+            <a:r>
+              <a:rPr lang="en-US" smtClean="0"/>
+              <a:t>2016</a:t>
+            </a:r>
+            <a:endParaRPr lang="en-US" dirty="0"/>
+          </a:p>
+        </p:txBody>
+      </p:sp>
+      <p:sp>
+        <p:nvSpPr>
+          <p:cNvPr id="5" name="Footer Placeholder 4"/>
+          <p:cNvSpPr>
+            <a:spLocks noGrp="1"/>
+          </p:cNvSpPr>
+          <p:nvPr>
+            <p:ph type="ftr" sz="quarter" idx="11"/>
+          </p:nvPr>
+        </p:nvSpPr>
+        <p:spPr/>
+        <p:txBody>
+          <a:bodyPr/>
+          <a:lstStyle/>
+          <a:p>
+            <a:r>
+              <a:rPr lang="en-US" smtClean="0"/>
+              <a:t>Basics of Supercomputing</a:t>
+            </a:r>
+            <a:endParaRPr lang="en-US" dirty="0"/>
+          </a:p>
+        </p:txBody>
+      </p:sp>
+      <p:sp>
+        <p:nvSpPr>
+          <p:cNvPr id="6" name="Slide Number Placeholder 5"/>
+          <p:cNvSpPr>
+            <a:spLocks noGrp="1"/>
+          </p:cNvSpPr>
+          <p:nvPr>
+            <p:ph type="sldNum" sz="quarter" idx="4"/>
+          </p:nvPr>
+        </p:nvSpPr>
+        <p:spPr/>
+        <p:txBody>
+          <a:bodyPr/>
+          <a:lstStyle/>
+          <a:p>
+            <a:fld id="{249E94F7-107C-CE46-8C56-9CACFF99CD93}" type="slidenum">
+              <a:rPr lang="en-US" smtClean="0"/>
+              <a:pPr/>
+              <a:t>6</a:t>
+            </a:fld>
+            <a:endParaRPr lang="en-US" dirty="0"/>
+          </a:p>
+        </p:txBody>
+      </p:sp>
+    </p:spTree>
+    <p:extLst>
+      <p:ext uri="{BB962C8B-B14F-4D97-AF65-F5344CB8AC3E}">
+        <p14:creationId xmlns:p14="http://schemas.microsoft.com/office/powerpoint/2010/main" val="428620035"/>
+      </p:ext>
+    </p:extLst>
+  </p:cSld>
+  <p:clrMapOvr>
+    <a:masterClrMapping/>
+  </p:clrMapOvr>
+</p:sld>
+</file>
+
+<file path=ppt/slides/slide7.xml><?xml version="1.0" encoding="utf-8"?>
+<p:sld xmlns:a="http://schemas.openxmlformats.org/drawingml/2006/main" xmlns:r="http://schemas.openxmlformats.org/officeDocument/2006/relationships" xmlns:p="http://schemas.openxmlformats.org/presentationml/2006/main">
+  <p:cSld>
+    <p:spTree>
+      <p:nvGrpSpPr>
+        <p:cNvPr id="1" name=""/>
+        <p:cNvGrpSpPr/>
+        <p:nvPr/>
+      </p:nvGrpSpPr>
+      <p:grpSpPr>
+        <a:xfrm>
+          <a:off x="0" y="0"/>
+          <a:ext cx="0" cy="0"/>
+          <a:chOff x="0" y="0"/>
+          <a:chExt cx="0" cy="0"/>
+        </a:xfrm>
+      </p:grpSpPr>
+      <p:sp>
+        <p:nvSpPr>
+          <p:cNvPr id="2" name="Title 1"/>
+          <p:cNvSpPr>
+            <a:spLocks noGrp="1"/>
+          </p:cNvSpPr>
+          <p:nvPr>
+            <p:ph type="title"/>
+          </p:nvPr>
+        </p:nvSpPr>
+        <p:spPr/>
+        <p:txBody>
+          <a:bodyPr/>
+          <a:lstStyle/>
+          <a:p>
+            <a:r>
               <a:rPr lang="en-US" smtClean="0"/>
               <a:t>What Is a Supercomputer?</a:t>
             </a:r>
@@ -12732,7 +12671,7 @@
             <a:fld id="{EF949900-B3E0-104D-B8A1-3D71ED0424D5}" type="datetime1">
               <a:rPr lang="en-US" smtClean="0"/>
               <a:pPr/>
-              <a:t>7/11/16</a:t>
+              <a:t>7/12/16</a:t>
             </a:fld>
             <a:endParaRPr lang="en-US"/>
           </a:p>
@@ -12779,7 +12718,7 @@
             <a:fld id="{718654E8-5BC9-7544-A602-FE2C9BCA3333}" type="slidenum">
               <a:rPr lang="en-US" smtClean="0"/>
               <a:pPr/>
-              <a:t>6</a:t>
+              <a:t>7</a:t>
             </a:fld>
             <a:endParaRPr lang="en-US"/>
           </a:p>
@@ -12805,7 +12744,7 @@
 </p:sld>
 </file>
 
-<file path=ppt/slides/slide7.xml><?xml version="1.0" encoding="utf-8"?>
+<file path=ppt/slides/slide8.xml><?xml version="1.0" encoding="utf-8"?>
 <p:sld xmlns:a="http://schemas.openxmlformats.org/drawingml/2006/main" xmlns:r="http://schemas.openxmlformats.org/officeDocument/2006/relationships" xmlns:p="http://schemas.openxmlformats.org/presentationml/2006/main">
   <p:cSld>
     <p:spTree>
@@ -12898,7 +12837,7 @@
             <a:fld id="{4178EB69-5DC7-4941-A4D8-03BFBAE889F5}" type="datetime1">
               <a:rPr lang="en-US" smtClean="0"/>
               <a:pPr/>
-              <a:t>7/11/16</a:t>
+              <a:t>7/12/16</a:t>
             </a:fld>
             <a:endParaRPr lang="en-US" dirty="0"/>
           </a:p>
@@ -12945,7 +12884,7 @@
             <a:fld id="{718654E8-5BC9-7544-A602-FE2C9BCA3333}" type="slidenum">
               <a:rPr lang="en-US" smtClean="0"/>
               <a:pPr/>
-              <a:t>7</a:t>
+              <a:t>8</a:t>
             </a:fld>
             <a:endParaRPr lang="en-US"/>
           </a:p>
@@ -13031,7 +12970,7 @@
 </p:sld>
 </file>
 
-<file path=ppt/slides/slide8.xml><?xml version="1.0" encoding="utf-8"?>
+<file path=ppt/slides/slide9.xml><?xml version="1.0" encoding="utf-8"?>
 <p:sld xmlns:a="http://schemas.openxmlformats.org/drawingml/2006/main" xmlns:r="http://schemas.openxmlformats.org/officeDocument/2006/relationships" xmlns:p="http://schemas.openxmlformats.org/presentationml/2006/main">
   <p:cSld>
     <p:spTree>
@@ -13124,7 +13063,7 @@
             <a:fld id="{14437B2C-4108-E944-8064-D42653089F3C}" type="datetime1">
               <a:rPr lang="en-US" smtClean="0"/>
               <a:pPr/>
-              <a:t>7/11/16</a:t>
+              <a:t>7/12/16</a:t>
             </a:fld>
             <a:endParaRPr lang="en-US" dirty="0"/>
           </a:p>
@@ -13171,7 +13110,7 @@
             <a:fld id="{718654E8-5BC9-7544-A602-FE2C9BCA3333}" type="slidenum">
               <a:rPr lang="en-US" smtClean="0"/>
               <a:pPr/>
-              <a:t>8</a:t>
+              <a:t>9</a:t>
             </a:fld>
             <a:endParaRPr lang="en-US"/>
           </a:p>
@@ -13235,182 +13174,6 @@
     <p:extLst>
       <p:ext uri="{BB962C8B-B14F-4D97-AF65-F5344CB8AC3E}">
         <p14:creationId xmlns:p14="http://schemas.microsoft.com/office/powerpoint/2010/main" val="1770407875"/>
-      </p:ext>
-    </p:extLst>
-  </p:cSld>
-  <p:clrMapOvr>
-    <a:masterClrMapping/>
-  </p:clrMapOvr>
-  <p:timing>
-    <p:tnLst>
-      <p:par>
-        <p:cTn id="1" dur="indefinite" restart="never" nodeType="tmRoot"/>
-      </p:par>
-    </p:tnLst>
-  </p:timing>
-</p:sld>
-</file>
-
-<file path=ppt/slides/slide9.xml><?xml version="1.0" encoding="utf-8"?>
-<p:sld xmlns:a="http://schemas.openxmlformats.org/drawingml/2006/main" xmlns:r="http://schemas.openxmlformats.org/officeDocument/2006/relationships" xmlns:p="http://schemas.openxmlformats.org/presentationml/2006/main">
-  <p:cSld>
-    <p:spTree>
-      <p:nvGrpSpPr>
-        <p:cNvPr id="1" name=""/>
-        <p:cNvGrpSpPr/>
-        <p:nvPr/>
-      </p:nvGrpSpPr>
-      <p:grpSpPr>
-        <a:xfrm>
-          <a:off x="0" y="0"/>
-          <a:ext cx="0" cy="0"/>
-          <a:chOff x="0" y="0"/>
-          <a:chExt cx="0" cy="0"/>
-        </a:xfrm>
-      </p:grpSpPr>
-      <p:sp>
-        <p:nvSpPr>
-          <p:cNvPr id="2" name="Title 1"/>
-          <p:cNvSpPr>
-            <a:spLocks noGrp="1"/>
-          </p:cNvSpPr>
-          <p:nvPr>
-            <p:ph type="title"/>
-          </p:nvPr>
-        </p:nvSpPr>
-        <p:spPr/>
-        <p:txBody>
-          <a:bodyPr/>
-          <a:lstStyle/>
-          <a:p>
-            <a:r>
-              <a:rPr lang="en-US" smtClean="0"/>
-              <a:t>Why Use a Supercomputer?</a:t>
-            </a:r>
-            <a:endParaRPr lang="en-US" dirty="0"/>
-          </a:p>
-        </p:txBody>
-      </p:sp>
-      <p:sp>
-        <p:nvSpPr>
-          <p:cNvPr id="3" name="Content Placeholder 2"/>
-          <p:cNvSpPr>
-            <a:spLocks noGrp="1"/>
-          </p:cNvSpPr>
-          <p:nvPr>
-            <p:ph idx="1"/>
-          </p:nvPr>
-        </p:nvSpPr>
-        <p:spPr/>
-        <p:txBody>
-          <a:bodyPr/>
-          <a:lstStyle/>
-          <a:p>
-            <a:r>
-              <a:rPr lang="en-US" dirty="0" smtClean="0"/>
-              <a:t>Supercomputers give you the opportunity to solve problems that are too complex for the desktop</a:t>
-            </a:r>
-          </a:p>
-          <a:p>
-            <a:pPr lvl="1"/>
-            <a:r>
-              <a:rPr lang="en-US" dirty="0" smtClean="0"/>
-              <a:t>Might take hours, days, weeks, months, years </a:t>
-            </a:r>
-          </a:p>
-          <a:p>
-            <a:pPr lvl="1"/>
-            <a:r>
-              <a:rPr lang="en-US" dirty="0" smtClean="0"/>
-              <a:t>If you use a supercomputer, might only take minutes, hours, days, or weeks</a:t>
-            </a:r>
-          </a:p>
-          <a:p>
-            <a:endParaRPr lang="en-US" dirty="0" smtClean="0"/>
-          </a:p>
-          <a:p>
-            <a:r>
-              <a:rPr lang="en-US" dirty="0" smtClean="0"/>
-              <a:t>Useful for problems that require large amounts of memory</a:t>
-            </a:r>
-          </a:p>
-        </p:txBody>
-      </p:sp>
-      <p:sp>
-        <p:nvSpPr>
-          <p:cNvPr id="5" name="Date Placeholder 4"/>
-          <p:cNvSpPr>
-            <a:spLocks noGrp="1"/>
-          </p:cNvSpPr>
-          <p:nvPr>
-            <p:ph type="dt" sz="half" idx="10"/>
-          </p:nvPr>
-        </p:nvSpPr>
-        <p:spPr/>
-        <p:txBody>
-          <a:bodyPr/>
-          <a:lstStyle/>
-          <a:p>
-            <a:fld id="{5079827B-401A-2A4B-9902-997AC06EE493}" type="datetime1">
-              <a:rPr lang="en-US" smtClean="0"/>
-              <a:pPr/>
-              <a:t>7/11/16</a:t>
-            </a:fld>
-            <a:endParaRPr lang="en-US" dirty="0"/>
-          </a:p>
-        </p:txBody>
-      </p:sp>
-      <p:sp>
-        <p:nvSpPr>
-          <p:cNvPr id="6" name="Footer Placeholder 5"/>
-          <p:cNvSpPr>
-            <a:spLocks noGrp="1"/>
-          </p:cNvSpPr>
-          <p:nvPr>
-            <p:ph type="ftr" sz="quarter" idx="11"/>
-          </p:nvPr>
-        </p:nvSpPr>
-        <p:spPr/>
-        <p:txBody>
-          <a:bodyPr/>
-          <a:lstStyle/>
-          <a:p>
-            <a:r>
-              <a:rPr lang="en-US" smtClean="0"/>
-              <a:t>How to Use a Supercomputer</a:t>
-            </a:r>
-            <a:endParaRPr lang="en-US"/>
-          </a:p>
-        </p:txBody>
-      </p:sp>
-      <p:sp>
-        <p:nvSpPr>
-          <p:cNvPr id="4" name="Slide Number Placeholder 3"/>
-          <p:cNvSpPr>
-            <a:spLocks noGrp="1"/>
-          </p:cNvSpPr>
-          <p:nvPr>
-            <p:ph type="sldNum" sz="quarter" idx="4"/>
-          </p:nvPr>
-        </p:nvSpPr>
-        <p:spPr/>
-        <p:txBody>
-          <a:bodyPr/>
-          <a:lstStyle/>
-          <a:p>
-            <a:fld id="{718654E8-5BC9-7544-A602-FE2C9BCA3333}" type="slidenum">
-              <a:rPr lang="en-US" smtClean="0"/>
-              <a:pPr/>
-              <a:t>9</a:t>
-            </a:fld>
-            <a:endParaRPr lang="en-US"/>
-          </a:p>
-        </p:txBody>
-      </p:sp>
-    </p:spTree>
-    <p:extLst>
-      <p:ext uri="{BB962C8B-B14F-4D97-AF65-F5344CB8AC3E}">
-        <p14:creationId xmlns:p14="http://schemas.microsoft.com/office/powerpoint/2010/main" val="2616027943"/>
       </p:ext>
     </p:extLst>
   </p:cSld>

--- a/Basics_Supercomputing/what_is_supercomputer.pptx
+++ b/Basics_Supercomputing/what_is_supercomputer.pptx
@@ -45,7 +45,7 @@
     <p:sldId id="308" r:id="rId33"/>
     <p:sldId id="320" r:id="rId34"/>
     <p:sldId id="307" r:id="rId35"/>
-    <p:sldId id="297" r:id="rId36"/>
+    <p:sldId id="321" r:id="rId36"/>
   </p:sldIdLst>
   <p:sldSz cx="9144000" cy="6858000" type="screen4x3"/>
   <p:notesSz cx="6858000" cy="9144000"/>
@@ -245,7 +245,7 @@
           <a:p>
             <a:fld id="{595B738E-61D3-FF43-9AAF-3D2023FB1DC3}" type="datetimeFigureOut">
               <a:rPr lang="en-US" smtClean="0"/>
-              <a:t>7/15/16</a:t>
+              <a:t>7/17/16</a:t>
             </a:fld>
             <a:endParaRPr lang="en-US"/>
           </a:p>
@@ -411,7 +411,7 @@
           <a:p>
             <a:fld id="{7BBD8333-6779-F842-8F4E-BFED34008A7A}" type="datetimeFigureOut">
               <a:rPr lang="en-US" smtClean="0"/>
-              <a:t>7/15/16</a:t>
+              <a:t>7/17/16</a:t>
             </a:fld>
             <a:endParaRPr lang="en-US"/>
           </a:p>
@@ -813,14 +813,14 @@
               <ma14:placeholderFlag xmlns:ma14="http://schemas.microsoft.com/office/mac/drawingml/2011/main" val="1"/>
             </a:ext>
             <a:ext uri="{909E8E84-426E-40dd-AFC4-6F175D3DCCD1}">
-              <a14:hiddenFill xmlns="" xmlns:a14="http://schemas.microsoft.com/office/drawing/2010/main">
+              <a14:hiddenFill xmlns:a14="http://schemas.microsoft.com/office/drawing/2010/main" xmlns="">
                 <a:solidFill>
                   <a:srgbClr val="FFFFFF"/>
                 </a:solidFill>
               </a14:hiddenFill>
             </a:ext>
             <a:ext uri="{91240B29-F687-4f45-9708-019B960494DF}">
-              <a14:hiddenLine xmlns="" xmlns:a14="http://schemas.microsoft.com/office/drawing/2010/main" w="9525">
+              <a14:hiddenLine xmlns:a14="http://schemas.microsoft.com/office/drawing/2010/main" xmlns="" w="9525">
                 <a:solidFill>
                   <a:srgbClr val="000000"/>
                 </a:solidFill>
@@ -866,14 +866,14 @@
           <a:ln/>
           <a:extLst>
             <a:ext uri="{909E8E84-426E-40dd-AFC4-6F175D3DCCD1}">
-              <a14:hiddenFill xmlns="" xmlns:a14="http://schemas.microsoft.com/office/drawing/2010/main">
+              <a14:hiddenFill xmlns:a14="http://schemas.microsoft.com/office/drawing/2010/main" xmlns="">
                 <a:solidFill>
                   <a:srgbClr val="FFFFFF"/>
                 </a:solidFill>
               </a14:hiddenFill>
             </a:ext>
             <a:ext uri="{91240B29-F687-4f45-9708-019B960494DF}">
-              <a14:hiddenLine xmlns="" xmlns:a14="http://schemas.microsoft.com/office/drawing/2010/main" w="9525">
+              <a14:hiddenLine xmlns:a14="http://schemas.microsoft.com/office/drawing/2010/main" xmlns="" w="9525">
                 <a:solidFill>
                   <a:srgbClr val="000000"/>
                 </a:solidFill>
@@ -1972,90 +1972,6 @@
 </p:notes>
 </file>
 
-<file path=ppt/notesSlides/notesSlide21.xml><?xml version="1.0" encoding="utf-8"?>
-<p:notes xmlns:a="http://schemas.openxmlformats.org/drawingml/2006/main" xmlns:r="http://schemas.openxmlformats.org/officeDocument/2006/relationships" xmlns:p="http://schemas.openxmlformats.org/presentationml/2006/main">
-  <p:cSld>
-    <p:spTree>
-      <p:nvGrpSpPr>
-        <p:cNvPr id="1" name=""/>
-        <p:cNvGrpSpPr/>
-        <p:nvPr/>
-      </p:nvGrpSpPr>
-      <p:grpSpPr>
-        <a:xfrm>
-          <a:off x="0" y="0"/>
-          <a:ext cx="0" cy="0"/>
-          <a:chOff x="0" y="0"/>
-          <a:chExt cx="0" cy="0"/>
-        </a:xfrm>
-      </p:grpSpPr>
-      <p:sp>
-        <p:nvSpPr>
-          <p:cNvPr id="2" name="Slide Image Placeholder 1"/>
-          <p:cNvSpPr>
-            <a:spLocks noGrp="1" noRot="1" noChangeAspect="1"/>
-          </p:cNvSpPr>
-          <p:nvPr>
-            <p:ph type="sldImg"/>
-          </p:nvPr>
-        </p:nvSpPr>
-        <p:spPr/>
-      </p:sp>
-      <p:sp>
-        <p:nvSpPr>
-          <p:cNvPr id="3" name="Notes Placeholder 2"/>
-          <p:cNvSpPr>
-            <a:spLocks noGrp="1"/>
-          </p:cNvSpPr>
-          <p:nvPr>
-            <p:ph type="body" idx="1"/>
-          </p:nvPr>
-        </p:nvSpPr>
-        <p:spPr/>
-        <p:txBody>
-          <a:bodyPr/>
-          <a:lstStyle/>
-          <a:p>
-            <a:endParaRPr lang="en-US"/>
-          </a:p>
-        </p:txBody>
-      </p:sp>
-      <p:sp>
-        <p:nvSpPr>
-          <p:cNvPr id="4" name="Slide Number Placeholder 3"/>
-          <p:cNvSpPr>
-            <a:spLocks noGrp="1"/>
-          </p:cNvSpPr>
-          <p:nvPr>
-            <p:ph type="sldNum" sz="quarter" idx="10"/>
-          </p:nvPr>
-        </p:nvSpPr>
-        <p:spPr/>
-        <p:txBody>
-          <a:bodyPr/>
-          <a:lstStyle/>
-          <a:p>
-            <a:fld id="{EA9D8661-5F5C-0446-B925-11377E876831}" type="slidenum">
-              <a:rPr lang="en-US" smtClean="0"/>
-              <a:t>35</a:t>
-            </a:fld>
-            <a:endParaRPr lang="en-US"/>
-          </a:p>
-        </p:txBody>
-      </p:sp>
-    </p:spTree>
-    <p:extLst>
-      <p:ext uri="{BB962C8B-B14F-4D97-AF65-F5344CB8AC3E}">
-        <p14:creationId xmlns:p14="http://schemas.microsoft.com/office/powerpoint/2010/main" val="1459399178"/>
-      </p:ext>
-    </p:extLst>
-  </p:cSld>
-  <p:clrMapOvr>
-    <a:masterClrMapping/>
-  </p:clrMapOvr>
-</p:notes>
-</file>
-
 <file path=ppt/notesSlides/notesSlide3.xml><?xml version="1.0" encoding="utf-8"?>
 <p:notes xmlns:a="http://schemas.openxmlformats.org/drawingml/2006/main" xmlns:r="http://schemas.openxmlformats.org/officeDocument/2006/relationships" xmlns:p="http://schemas.openxmlformats.org/presentationml/2006/main">
   <p:cSld>
@@ -2846,7 +2762,7 @@
           <a:p>
             <a:fld id="{D4F5601E-F2CF-F84B-8D1C-8CE929678837}" type="datetime1">
               <a:rPr lang="en-US" smtClean="0"/>
-              <a:t>7/15/16</a:t>
+              <a:t>7/17/16</a:t>
             </a:fld>
             <a:endParaRPr lang="en-US" dirty="0"/>
           </a:p>
@@ -3048,7 +2964,7 @@
           <a:p>
             <a:fld id="{EF0CA858-4E4A-1E41-B7CC-25112B7BAD8B}" type="datetime1">
               <a:rPr lang="en-US" smtClean="0"/>
-              <a:t>7/15/16</a:t>
+              <a:t>7/17/16</a:t>
             </a:fld>
             <a:endParaRPr lang="en-US" dirty="0"/>
           </a:p>
@@ -3347,7 +3263,7 @@
           <a:p>
             <a:fld id="{E44A2F9B-0FB8-8649-AF58-85065CCE31D7}" type="datetime1">
               <a:rPr lang="en-US" smtClean="0"/>
-              <a:t>7/15/16</a:t>
+              <a:t>7/17/16</a:t>
             </a:fld>
             <a:endParaRPr lang="en-US" dirty="0"/>
           </a:p>
@@ -3706,7 +3622,7 @@
           <a:p>
             <a:fld id="{DC13F8D8-D0AE-9D48-B4AF-815DBDF9B2D2}" type="datetime1">
               <a:rPr lang="en-US" smtClean="0"/>
-              <a:t>7/15/16</a:t>
+              <a:t>7/17/16</a:t>
             </a:fld>
             <a:endParaRPr lang="en-US" dirty="0"/>
           </a:p>
@@ -4167,7 +4083,77 @@
       </p:sp>
       <p:sp>
         <p:nvSpPr>
-          <p:cNvPr id="3" name="Subtitle 2"/>
+          <p:cNvPr id="11" name="Date Placeholder 10"/>
+          <p:cNvSpPr>
+            <a:spLocks noGrp="1"/>
+          </p:cNvSpPr>
+          <p:nvPr>
+            <p:ph type="dt" sz="half" idx="10"/>
+          </p:nvPr>
+        </p:nvSpPr>
+        <p:spPr/>
+        <p:txBody>
+          <a:bodyPr/>
+          <a:lstStyle/>
+          <a:p>
+            <a:fld id="{8B845F84-57ED-634E-95B9-B664C3AB770A}" type="datetime1">
+              <a:rPr lang="en-US" smtClean="0"/>
+              <a:t>7/17/16</a:t>
+            </a:fld>
+            <a:endParaRPr lang="en-US" dirty="0"/>
+          </a:p>
+        </p:txBody>
+      </p:sp>
+      <p:sp>
+        <p:nvSpPr>
+          <p:cNvPr id="12" name="Footer Placeholder 11"/>
+          <p:cNvSpPr>
+            <a:spLocks noGrp="1"/>
+          </p:cNvSpPr>
+          <p:nvPr>
+            <p:ph type="ftr" sz="quarter" idx="11"/>
+          </p:nvPr>
+        </p:nvSpPr>
+        <p:spPr/>
+        <p:txBody>
+          <a:bodyPr/>
+          <a:lstStyle/>
+          <a:p>
+            <a:r>
+              <a:rPr lang="en-US" smtClean="0"/>
+              <a:t>Basics of Supercomputing</a:t>
+            </a:r>
+            <a:endParaRPr lang="en-US" dirty="0"/>
+          </a:p>
+        </p:txBody>
+      </p:sp>
+      <p:sp>
+        <p:nvSpPr>
+          <p:cNvPr id="13" name="Slide Number Placeholder 12"/>
+          <p:cNvSpPr>
+            <a:spLocks noGrp="1"/>
+          </p:cNvSpPr>
+          <p:nvPr>
+            <p:ph type="sldNum" sz="quarter" idx="4"/>
+          </p:nvPr>
+        </p:nvSpPr>
+        <p:spPr/>
+        <p:txBody>
+          <a:bodyPr/>
+          <a:lstStyle/>
+          <a:p>
+            <a:fld id="{249E94F7-107C-CE46-8C56-9CACFF99CD93}" type="slidenum">
+              <a:rPr lang="en-US" smtClean="0"/>
+              <a:pPr/>
+              <a:t>1</a:t>
+            </a:fld>
+            <a:endParaRPr lang="en-US" dirty="0"/>
+          </a:p>
+        </p:txBody>
+      </p:sp>
+      <p:sp>
+        <p:nvSpPr>
+          <p:cNvPr id="9" name="Subtitle 2"/>
           <p:cNvSpPr>
             <a:spLocks noGrp="1"/>
           </p:cNvSpPr>
@@ -4177,188 +4163,177 @@
         </p:nvSpPr>
         <p:spPr>
           <a:xfrm>
-            <a:off x="1394138" y="3854272"/>
-            <a:ext cx="6461760" cy="2400300"/>
+            <a:off x="685800" y="3801836"/>
+            <a:ext cx="7955280" cy="2400300"/>
           </a:xfrm>
         </p:spPr>
         <p:txBody>
           <a:bodyPr>
-            <a:normAutofit fontScale="85000" lnSpcReduction="10000"/>
+            <a:normAutofit fontScale="77500" lnSpcReduction="20000"/>
           </a:bodyPr>
           <a:lstStyle/>
           <a:p>
             <a:pPr algn="ctr"/>
             <a:r>
-              <a:rPr lang="en-US" smtClean="0"/>
+              <a:rPr lang="en-US" dirty="0" smtClean="0"/>
               <a:t>Shelley Knuth</a:t>
             </a:r>
           </a:p>
           <a:p>
             <a:pPr algn="ctr"/>
             <a:r>
-              <a:rPr lang="en-US" smtClean="0">
+              <a:rPr lang="en-US" dirty="0" smtClean="0">
                 <a:hlinkClick r:id="rId3"/>
               </a:rPr>
               <a:t>shelley.knuth@colorado.edu</a:t>
             </a:r>
-            <a:endParaRPr lang="en-US" smtClean="0"/>
-          </a:p>
-          <a:p>
-            <a:endParaRPr lang="en-US" smtClean="0">
+            <a:endParaRPr lang="en-US" dirty="0" smtClean="0"/>
+          </a:p>
+          <a:p>
+            <a:endParaRPr lang="en-US" dirty="0" smtClean="0">
               <a:hlinkClick r:id="rId4"/>
             </a:endParaRPr>
           </a:p>
           <a:p>
             <a:pPr algn="ctr"/>
             <a:r>
-              <a:rPr lang="en-US" smtClean="0">
+              <a:rPr lang="en-US" dirty="0" smtClean="0">
                 <a:hlinkClick r:id="rId5"/>
               </a:rPr>
               <a:t>www.rc.colorado.edu</a:t>
             </a:r>
             <a:r>
-              <a:rPr lang="en-US" smtClean="0"/>
+              <a:rPr lang="en-US" dirty="0" smtClean="0"/>
               <a:t>	</a:t>
             </a:r>
             <a:r>
-              <a:rPr lang="en-US" smtClean="0">
+              <a:rPr lang="en-US" dirty="0" smtClean="0">
                 <a:solidFill>
                   <a:schemeClr val="tx1"/>
                 </a:solidFill>
               </a:rPr>
-              <a:t>Questions?  #RC_BasicSC</a:t>
-            </a:r>
-          </a:p>
-          <a:p>
-            <a:pPr algn="ctr"/>
-            <a:endParaRPr lang="en-US" smtClean="0"/>
-          </a:p>
-          <a:p>
-            <a:pPr algn="ctr"/>
-            <a:r>
-              <a:rPr lang="en-US" smtClean="0">
+              <a:t>Questions?  #</a:t>
+            </a:r>
+            <a:r>
+              <a:rPr lang="en-US" dirty="0" err="1" smtClean="0">
                 <a:solidFill>
                   <a:schemeClr val="tx1"/>
                 </a:solidFill>
               </a:rPr>
-              <a:t>Link to survey on this topic:</a:t>
-            </a:r>
-            <a:r>
-              <a:rPr lang="en-US" smtClean="0"/>
-              <a:t>  </a:t>
-            </a:r>
-            <a:r>
-              <a:rPr lang="en-US" smtClean="0">
-                <a:hlinkClick r:id="rId6"/>
-              </a:rPr>
-              <a:t>http://goo.gl/forms/8VidcwOhRT</a:t>
-            </a:r>
-            <a:r>
-              <a:rPr lang="en-US" smtClean="0"/>
-              <a:t> </a:t>
-            </a:r>
+              <a:t>RC_BasicSC</a:t>
+            </a:r>
+            <a:endParaRPr lang="en-US" dirty="0" smtClean="0">
+              <a:solidFill>
+                <a:schemeClr val="tx1"/>
+              </a:solidFill>
+            </a:endParaRPr>
           </a:p>
           <a:p>
             <a:pPr algn="ctr"/>
-            <a:endParaRPr lang="en-US" smtClean="0"/>
+            <a:endParaRPr lang="en-US" dirty="0"/>
           </a:p>
           <a:p>
             <a:pPr algn="ctr"/>
             <a:r>
-              <a:rPr lang="en-US" smtClean="0">
+              <a:rPr lang="en-US" dirty="0" smtClean="0">
                 <a:solidFill>
                   <a:schemeClr val="tx1"/>
                 </a:solidFill>
               </a:rPr>
-              <a:t>Slides:</a:t>
-            </a:r>
-            <a:r>
-              <a:rPr lang="en-US" smtClean="0"/>
+              <a:t>Link </a:t>
+            </a:r>
+            <a:r>
+              <a:rPr lang="en-US" dirty="0">
+                <a:solidFill>
+                  <a:schemeClr val="tx1"/>
+                </a:solidFill>
+              </a:rPr>
+              <a:t>to survey on this topic</a:t>
+            </a:r>
+            <a:r>
+              <a:rPr lang="en-US">
+                <a:solidFill>
+                  <a:schemeClr val="tx1"/>
+                </a:solidFill>
+              </a:rPr>
+              <a:t>:</a:t>
+            </a:r>
+            <a:r>
+              <a:rPr lang="en-US"/>
+              <a:t>  </a:t>
+            </a:r>
+            <a:r>
+              <a:rPr lang="en-US">
+                <a:hlinkClick r:id="rId6"/>
+              </a:rPr>
+              <a:t>http</a:t>
+            </a:r>
+            <a:r>
+              <a:rPr lang="en-US">
+                <a:hlinkClick r:id="rId6"/>
+              </a:rPr>
+              <a:t>://</a:t>
+            </a:r>
+            <a:r>
+              <a:rPr lang="en-US" smtClean="0">
+                <a:hlinkClick r:id="rId6"/>
+              </a:rPr>
+              <a:t>tinyurl.com/rcpresurvey</a:t>
+            </a:r>
+            <a:r>
+              <a:rPr lang="en-US" smtClean="0"/>
+              <a:t>  </a:t>
+            </a:r>
+            <a:endParaRPr lang="en-US" dirty="0" smtClean="0"/>
+          </a:p>
+          <a:p>
+            <a:pPr algn="ctr"/>
+            <a:endParaRPr lang="en-US" dirty="0"/>
+          </a:p>
+          <a:p>
+            <a:pPr algn="ctr"/>
+            <a:r>
+              <a:rPr lang="en-US" dirty="0">
+                <a:solidFill>
+                  <a:schemeClr val="tx1"/>
+                </a:solidFill>
+              </a:rPr>
+              <a:t>Slides</a:t>
+            </a:r>
+            <a:r>
+              <a:rPr lang="en-US">
+                <a:solidFill>
+                  <a:schemeClr val="tx1"/>
+                </a:solidFill>
+              </a:rPr>
+              <a:t>:</a:t>
+            </a:r>
+            <a:r>
+              <a:rPr lang="en-US"/>
               <a:t> </a:t>
+            </a:r>
+            <a:r>
+              <a:rPr lang="en-US">
+                <a:hlinkClick r:id="rId7"/>
+              </a:rPr>
+              <a:t>https</a:t>
+            </a:r>
+            <a:r>
+              <a:rPr lang="en-US">
+                <a:hlinkClick r:id="rId7"/>
+              </a:rPr>
+              <a:t>://</a:t>
             </a:r>
             <a:r>
               <a:rPr lang="en-US" smtClean="0">
                 <a:hlinkClick r:id="rId7"/>
               </a:rPr>
-              <a:t>https://github.com/ResearchComputing/Final_Tutorials</a:t>
+              <a:t>github.com/ResearchComputing/Final_Tutorials/tree/master/Basics_Supercomputing</a:t>
             </a:r>
             <a:r>
               <a:rPr lang="en-US" smtClean="0"/>
               <a:t> </a:t>
             </a:r>
-          </a:p>
-          <a:p>
-            <a:pPr algn="ctr"/>
-            <a:endParaRPr lang="en-US" dirty="0"/>
-          </a:p>
-        </p:txBody>
-      </p:sp>
-      <p:sp>
-        <p:nvSpPr>
-          <p:cNvPr id="11" name="Date Placeholder 10"/>
-          <p:cNvSpPr>
-            <a:spLocks noGrp="1"/>
-          </p:cNvSpPr>
-          <p:nvPr>
-            <p:ph type="dt" sz="half" idx="10"/>
-          </p:nvPr>
-        </p:nvSpPr>
-        <p:spPr/>
-        <p:txBody>
-          <a:bodyPr/>
-          <a:lstStyle/>
-          <a:p>
-            <a:fld id="{8B845F84-57ED-634E-95B9-B664C3AB770A}" type="datetime1">
-              <a:rPr lang="en-US" smtClean="0"/>
-              <a:t>7/15/16</a:t>
-            </a:fld>
-            <a:endParaRPr lang="en-US" dirty="0"/>
-          </a:p>
-        </p:txBody>
-      </p:sp>
-      <p:sp>
-        <p:nvSpPr>
-          <p:cNvPr id="12" name="Footer Placeholder 11"/>
-          <p:cNvSpPr>
-            <a:spLocks noGrp="1"/>
-          </p:cNvSpPr>
-          <p:nvPr>
-            <p:ph type="ftr" sz="quarter" idx="11"/>
-          </p:nvPr>
-        </p:nvSpPr>
-        <p:spPr/>
-        <p:txBody>
-          <a:bodyPr/>
-          <a:lstStyle/>
-          <a:p>
-            <a:r>
-              <a:rPr lang="en-US" smtClean="0"/>
-              <a:t>Basics of Supercomputing</a:t>
-            </a:r>
-            <a:endParaRPr lang="en-US" dirty="0"/>
-          </a:p>
-        </p:txBody>
-      </p:sp>
-      <p:sp>
-        <p:nvSpPr>
-          <p:cNvPr id="13" name="Slide Number Placeholder 12"/>
-          <p:cNvSpPr>
-            <a:spLocks noGrp="1"/>
-          </p:cNvSpPr>
-          <p:nvPr>
-            <p:ph type="sldNum" sz="quarter" idx="4"/>
-          </p:nvPr>
-        </p:nvSpPr>
-        <p:spPr/>
-        <p:txBody>
-          <a:bodyPr/>
-          <a:lstStyle/>
-          <a:p>
-            <a:fld id="{249E94F7-107C-CE46-8C56-9CACFF99CD93}" type="slidenum">
-              <a:rPr lang="en-US" smtClean="0"/>
-              <a:pPr/>
-              <a:t>1</a:t>
-            </a:fld>
             <a:endParaRPr lang="en-US" dirty="0"/>
           </a:p>
         </p:txBody>
@@ -4475,7 +4450,7 @@
           <a:p>
             <a:fld id="{B5971A08-B04B-5740-9258-B1389A0D7433}" type="datetime1">
               <a:rPr lang="en-US" smtClean="0"/>
-              <a:t>7/15/16</a:t>
+              <a:t>7/17/16</a:t>
             </a:fld>
             <a:endParaRPr lang="en-US" dirty="0"/>
           </a:p>
@@ -4700,7 +4675,7 @@
           <a:p>
             <a:fld id="{C0E3C796-AEC8-A24E-8F0A-1EFD4AE0C1C5}" type="datetime1">
               <a:rPr lang="en-US" smtClean="0"/>
-              <a:t>7/15/16</a:t>
+              <a:t>7/17/16</a:t>
             </a:fld>
             <a:endParaRPr lang="en-US" dirty="0"/>
           </a:p>
@@ -4930,7 +4905,7 @@
           <a:p>
             <a:fld id="{A2272723-B6C7-3940-A6F1-F61BA4408DAC}" type="datetime1">
               <a:rPr lang="en-US" smtClean="0"/>
-              <a:t>7/15/16</a:t>
+              <a:t>7/17/16</a:t>
             </a:fld>
             <a:endParaRPr lang="en-US" dirty="0"/>
           </a:p>
@@ -5843,7 +5818,7 @@
           <a:p>
             <a:fld id="{E3FC9C8A-EB37-424E-A756-0DB6D78A1B63}" type="datetime1">
               <a:rPr lang="en-US" smtClean="0"/>
-              <a:t>7/15/16</a:t>
+              <a:t>7/17/16</a:t>
             </a:fld>
             <a:endParaRPr lang="en-US" dirty="0"/>
           </a:p>
@@ -6056,7 +6031,7 @@
           <a:p>
             <a:fld id="{F32FB309-DF92-8A4E-A812-C4903C3D8A8F}" type="datetime1">
               <a:rPr lang="en-US" smtClean="0"/>
-              <a:t>7/15/16</a:t>
+              <a:t>7/17/16</a:t>
             </a:fld>
             <a:endParaRPr lang="en-US" dirty="0"/>
           </a:p>
@@ -6192,7 +6167,7 @@
           <a:p>
             <a:fld id="{EF0CA858-4E4A-1E41-B7CC-25112B7BAD8B}" type="datetime1">
               <a:rPr lang="en-US" smtClean="0"/>
-              <a:t>7/15/16</a:t>
+              <a:t>7/17/16</a:t>
             </a:fld>
             <a:endParaRPr lang="en-US" dirty="0"/>
           </a:p>
@@ -6403,7 +6378,7 @@
           <a:p>
             <a:fld id="{7FEF204D-DD8A-F643-B9D2-08EC19F164F1}" type="datetime1">
               <a:rPr lang="en-US" smtClean="0"/>
-              <a:t>7/15/16</a:t>
+              <a:t>7/17/16</a:t>
             </a:fld>
             <a:endParaRPr lang="en-US" dirty="0"/>
           </a:p>
@@ -6629,7 +6604,7 @@
           <a:p>
             <a:fld id="{CF50E3D3-8D3C-834E-815B-56BE34E1152C}" type="datetime1">
               <a:rPr lang="en-US" smtClean="0"/>
-              <a:t>7/15/16</a:t>
+              <a:t>7/17/16</a:t>
             </a:fld>
             <a:endParaRPr lang="en-US"/>
           </a:p>
@@ -6787,11 +6762,7 @@
             <a:pPr lvl="1"/>
             <a:r>
               <a:rPr lang="en-US" dirty="0" smtClean="0"/>
-              <a:t>Job </a:t>
-            </a:r>
-            <a:r>
-              <a:rPr lang="en-US" dirty="0" smtClean="0"/>
-              <a:t>submission</a:t>
+              <a:t>Job submission</a:t>
             </a:r>
           </a:p>
           <a:p>
@@ -6799,7 +6770,6 @@
               <a:rPr lang="en-US" dirty="0" smtClean="0"/>
               <a:t>Compile nodes</a:t>
             </a:r>
-            <a:endParaRPr lang="en-US" dirty="0" smtClean="0"/>
           </a:p>
           <a:p>
             <a:r>
@@ -6840,7 +6810,7 @@
           <a:p>
             <a:fld id="{38960852-5513-E046-BD5A-67CB45FAD2DF}" type="datetime1">
               <a:rPr lang="en-US" smtClean="0"/>
-              <a:t>7/15/16</a:t>
+              <a:t>7/17/16</a:t>
             </a:fld>
             <a:endParaRPr lang="en-US" dirty="0"/>
           </a:p>
@@ -7009,15 +6979,7 @@
             <a:pPr lvl="1"/>
             <a:r>
               <a:rPr lang="en-US" dirty="0" smtClean="0"/>
-              <a:t>Small quota </a:t>
-            </a:r>
-            <a:r>
-              <a:rPr lang="en-US" dirty="0" smtClean="0"/>
-              <a:t>(2 </a:t>
-            </a:r>
-            <a:r>
-              <a:rPr lang="en-US" dirty="0" smtClean="0"/>
-              <a:t>GB)</a:t>
+              <a:t>Small quota (2 GB)</a:t>
             </a:r>
           </a:p>
           <a:p>
@@ -7037,15 +6999,7 @@
             <a:pPr lvl="1"/>
             <a:r>
               <a:rPr lang="en-US" dirty="0" smtClean="0"/>
-              <a:t>Mid level quota </a:t>
-            </a:r>
-            <a:r>
-              <a:rPr lang="en-US" dirty="0" smtClean="0"/>
-              <a:t>(250 </a:t>
-            </a:r>
-            <a:r>
-              <a:rPr lang="en-US" dirty="0" smtClean="0"/>
-              <a:t>GB)</a:t>
+              <a:t>Mid level quota (250 GB)</a:t>
             </a:r>
           </a:p>
           <a:p>
@@ -7089,7 +7043,7 @@
           <a:p>
             <a:fld id="{D6D17D7A-3E10-2746-841A-497F22B6C679}" type="datetime1">
               <a:rPr lang="en-US" smtClean="0"/>
-              <a:t>7/15/16</a:t>
+              <a:t>7/17/16</a:t>
             </a:fld>
             <a:endParaRPr lang="en-US"/>
           </a:p>
@@ -7498,7 +7452,7 @@
           <a:p>
             <a:fld id="{EF0CA858-4E4A-1E41-B7CC-25112B7BAD8B}" type="datetime1">
               <a:rPr lang="en-US" smtClean="0"/>
-              <a:t>7/15/16</a:t>
+              <a:t>7/17/16</a:t>
             </a:fld>
             <a:endParaRPr lang="en-US" dirty="0"/>
           </a:p>
@@ -7627,7 +7581,7 @@
           <a:p>
             <a:fld id="{EF0CA858-4E4A-1E41-B7CC-25112B7BAD8B}" type="datetime1">
               <a:rPr lang="en-US" smtClean="0"/>
-              <a:t>7/15/16</a:t>
+              <a:t>7/17/16</a:t>
             </a:fld>
             <a:endParaRPr lang="en-US" dirty="0"/>
           </a:p>
@@ -7824,7 +7778,7 @@
           <a:p>
             <a:fld id="{D1090223-80CA-6040-BC46-EDFFF5F948D9}" type="datetime1">
               <a:rPr lang="en-US" smtClean="0"/>
-              <a:t>7/15/16</a:t>
+              <a:t>7/17/16</a:t>
             </a:fld>
             <a:endParaRPr lang="en-US" dirty="0"/>
           </a:p>
@@ -7961,17 +7915,8 @@
             <a:pPr lvl="1"/>
             <a:r>
               <a:rPr lang="en-US" dirty="0" smtClean="0"/>
-              <a:t>People </a:t>
-            </a:r>
-            <a:r>
-              <a:rPr lang="en-US" dirty="0" smtClean="0"/>
-              <a:t>“buy” time to use the </a:t>
-            </a:r>
-            <a:r>
-              <a:rPr lang="en-US" dirty="0" smtClean="0"/>
-              <a:t>resources (allocation)</a:t>
-            </a:r>
-            <a:endParaRPr lang="en-US" dirty="0" smtClean="0"/>
+              <a:t>People “buy” time to use the resources (allocation)</a:t>
+            </a:r>
           </a:p>
           <a:p>
             <a:pPr lvl="1"/>
@@ -8020,7 +7965,7 @@
           <a:p>
             <a:fld id="{061CABE0-14DE-BC4B-91D1-2209001212ED}" type="datetime1">
               <a:rPr lang="en-US" smtClean="0"/>
-              <a:t>7/15/16</a:t>
+              <a:t>7/17/16</a:t>
             </a:fld>
             <a:endParaRPr lang="en-US" dirty="0"/>
           </a:p>
@@ -8206,7 +8151,7 @@
           <a:p>
             <a:fld id="{A48FA16B-35A9-4A48-A925-68D8B138E1D9}" type="datetime1">
               <a:rPr lang="en-US" smtClean="0"/>
-              <a:t>7/15/16</a:t>
+              <a:t>7/17/16</a:t>
             </a:fld>
             <a:endParaRPr lang="en-US" dirty="0"/>
           </a:p>
@@ -8377,7 +8322,7 @@
           <a:p>
             <a:fld id="{458ABAA4-74E3-0245-9FDE-7BD19B71E311}" type="datetime1">
               <a:rPr lang="en-US" smtClean="0"/>
-              <a:t>7/15/16</a:t>
+              <a:t>7/17/16</a:t>
             </a:fld>
             <a:endParaRPr lang="en-US" dirty="0"/>
           </a:p>
@@ -8573,7 +8518,7 @@
           <a:p>
             <a:fld id="{BED45C82-5CED-1D4D-8A60-2BF62DF704F8}" type="datetime1">
               <a:rPr lang="en-US" smtClean="0"/>
-              <a:t>7/15/16</a:t>
+              <a:t>7/17/16</a:t>
             </a:fld>
             <a:endParaRPr lang="en-US"/>
           </a:p>
@@ -8784,7 +8729,7 @@
           <a:p>
             <a:fld id="{379F30A9-C42A-574F-A77B-1838B43B69F0}" type="datetime1">
               <a:rPr lang="en-US" smtClean="0"/>
-              <a:t>7/15/16</a:t>
+              <a:t>7/17/16</a:t>
             </a:fld>
             <a:endParaRPr lang="en-US"/>
           </a:p>
@@ -9028,7 +8973,7 @@
           <a:p>
             <a:fld id="{458ABAA4-74E3-0245-9FDE-7BD19B71E311}" type="datetime1">
               <a:rPr lang="en-US" smtClean="0"/>
-              <a:t>7/15/16</a:t>
+              <a:t>7/17/16</a:t>
             </a:fld>
             <a:endParaRPr lang="en-US" dirty="0"/>
           </a:p>
@@ -9204,11 +9149,7 @@
             </a:pPr>
             <a:r>
               <a:rPr lang="en-US" dirty="0" smtClean="0"/>
-              <a:t>   #</a:t>
-            </a:r>
-            <a:r>
-              <a:rPr lang="en-US" dirty="0" smtClean="0"/>
-              <a:t>SBATCH &lt;options</a:t>
+              <a:t>   #SBATCH &lt;options</a:t>
             </a:r>
             <a:r>
               <a:rPr lang="en-US" dirty="0"/>
@@ -9237,6 +9178,104 @@
             <a:r>
               <a:rPr lang="en-US" dirty="0" smtClean="0"/>
               <a:t>Allocation:  </a:t>
+            </a:r>
+            <a:r>
+              <a:rPr lang="en-US" sz="2200" dirty="0" smtClean="0">
+                <a:latin typeface="Courier New" charset="0"/>
+                <a:ea typeface="Courier New" charset="0"/>
+                <a:cs typeface="Courier New" charset="0"/>
+              </a:rPr>
+              <a:t>--A=&lt;</a:t>
+            </a:r>
+            <a:r>
+              <a:rPr lang="en-US" sz="2200" dirty="0" err="1" smtClean="0">
+                <a:latin typeface="Courier New" charset="0"/>
+                <a:ea typeface="Courier New" charset="0"/>
+                <a:cs typeface="Courier New" charset="0"/>
+              </a:rPr>
+              <a:t>account_no</a:t>
+            </a:r>
+            <a:r>
+              <a:rPr lang="en-US" sz="2200" dirty="0" smtClean="0">
+                <a:latin typeface="Courier New" charset="0"/>
+                <a:ea typeface="Courier New" charset="0"/>
+                <a:cs typeface="Courier New" charset="0"/>
+              </a:rPr>
+              <a:t>&gt;</a:t>
+            </a:r>
+          </a:p>
+          <a:p>
+            <a:r>
+              <a:rPr lang="en-US" dirty="0" smtClean="0"/>
+              <a:t>Checkpoints:  </a:t>
+            </a:r>
+            <a:r>
+              <a:rPr lang="en-US" sz="2200" dirty="0" smtClean="0">
+                <a:latin typeface="Courier New" charset="0"/>
+                <a:ea typeface="Courier New" charset="0"/>
+                <a:cs typeface="Courier New" charset="0"/>
+              </a:rPr>
+              <a:t>--checkpoint=&lt;interval&gt;</a:t>
+            </a:r>
+          </a:p>
+          <a:p>
+            <a:r>
+              <a:rPr lang="en-US" dirty="0" smtClean="0"/>
+              <a:t>Sending emails:  </a:t>
+            </a:r>
+            <a:r>
+              <a:rPr lang="en-US" sz="2200" dirty="0" smtClean="0">
+                <a:latin typeface="Courier New" charset="0"/>
+                <a:ea typeface="Courier New" charset="0"/>
+                <a:cs typeface="Courier New" charset="0"/>
+              </a:rPr>
+              <a:t>--mail-type=&lt;type&gt;</a:t>
+            </a:r>
+          </a:p>
+          <a:p>
+            <a:r>
+              <a:rPr lang="en-US" dirty="0" smtClean="0"/>
+              <a:t>Email address:  </a:t>
+            </a:r>
+            <a:r>
+              <a:rPr lang="en-US" sz="2200" dirty="0" smtClean="0">
+                <a:latin typeface="Courier New" charset="0"/>
+                <a:ea typeface="Courier New" charset="0"/>
+                <a:cs typeface="Courier New" charset="0"/>
+              </a:rPr>
+              <a:t>--mail-user=&lt;user&gt;</a:t>
+            </a:r>
+          </a:p>
+          <a:p>
+            <a:r>
+              <a:rPr lang="en-US" dirty="0" smtClean="0"/>
+              <a:t>Number of nodes:  </a:t>
+            </a:r>
+            <a:r>
+              <a:rPr lang="en-US" sz="2200" dirty="0" smtClean="0">
+                <a:latin typeface="Courier New" charset="0"/>
+                <a:ea typeface="Courier New" charset="0"/>
+                <a:cs typeface="Courier New" charset="0"/>
+              </a:rPr>
+              <a:t>-N &lt;nodes&gt;</a:t>
+            </a:r>
+            <a:r>
+              <a:rPr lang="en-US" dirty="0" smtClean="0"/>
+              <a:t> or </a:t>
+            </a:r>
+            <a:r>
+              <a:rPr lang="en-US" sz="2200" dirty="0" smtClean="0">
+                <a:latin typeface="Courier New" charset="0"/>
+                <a:ea typeface="Courier New" charset="0"/>
+                <a:cs typeface="Courier New" charset="0"/>
+              </a:rPr>
+              <a:t>--nodes=&lt;nodes&gt;</a:t>
+            </a:r>
+          </a:p>
+          <a:p>
+            <a:r>
+              <a:rPr lang="en-US" dirty="0" smtClean="0"/>
+              <a:t>Queues:  </a:t>
             </a:r>
             <a:r>
               <a:rPr lang="en-US" sz="2200" dirty="0" smtClean="0">
@@ -9247,12 +9286,20 @@
               <a:t>--</a:t>
             </a:r>
             <a:r>
+              <a:rPr lang="en-US" sz="2200" dirty="0" err="1" smtClean="0">
+                <a:latin typeface="Courier New" charset="0"/>
+                <a:ea typeface="Courier New" charset="0"/>
+                <a:cs typeface="Courier New" charset="0"/>
+              </a:rPr>
+              <a:t>qos</a:t>
+            </a:r>
+            <a:r>
               <a:rPr lang="en-US" sz="2200" dirty="0" smtClean="0">
                 <a:latin typeface="Courier New" charset="0"/>
                 <a:ea typeface="Courier New" charset="0"/>
                 <a:cs typeface="Courier New" charset="0"/>
               </a:rPr>
-              <a:t>A=&lt;</a:t>
+              <a:t>=&lt;</a:t>
             </a:r>
             <a:r>
               <a:rPr lang="en-US" sz="2200" dirty="0" err="1" smtClean="0">
@@ -9260,7 +9307,7 @@
                 <a:ea typeface="Courier New" charset="0"/>
                 <a:cs typeface="Courier New" charset="0"/>
               </a:rPr>
-              <a:t>account_no</a:t>
+              <a:t>qos</a:t>
             </a:r>
             <a:r>
               <a:rPr lang="en-US" sz="2200" dirty="0" smtClean="0">
@@ -9270,154 +9317,6 @@
               </a:rPr>
               <a:t>&gt;</a:t>
             </a:r>
-            <a:endParaRPr lang="en-US" sz="2200" dirty="0" smtClean="0">
-              <a:latin typeface="Courier New" charset="0"/>
-              <a:ea typeface="Courier New" charset="0"/>
-              <a:cs typeface="Courier New" charset="0"/>
-            </a:endParaRPr>
-          </a:p>
-          <a:p>
-            <a:r>
-              <a:rPr lang="en-US" dirty="0" smtClean="0"/>
-              <a:t>Checkpoints:  </a:t>
-            </a:r>
-            <a:r>
-              <a:rPr lang="en-US" sz="2200" dirty="0" smtClean="0">
-                <a:latin typeface="Courier New" charset="0"/>
-                <a:ea typeface="Courier New" charset="0"/>
-                <a:cs typeface="Courier New" charset="0"/>
-              </a:rPr>
-              <a:t>--</a:t>
-            </a:r>
-            <a:r>
-              <a:rPr lang="en-US" sz="2200" dirty="0" smtClean="0">
-                <a:latin typeface="Courier New" charset="0"/>
-                <a:ea typeface="Courier New" charset="0"/>
-                <a:cs typeface="Courier New" charset="0"/>
-              </a:rPr>
-              <a:t>checkpoint</a:t>
-            </a:r>
-            <a:r>
-              <a:rPr lang="en-US" sz="2200" dirty="0" smtClean="0">
-                <a:latin typeface="Courier New" charset="0"/>
-                <a:ea typeface="Courier New" charset="0"/>
-                <a:cs typeface="Courier New" charset="0"/>
-              </a:rPr>
-              <a:t>=&lt;interval</a:t>
-            </a:r>
-            <a:r>
-              <a:rPr lang="en-US" sz="2200" dirty="0" smtClean="0">
-                <a:latin typeface="Courier New" charset="0"/>
-                <a:ea typeface="Courier New" charset="0"/>
-                <a:cs typeface="Courier New" charset="0"/>
-              </a:rPr>
-              <a:t>&gt;</a:t>
-            </a:r>
-            <a:endParaRPr lang="en-US" sz="2200" dirty="0" smtClean="0">
-              <a:latin typeface="Courier New" charset="0"/>
-              <a:ea typeface="Courier New" charset="0"/>
-              <a:cs typeface="Courier New" charset="0"/>
-            </a:endParaRPr>
-          </a:p>
-          <a:p>
-            <a:r>
-              <a:rPr lang="en-US" dirty="0" smtClean="0"/>
-              <a:t>Sending emails:  </a:t>
-            </a:r>
-            <a:r>
-              <a:rPr lang="en-US" sz="2200" dirty="0" smtClean="0">
-                <a:latin typeface="Courier New" charset="0"/>
-                <a:ea typeface="Courier New" charset="0"/>
-                <a:cs typeface="Courier New" charset="0"/>
-              </a:rPr>
-              <a:t>--mail-type=&lt;type&gt;</a:t>
-            </a:r>
-          </a:p>
-          <a:p>
-            <a:r>
-              <a:rPr lang="en-US" dirty="0" smtClean="0"/>
-              <a:t>Email address:  </a:t>
-            </a:r>
-            <a:r>
-              <a:rPr lang="en-US" sz="2200" dirty="0" smtClean="0">
-                <a:latin typeface="Courier New" charset="0"/>
-                <a:ea typeface="Courier New" charset="0"/>
-                <a:cs typeface="Courier New" charset="0"/>
-              </a:rPr>
-              <a:t>--mail-user=&lt;user&gt;</a:t>
-            </a:r>
-          </a:p>
-          <a:p>
-            <a:r>
-              <a:rPr lang="en-US" dirty="0" smtClean="0"/>
-              <a:t>Number of nodes:  </a:t>
-            </a:r>
-            <a:r>
-              <a:rPr lang="en-US" sz="2200" dirty="0" smtClean="0">
-                <a:latin typeface="Courier New" charset="0"/>
-                <a:ea typeface="Courier New" charset="0"/>
-                <a:cs typeface="Courier New" charset="0"/>
-              </a:rPr>
-              <a:t>-N &lt;nodes&gt;</a:t>
-            </a:r>
-            <a:r>
-              <a:rPr lang="en-US" dirty="0" smtClean="0"/>
-              <a:t> or </a:t>
-            </a:r>
-            <a:r>
-              <a:rPr lang="en-US" sz="2200" dirty="0" smtClean="0">
-                <a:latin typeface="Courier New" charset="0"/>
-                <a:ea typeface="Courier New" charset="0"/>
-                <a:cs typeface="Courier New" charset="0"/>
-              </a:rPr>
-              <a:t>--nodes=&lt;nodes&gt;</a:t>
-            </a:r>
-          </a:p>
-          <a:p>
-            <a:r>
-              <a:rPr lang="en-US" dirty="0" smtClean="0"/>
-              <a:t>Queues:  </a:t>
-            </a:r>
-            <a:r>
-              <a:rPr lang="en-US" sz="2200" dirty="0" smtClean="0">
-                <a:latin typeface="Courier New" charset="0"/>
-                <a:ea typeface="Courier New" charset="0"/>
-                <a:cs typeface="Courier New" charset="0"/>
-              </a:rPr>
-              <a:t>--</a:t>
-            </a:r>
-            <a:r>
-              <a:rPr lang="en-US" sz="2200" dirty="0" err="1" smtClean="0">
-                <a:latin typeface="Courier New" charset="0"/>
-                <a:ea typeface="Courier New" charset="0"/>
-                <a:cs typeface="Courier New" charset="0"/>
-              </a:rPr>
-              <a:t>qos</a:t>
-            </a:r>
-            <a:r>
-              <a:rPr lang="en-US" sz="2200" dirty="0" smtClean="0">
-                <a:latin typeface="Courier New" charset="0"/>
-                <a:ea typeface="Courier New" charset="0"/>
-                <a:cs typeface="Courier New" charset="0"/>
-              </a:rPr>
-              <a:t>=&lt;</a:t>
-            </a:r>
-            <a:r>
-              <a:rPr lang="en-US" sz="2200" dirty="0" err="1" smtClean="0">
-                <a:latin typeface="Courier New" charset="0"/>
-                <a:ea typeface="Courier New" charset="0"/>
-                <a:cs typeface="Courier New" charset="0"/>
-              </a:rPr>
-              <a:t>qos</a:t>
-            </a:r>
-            <a:r>
-              <a:rPr lang="en-US" sz="2200" dirty="0" smtClean="0">
-                <a:latin typeface="Courier New" charset="0"/>
-                <a:ea typeface="Courier New" charset="0"/>
-                <a:cs typeface="Courier New" charset="0"/>
-              </a:rPr>
-              <a:t>&gt;</a:t>
-            </a:r>
           </a:p>
           <a:p>
             <a:r>
@@ -9472,11 +9371,6 @@
               </a:rPr>
               <a:t>–job-name=&lt;jobname&gt;</a:t>
             </a:r>
-            <a:endParaRPr lang="en-US" sz="2200" dirty="0" smtClean="0">
-              <a:latin typeface="Courier New" charset="0"/>
-              <a:ea typeface="Courier New" charset="0"/>
-              <a:cs typeface="Courier New" charset="0"/>
-            </a:endParaRPr>
           </a:p>
           <a:p>
             <a:endParaRPr lang="en-US" dirty="0"/>
@@ -9500,7 +9394,7 @@
           <a:p>
             <a:fld id="{458ABAA4-74E3-0245-9FDE-7BD19B71E311}" type="datetime1">
               <a:rPr lang="en-US" smtClean="0"/>
-              <a:t>7/15/16</a:t>
+              <a:t>7/17/16</a:t>
             </a:fld>
             <a:endParaRPr lang="en-US" dirty="0"/>
           </a:p>
@@ -9730,7 +9624,7 @@
           <a:p>
             <a:fld id="{0B78EAE2-4C24-6347-B38D-4967A53420D5}" type="datetime1">
               <a:rPr lang="en-US" smtClean="0"/>
-              <a:t>7/15/16</a:t>
+              <a:t>7/17/16</a:t>
             </a:fld>
             <a:endParaRPr lang="en-US"/>
           </a:p>
@@ -9895,7 +9789,7 @@
           <a:p>
             <a:fld id="{452442FA-63B7-4548-92FB-97C64F04D3AA}" type="datetime1">
               <a:rPr lang="en-US" smtClean="0"/>
-              <a:t>7/15/16</a:t>
+              <a:t>7/17/16</a:t>
             </a:fld>
             <a:endParaRPr lang="en-US" dirty="0"/>
           </a:p>
@@ -10127,7 +10021,7 @@
           <a:p>
             <a:fld id="{90257BA9-CFE4-9D47-98D1-5915D914964A}" type="datetime1">
               <a:rPr lang="en-US" smtClean="0"/>
-              <a:t>7/15/16</a:t>
+              <a:t>7/17/16</a:t>
             </a:fld>
             <a:endParaRPr lang="en-US"/>
           </a:p>
@@ -10326,7 +10220,7 @@
           <a:p>
             <a:fld id="{73C15B28-B30E-D048-ABCB-A2BFD4CA1212}" type="datetime1">
               <a:rPr lang="en-US" smtClean="0"/>
-              <a:t>7/15/16</a:t>
+              <a:t>7/17/16</a:t>
             </a:fld>
             <a:endParaRPr lang="en-US"/>
           </a:p>
@@ -10555,7 +10449,7 @@
           <a:p>
             <a:fld id="{F60D83B5-3204-294A-A8AE-42C29FD994E9}" type="datetime1">
               <a:rPr lang="en-US" smtClean="0"/>
-              <a:t>7/15/16</a:t>
+              <a:t>7/17/16</a:t>
             </a:fld>
             <a:endParaRPr lang="en-US"/>
           </a:p>
@@ -10858,7 +10752,7 @@
           <a:p>
             <a:fld id="{85578CC7-E869-3644-9623-1911B01EF1A3}" type="datetime1">
               <a:rPr lang="en-US" smtClean="0"/>
-              <a:t>7/15/16</a:t>
+              <a:t>7/17/16</a:t>
             </a:fld>
             <a:endParaRPr lang="en-US" dirty="0"/>
           </a:p>
@@ -11014,7 +10908,7 @@
           <a:p>
             <a:fld id="{9ECCFA1B-E201-B046-8339-37504C9826D2}" type="datetime1">
               <a:rPr lang="en-US" smtClean="0"/>
-              <a:t>7/15/16</a:t>
+              <a:t>7/17/16</a:t>
             </a:fld>
             <a:endParaRPr lang="en-US" dirty="0"/>
           </a:p>
@@ -11120,7 +11014,7 @@
           <a:lstStyle/>
           <a:p>
             <a:r>
-              <a:rPr lang="en-US" smtClean="0"/>
+              <a:rPr lang="en-US" dirty="0" smtClean="0"/>
               <a:t>Questions?</a:t>
             </a:r>
             <a:endParaRPr lang="en-US" dirty="0"/>
@@ -11143,56 +11037,85 @@
           <a:lstStyle/>
           <a:p>
             <a:r>
-              <a:rPr lang="en-US" smtClean="0"/>
+              <a:rPr lang="en-US" dirty="0" smtClean="0"/>
               <a:t>Email </a:t>
             </a:r>
             <a:r>
-              <a:rPr lang="en-US" smtClean="0">
+              <a:rPr lang="en-US" dirty="0" smtClean="0">
+                <a:hlinkClick r:id="rId2"/>
+              </a:rPr>
+              <a:t>rc-help@colorado.edu</a:t>
+            </a:r>
+            <a:endParaRPr lang="en-US" dirty="0" smtClean="0"/>
+          </a:p>
+          <a:p>
+            <a:r>
+              <a:rPr lang="en-US" dirty="0" smtClean="0"/>
+              <a:t>Twitter:  </a:t>
+            </a:r>
+            <a:r>
+              <a:rPr lang="en-US" dirty="0" err="1" smtClean="0"/>
+              <a:t>CUBoulderRC</a:t>
+            </a:r>
+            <a:endParaRPr lang="en-US" dirty="0" smtClean="0"/>
+          </a:p>
+          <a:p>
+            <a:endParaRPr lang="en-US" dirty="0"/>
+          </a:p>
+          <a:p>
+            <a:r>
+              <a:rPr lang="en-US" dirty="0"/>
+              <a:t>Link to survey on this topic:  </a:t>
+            </a:r>
+            <a:endParaRPr lang="en-US" dirty="0"/>
+          </a:p>
+          <a:p>
+            <a:pPr marL="114300" indent="0">
+              <a:buNone/>
+            </a:pPr>
+            <a:r>
+              <a:rPr lang="en-US" dirty="0" smtClean="0">
                 <a:hlinkClick r:id="rId3"/>
               </a:rPr>
-              <a:t>rc-help@colorado.edu</a:t>
-            </a:r>
-            <a:endParaRPr lang="en-US" smtClean="0"/>
-          </a:p>
-          <a:p>
-            <a:r>
-              <a:rPr lang="en-US" smtClean="0"/>
-              <a:t>Twitter:  @CUBoulderRC</a:t>
-            </a:r>
-          </a:p>
-          <a:p>
-            <a:endParaRPr lang="en-US" smtClean="0"/>
-          </a:p>
-          <a:p>
-            <a:r>
-              <a:rPr lang="en-US" smtClean="0"/>
-              <a:t>Link to survey on this topic:  </a:t>
-            </a:r>
-            <a:r>
-              <a:rPr lang="en-US" smtClean="0">
+              <a:t>http</a:t>
+            </a:r>
+            <a:r>
+              <a:rPr lang="en-US" dirty="0">
+                <a:hlinkClick r:id="rId3"/>
+              </a:rPr>
+              <a:t>://tinyurl.com/curc-survey16</a:t>
+            </a:r>
+            <a:r>
+              <a:rPr lang="en-US" dirty="0"/>
+              <a:t>  </a:t>
+            </a:r>
+          </a:p>
+          <a:p>
+            <a:endParaRPr lang="en-US" dirty="0" smtClean="0"/>
+          </a:p>
+          <a:p>
+            <a:endParaRPr lang="en-US" dirty="0"/>
+          </a:p>
+          <a:p>
+            <a:r>
+              <a:rPr lang="en-US" dirty="0"/>
+              <a:t>Slides: </a:t>
+            </a:r>
+            <a:r>
+              <a:rPr lang="en-US" dirty="0">
                 <a:hlinkClick r:id="rId4"/>
               </a:rPr>
-              <a:t>http://goo.gl/forms/8VidcwOhRT</a:t>
-            </a:r>
-            <a:endParaRPr lang="en-US" smtClean="0"/>
-          </a:p>
-          <a:p>
-            <a:endParaRPr lang="en-US" smtClean="0"/>
-          </a:p>
-          <a:p>
-            <a:r>
-              <a:rPr lang="en-US" smtClean="0"/>
-              <a:t>Slides: </a:t>
-            </a:r>
-            <a:r>
-              <a:rPr lang="en-US" smtClean="0">
-                <a:hlinkClick r:id="rId5"/>
+              <a:t>https://</a:t>
+            </a:r>
+            <a:r>
+              <a:rPr lang="en-US" dirty="0" smtClean="0">
+                <a:hlinkClick r:id="rId4"/>
               </a:rPr>
-              <a:t>https://github.com/ResearchComputing/Final_Tutorials</a:t>
-            </a:r>
-            <a:r>
-              <a:rPr lang="en-US" smtClean="0"/>
-              <a:t> </a:t>
+              <a:t>github.com/ResearchComputing/Final_Tutorials/tree/master/Basics_Supercomputing</a:t>
+            </a:r>
+            <a:r>
+              <a:rPr lang="en-US" dirty="0" smtClean="0"/>
+              <a:t>  </a:t>
             </a:r>
             <a:endParaRPr lang="en-US" dirty="0"/>
           </a:p>
@@ -11213,9 +11136,9 @@
           <a:bodyPr/>
           <a:lstStyle/>
           <a:p>
-            <a:fld id="{355B7E9C-40DB-7B43-A10F-151590E5062B}" type="datetime1">
-              <a:rPr lang="en-US" smtClean="0"/>
-              <a:t>7/15/16</a:t>
+            <a:fld id="{7E1CAACC-F82F-BF4F-B0F1-61A165586382}" type="datetime1">
+              <a:rPr lang="en-US" smtClean="0"/>
+              <a:t>7/17/16</a:t>
             </a:fld>
             <a:endParaRPr lang="en-US" dirty="0"/>
           </a:p>
@@ -11246,7 +11169,7 @@
       </p:sp>
       <p:sp>
         <p:nvSpPr>
-          <p:cNvPr id="21" name="Slide Number Placeholder 20"/>
+          <p:cNvPr id="6" name="Slide Number Placeholder 5"/>
           <p:cNvSpPr>
             <a:spLocks noGrp="1"/>
           </p:cNvSpPr>
@@ -11271,7 +11194,7 @@
     </p:spTree>
     <p:extLst>
       <p:ext uri="{BB962C8B-B14F-4D97-AF65-F5344CB8AC3E}">
-        <p14:creationId xmlns:p14="http://schemas.microsoft.com/office/powerpoint/2010/main" val="1134020401"/>
+        <p14:creationId xmlns:p14="http://schemas.microsoft.com/office/powerpoint/2010/main" val="616009558"/>
       </p:ext>
     </p:extLst>
   </p:cSld>
@@ -11447,7 +11370,7 @@
           <a:p>
             <a:fld id="{1F35E0BD-9C81-354B-83FB-E90F13BA2F68}" type="datetime1">
               <a:rPr lang="en-US" smtClean="0"/>
-              <a:t>7/15/16</a:t>
+              <a:t>7/17/16</a:t>
             </a:fld>
             <a:endParaRPr lang="en-US"/>
           </a:p>
@@ -11664,7 +11587,7 @@
           <a:p>
             <a:fld id="{C9D600FB-8D8B-B14F-94A6-62025E6B8897}" type="datetime1">
               <a:rPr lang="en-US" smtClean="0"/>
-              <a:t>7/15/16</a:t>
+              <a:t>7/17/16</a:t>
             </a:fld>
             <a:endParaRPr lang="en-US"/>
           </a:p>
@@ -12174,7 +12097,7 @@
           <a:p>
             <a:fld id="{D36BC1C6-0E28-DE48-AB40-AFF620228B8B}" type="datetime1">
               <a:rPr lang="en-US" smtClean="0"/>
-              <a:t>7/15/16</a:t>
+              <a:t>7/17/16</a:t>
             </a:fld>
             <a:endParaRPr lang="en-US" dirty="0"/>
           </a:p>
@@ -12458,7 +12381,7 @@
           <a:p>
             <a:fld id="{FC2E31F7-E4E7-F345-B477-09351C2051AF}" type="datetime1">
               <a:rPr lang="en-US" smtClean="0"/>
-              <a:t>7/15/16</a:t>
+              <a:t>7/17/16</a:t>
             </a:fld>
             <a:endParaRPr lang="en-US" dirty="0"/>
           </a:p>
@@ -12594,7 +12517,7 @@
           <a:p>
             <a:fld id="{EF0CA858-4E4A-1E41-B7CC-25112B7BAD8B}" type="datetime1">
               <a:rPr lang="en-US" smtClean="0"/>
-              <a:t>7/15/16</a:t>
+              <a:t>7/17/16</a:t>
             </a:fld>
             <a:endParaRPr lang="en-US" dirty="0"/>
           </a:p>
@@ -12726,24 +12649,16 @@
           <a:p>
             <a:r>
               <a:rPr lang="en-US" dirty="0" smtClean="0"/>
-              <a:t>Each </a:t>
-            </a:r>
+              <a:t>Each different computer is called a node</a:t>
+            </a:r>
+          </a:p>
+          <a:p>
+            <a:endParaRPr lang="en-US" dirty="0" smtClean="0"/>
+          </a:p>
+          <a:p>
             <a:r>
               <a:rPr lang="en-US" dirty="0" smtClean="0"/>
-              <a:t>different computer is called a node</a:t>
-            </a:r>
-          </a:p>
-          <a:p>
-            <a:endParaRPr lang="en-US" dirty="0" smtClean="0"/>
-          </a:p>
-          <a:p>
-            <a:r>
-              <a:rPr lang="en-US" dirty="0" smtClean="0"/>
-              <a:t>Each </a:t>
-            </a:r>
-            <a:r>
-              <a:rPr lang="en-US" dirty="0" smtClean="0"/>
-              <a:t>node has processors/cores</a:t>
+              <a:t>Each node has processors/cores</a:t>
             </a:r>
           </a:p>
           <a:p>
@@ -12759,11 +12674,7 @@
           <a:p>
             <a:r>
               <a:rPr lang="en-US" dirty="0" smtClean="0"/>
-              <a:t>With </a:t>
-            </a:r>
-            <a:r>
-              <a:rPr lang="en-US" dirty="0" smtClean="0"/>
-              <a:t>a supercomputer, all these different computers talk to each other through a communications network</a:t>
+              <a:t>With a supercomputer, all these different computers talk to each other through a communications network</a:t>
             </a:r>
           </a:p>
           <a:p>
@@ -12797,7 +12708,7 @@
           <a:p>
             <a:fld id="{4287E083-B003-0E46-8B67-AC3170880693}" type="datetime1">
               <a:rPr lang="en-US" smtClean="0"/>
-              <a:t>7/15/16</a:t>
+              <a:t>7/17/16</a:t>
             </a:fld>
             <a:endParaRPr lang="en-US"/>
           </a:p>
